--- a/CYFI445/lectures/11_transfer_learning_sentiment_analysis/transfer_learning.pptx
+++ b/CYFI445/lectures/11_transfer_learning_sentiment_analysis/transfer_learning.pptx
@@ -636,1862 +636,6 @@
     </pc:docChg>
   </pc:docChgLst>
   <pc:docChgLst>
-    <pc:chgData name="Weifeng Xu" userId="e7aed605-a3dd-4d5a-a692-a87037af107b" providerId="ADAL" clId="{99E7DBB8-0B00-463F-B90F-88F2FF9D1B2C}"/>
-    <pc:docChg chg="undo redo custSel addSld delSld modSld sldOrd">
-      <pc:chgData name="Weifeng Xu" userId="e7aed605-a3dd-4d5a-a692-a87037af107b" providerId="ADAL" clId="{99E7DBB8-0B00-463F-B90F-88F2FF9D1B2C}" dt="2025-05-10T15:04:38.447" v="1972"/>
-      <pc:docMkLst>
-        <pc:docMk/>
-      </pc:docMkLst>
-      <pc:sldChg chg="del">
-        <pc:chgData name="Weifeng Xu" userId="e7aed605-a3dd-4d5a-a692-a87037af107b" providerId="ADAL" clId="{99E7DBB8-0B00-463F-B90F-88F2FF9D1B2C}" dt="2025-05-09T00:56:53.206" v="42" actId="47"/>
-        <pc:sldMkLst>
-          <pc:docMk/>
-          <pc:sldMk cId="1325061211" sldId="256"/>
-        </pc:sldMkLst>
-      </pc:sldChg>
-      <pc:sldChg chg="addSp modSp new mod">
-        <pc:chgData name="Weifeng Xu" userId="e7aed605-a3dd-4d5a-a692-a87037af107b" providerId="ADAL" clId="{99E7DBB8-0B00-463F-B90F-88F2FF9D1B2C}" dt="2025-05-09T13:48:29.267" v="662" actId="20577"/>
-        <pc:sldMkLst>
-          <pc:docMk/>
-          <pc:sldMk cId="4229613289" sldId="256"/>
-        </pc:sldMkLst>
-        <pc:spChg chg="mod">
-          <ac:chgData name="Weifeng Xu" userId="e7aed605-a3dd-4d5a-a692-a87037af107b" providerId="ADAL" clId="{99E7DBB8-0B00-463F-B90F-88F2FF9D1B2C}" dt="2025-05-09T13:48:29.267" v="662" actId="20577"/>
-          <ac:spMkLst>
-            <pc:docMk/>
-            <pc:sldMk cId="4229613289" sldId="256"/>
-            <ac:spMk id="2" creationId="{73048C73-D1CA-0BE8-0077-80ECB9E744B2}"/>
-          </ac:spMkLst>
-        </pc:spChg>
-      </pc:sldChg>
-      <pc:sldChg chg="addSp delSp modSp new mod">
-        <pc:chgData name="Weifeng Xu" userId="e7aed605-a3dd-4d5a-a692-a87037af107b" providerId="ADAL" clId="{99E7DBB8-0B00-463F-B90F-88F2FF9D1B2C}" dt="2025-05-09T02:20:02.586" v="219" actId="21"/>
-        <pc:sldMkLst>
-          <pc:docMk/>
-          <pc:sldMk cId="2080425308" sldId="257"/>
-        </pc:sldMkLst>
-      </pc:sldChg>
-      <pc:sldChg chg="del">
-        <pc:chgData name="Weifeng Xu" userId="e7aed605-a3dd-4d5a-a692-a87037af107b" providerId="ADAL" clId="{99E7DBB8-0B00-463F-B90F-88F2FF9D1B2C}" dt="2025-05-09T00:56:48.817" v="0" actId="47"/>
-        <pc:sldMkLst>
-          <pc:docMk/>
-          <pc:sldMk cId="3637650244" sldId="257"/>
-        </pc:sldMkLst>
-      </pc:sldChg>
-      <pc:sldChg chg="addSp delSp modSp new del mod modClrScheme chgLayout">
-        <pc:chgData name="Weifeng Xu" userId="e7aed605-a3dd-4d5a-a692-a87037af107b" providerId="ADAL" clId="{99E7DBB8-0B00-463F-B90F-88F2FF9D1B2C}" dt="2025-05-09T01:22:39.424" v="97" actId="47"/>
-        <pc:sldMkLst>
-          <pc:docMk/>
-          <pc:sldMk cId="783051541" sldId="258"/>
-        </pc:sldMkLst>
-      </pc:sldChg>
-      <pc:sldChg chg="del">
-        <pc:chgData name="Weifeng Xu" userId="e7aed605-a3dd-4d5a-a692-a87037af107b" providerId="ADAL" clId="{99E7DBB8-0B00-463F-B90F-88F2FF9D1B2C}" dt="2025-05-09T00:56:49.327" v="1" actId="47"/>
-        <pc:sldMkLst>
-          <pc:docMk/>
-          <pc:sldMk cId="2656776715" sldId="258"/>
-        </pc:sldMkLst>
-      </pc:sldChg>
-      <pc:sldChg chg="del">
-        <pc:chgData name="Weifeng Xu" userId="e7aed605-a3dd-4d5a-a692-a87037af107b" providerId="ADAL" clId="{99E7DBB8-0B00-463F-B90F-88F2FF9D1B2C}" dt="2025-05-09T00:56:49.351" v="2" actId="47"/>
-        <pc:sldMkLst>
-          <pc:docMk/>
-          <pc:sldMk cId="727829765" sldId="259"/>
-        </pc:sldMkLst>
-      </pc:sldChg>
-      <pc:sldChg chg="addSp delSp modSp new mod ord modClrScheme chgLayout">
-        <pc:chgData name="Weifeng Xu" userId="e7aed605-a3dd-4d5a-a692-a87037af107b" providerId="ADAL" clId="{99E7DBB8-0B00-463F-B90F-88F2FF9D1B2C}" dt="2025-05-09T14:56:36.715" v="1127" actId="113"/>
-        <pc:sldMkLst>
-          <pc:docMk/>
-          <pc:sldMk cId="1414809203" sldId="259"/>
-        </pc:sldMkLst>
-      </pc:sldChg>
-      <pc:sldChg chg="del">
-        <pc:chgData name="Weifeng Xu" userId="e7aed605-a3dd-4d5a-a692-a87037af107b" providerId="ADAL" clId="{99E7DBB8-0B00-463F-B90F-88F2FF9D1B2C}" dt="2025-05-09T00:56:49.538" v="4" actId="47"/>
-        <pc:sldMkLst>
-          <pc:docMk/>
-          <pc:sldMk cId="1840264368" sldId="260"/>
-        </pc:sldMkLst>
-      </pc:sldChg>
-      <pc:sldChg chg="modSp new mod ord">
-        <pc:chgData name="Weifeng Xu" userId="e7aed605-a3dd-4d5a-a692-a87037af107b" providerId="ADAL" clId="{99E7DBB8-0B00-463F-B90F-88F2FF9D1B2C}" dt="2025-05-09T14:42:46.320" v="1024" actId="6549"/>
-        <pc:sldMkLst>
-          <pc:docMk/>
-          <pc:sldMk cId="2555509167" sldId="260"/>
-        </pc:sldMkLst>
-      </pc:sldChg>
-      <pc:sldChg chg="addSp delSp modSp new add del mod ord modNotesTx">
-        <pc:chgData name="Weifeng Xu" userId="e7aed605-a3dd-4d5a-a692-a87037af107b" providerId="ADAL" clId="{99E7DBB8-0B00-463F-B90F-88F2FF9D1B2C}" dt="2025-05-09T13:51:08.563" v="723" actId="20577"/>
-        <pc:sldMkLst>
-          <pc:docMk/>
-          <pc:sldMk cId="108116971" sldId="261"/>
-        </pc:sldMkLst>
-      </pc:sldChg>
-      <pc:sldChg chg="del">
-        <pc:chgData name="Weifeng Xu" userId="e7aed605-a3dd-4d5a-a692-a87037af107b" providerId="ADAL" clId="{99E7DBB8-0B00-463F-B90F-88F2FF9D1B2C}" dt="2025-05-09T00:56:49.622" v="6" actId="47"/>
-        <pc:sldMkLst>
-          <pc:docMk/>
-          <pc:sldMk cId="4111090122" sldId="261"/>
-        </pc:sldMkLst>
-      </pc:sldChg>
-      <pc:sldChg chg="del">
-        <pc:chgData name="Weifeng Xu" userId="e7aed605-a3dd-4d5a-a692-a87037af107b" providerId="ADAL" clId="{99E7DBB8-0B00-463F-B90F-88F2FF9D1B2C}" dt="2025-05-09T00:56:49.670" v="7" actId="47"/>
-        <pc:sldMkLst>
-          <pc:docMk/>
-          <pc:sldMk cId="2317883494" sldId="262"/>
-        </pc:sldMkLst>
-      </pc:sldChg>
-      <pc:sldChg chg="addSp delSp modSp new del mod modClrScheme chgLayout">
-        <pc:chgData name="Weifeng Xu" userId="e7aed605-a3dd-4d5a-a692-a87037af107b" providerId="ADAL" clId="{99E7DBB8-0B00-463F-B90F-88F2FF9D1B2C}" dt="2025-05-09T13:54:30.871" v="739" actId="47"/>
-        <pc:sldMkLst>
-          <pc:docMk/>
-          <pc:sldMk cId="3888142425" sldId="262"/>
-        </pc:sldMkLst>
-      </pc:sldChg>
-      <pc:sldChg chg="addSp delSp modSp new mod modClrScheme chgLayout">
-        <pc:chgData name="Weifeng Xu" userId="e7aed605-a3dd-4d5a-a692-a87037af107b" providerId="ADAL" clId="{99E7DBB8-0B00-463F-B90F-88F2FF9D1B2C}" dt="2025-05-09T03:34:28.037" v="336" actId="1076"/>
-        <pc:sldMkLst>
-          <pc:docMk/>
-          <pc:sldMk cId="541577434" sldId="263"/>
-        </pc:sldMkLst>
-      </pc:sldChg>
-      <pc:sldChg chg="del">
-        <pc:chgData name="Weifeng Xu" userId="e7aed605-a3dd-4d5a-a692-a87037af107b" providerId="ADAL" clId="{99E7DBB8-0B00-463F-B90F-88F2FF9D1B2C}" dt="2025-05-09T00:56:49.721" v="9" actId="47"/>
-        <pc:sldMkLst>
-          <pc:docMk/>
-          <pc:sldMk cId="811983070" sldId="263"/>
-        </pc:sldMkLst>
-      </pc:sldChg>
-      <pc:sldChg chg="del">
-        <pc:chgData name="Weifeng Xu" userId="e7aed605-a3dd-4d5a-a692-a87037af107b" providerId="ADAL" clId="{99E7DBB8-0B00-463F-B90F-88F2FF9D1B2C}" dt="2025-05-09T00:56:49.750" v="10" actId="47"/>
-        <pc:sldMkLst>
-          <pc:docMk/>
-          <pc:sldMk cId="1963809480" sldId="264"/>
-        </pc:sldMkLst>
-      </pc:sldChg>
-      <pc:sldChg chg="addSp delSp modSp new mod modClrScheme chgLayout">
-        <pc:chgData name="Weifeng Xu" userId="e7aed605-a3dd-4d5a-a692-a87037af107b" providerId="ADAL" clId="{99E7DBB8-0B00-463F-B90F-88F2FF9D1B2C}" dt="2025-05-09T03:35:28.386" v="376" actId="1076"/>
-        <pc:sldMkLst>
-          <pc:docMk/>
-          <pc:sldMk cId="4109817222" sldId="264"/>
-        </pc:sldMkLst>
-      </pc:sldChg>
-      <pc:sldChg chg="del">
-        <pc:chgData name="Weifeng Xu" userId="e7aed605-a3dd-4d5a-a692-a87037af107b" providerId="ADAL" clId="{99E7DBB8-0B00-463F-B90F-88F2FF9D1B2C}" dt="2025-05-09T00:56:49.776" v="11" actId="47"/>
-        <pc:sldMkLst>
-          <pc:docMk/>
-          <pc:sldMk cId="1407222423" sldId="265"/>
-        </pc:sldMkLst>
-      </pc:sldChg>
-      <pc:sldChg chg="addSp delSp modSp new mod modClrScheme chgLayout">
-        <pc:chgData name="Weifeng Xu" userId="e7aed605-a3dd-4d5a-a692-a87037af107b" providerId="ADAL" clId="{99E7DBB8-0B00-463F-B90F-88F2FF9D1B2C}" dt="2025-05-10T13:15:56.890" v="1698" actId="14100"/>
-        <pc:sldMkLst>
-          <pc:docMk/>
-          <pc:sldMk cId="2460522592" sldId="265"/>
-        </pc:sldMkLst>
-      </pc:sldChg>
-      <pc:sldChg chg="del">
-        <pc:chgData name="Weifeng Xu" userId="e7aed605-a3dd-4d5a-a692-a87037af107b" providerId="ADAL" clId="{99E7DBB8-0B00-463F-B90F-88F2FF9D1B2C}" dt="2025-05-09T00:56:51.053" v="18" actId="47"/>
-        <pc:sldMkLst>
-          <pc:docMk/>
-          <pc:sldMk cId="765826211" sldId="266"/>
-        </pc:sldMkLst>
-      </pc:sldChg>
-      <pc:sldChg chg="addSp delSp modSp new mod">
-        <pc:chgData name="Weifeng Xu" userId="e7aed605-a3dd-4d5a-a692-a87037af107b" providerId="ADAL" clId="{99E7DBB8-0B00-463F-B90F-88F2FF9D1B2C}" dt="2025-05-09T14:38:22.643" v="950" actId="14100"/>
-        <pc:sldMkLst>
-          <pc:docMk/>
-          <pc:sldMk cId="4202676483" sldId="266"/>
-        </pc:sldMkLst>
-      </pc:sldChg>
-      <pc:sldChg chg="addSp delSp new mod modClrScheme chgLayout">
-        <pc:chgData name="Weifeng Xu" userId="e7aed605-a3dd-4d5a-a692-a87037af107b" providerId="ADAL" clId="{99E7DBB8-0B00-463F-B90F-88F2FF9D1B2C}" dt="2025-05-09T11:53:29.113" v="495"/>
-        <pc:sldMkLst>
-          <pc:docMk/>
-          <pc:sldMk cId="86561853" sldId="267"/>
-        </pc:sldMkLst>
-      </pc:sldChg>
-      <pc:sldChg chg="del">
-        <pc:chgData name="Weifeng Xu" userId="e7aed605-a3dd-4d5a-a692-a87037af107b" providerId="ADAL" clId="{99E7DBB8-0B00-463F-B90F-88F2FF9D1B2C}" dt="2025-05-09T00:56:49.696" v="8" actId="47"/>
-        <pc:sldMkLst>
-          <pc:docMk/>
-          <pc:sldMk cId="3504296645" sldId="267"/>
-        </pc:sldMkLst>
-      </pc:sldChg>
-      <pc:sldChg chg="del">
-        <pc:chgData name="Weifeng Xu" userId="e7aed605-a3dd-4d5a-a692-a87037af107b" providerId="ADAL" clId="{99E7DBB8-0B00-463F-B90F-88F2FF9D1B2C}" dt="2025-05-09T00:56:51.086" v="19" actId="47"/>
-        <pc:sldMkLst>
-          <pc:docMk/>
-          <pc:sldMk cId="679910618" sldId="268"/>
-        </pc:sldMkLst>
-      </pc:sldChg>
-      <pc:sldChg chg="addSp delSp modSp add mod ord modClrScheme chgLayout">
-        <pc:chgData name="Weifeng Xu" userId="e7aed605-a3dd-4d5a-a692-a87037af107b" providerId="ADAL" clId="{99E7DBB8-0B00-463F-B90F-88F2FF9D1B2C}" dt="2025-05-10T13:19:26.944" v="1727" actId="1076"/>
-        <pc:sldMkLst>
-          <pc:docMk/>
-          <pc:sldMk cId="2452082469" sldId="268"/>
-        </pc:sldMkLst>
-      </pc:sldChg>
-      <pc:sldChg chg="addSp delSp modSp new add del mod modClrScheme chgLayout">
-        <pc:chgData name="Weifeng Xu" userId="e7aed605-a3dd-4d5a-a692-a87037af107b" providerId="ADAL" clId="{99E7DBB8-0B00-463F-B90F-88F2FF9D1B2C}" dt="2025-05-09T12:58:42.375" v="564" actId="26606"/>
-        <pc:sldMkLst>
-          <pc:docMk/>
-          <pc:sldMk cId="1533910329" sldId="269"/>
-        </pc:sldMkLst>
-      </pc:sldChg>
-      <pc:sldChg chg="del">
-        <pc:chgData name="Weifeng Xu" userId="e7aed605-a3dd-4d5a-a692-a87037af107b" providerId="ADAL" clId="{99E7DBB8-0B00-463F-B90F-88F2FF9D1B2C}" dt="2025-05-09T00:56:49.818" v="12" actId="47"/>
-        <pc:sldMkLst>
-          <pc:docMk/>
-          <pc:sldMk cId="2594904362" sldId="269"/>
-        </pc:sldMkLst>
-      </pc:sldChg>
-      <pc:sldChg chg="addSp delSp modSp new mod modClrScheme chgLayout">
-        <pc:chgData name="Weifeng Xu" userId="e7aed605-a3dd-4d5a-a692-a87037af107b" providerId="ADAL" clId="{99E7DBB8-0B00-463F-B90F-88F2FF9D1B2C}" dt="2025-05-09T13:49:12.279" v="665"/>
-        <pc:sldMkLst>
-          <pc:docMk/>
-          <pc:sldMk cId="2434111921" sldId="270"/>
-        </pc:sldMkLst>
-      </pc:sldChg>
-      <pc:sldChg chg="del">
-        <pc:chgData name="Weifeng Xu" userId="e7aed605-a3dd-4d5a-a692-a87037af107b" providerId="ADAL" clId="{99E7DBB8-0B00-463F-B90F-88F2FF9D1B2C}" dt="2025-05-09T00:56:49.861" v="13" actId="47"/>
-        <pc:sldMkLst>
-          <pc:docMk/>
-          <pc:sldMk cId="3508688350" sldId="270"/>
-        </pc:sldMkLst>
-      </pc:sldChg>
-      <pc:sldChg chg="del">
-        <pc:chgData name="Weifeng Xu" userId="e7aed605-a3dd-4d5a-a692-a87037af107b" providerId="ADAL" clId="{99E7DBB8-0B00-463F-B90F-88F2FF9D1B2C}" dt="2025-05-09T00:56:50.987" v="16" actId="47"/>
-        <pc:sldMkLst>
-          <pc:docMk/>
-          <pc:sldMk cId="2923167307" sldId="271"/>
-        </pc:sldMkLst>
-      </pc:sldChg>
-      <pc:sldChg chg="addSp modSp add mod">
-        <pc:chgData name="Weifeng Xu" userId="e7aed605-a3dd-4d5a-a692-a87037af107b" providerId="ADAL" clId="{99E7DBB8-0B00-463F-B90F-88F2FF9D1B2C}" dt="2025-05-09T14:04:35.998" v="830" actId="1076"/>
-        <pc:sldMkLst>
-          <pc:docMk/>
-          <pc:sldMk cId="3407768076" sldId="271"/>
-        </pc:sldMkLst>
-      </pc:sldChg>
-      <pc:sldChg chg="del">
-        <pc:chgData name="Weifeng Xu" userId="e7aed605-a3dd-4d5a-a692-a87037af107b" providerId="ADAL" clId="{99E7DBB8-0B00-463F-B90F-88F2FF9D1B2C}" dt="2025-05-09T00:56:51.116" v="20" actId="47"/>
-        <pc:sldMkLst>
-          <pc:docMk/>
-          <pc:sldMk cId="868934236" sldId="272"/>
-        </pc:sldMkLst>
-      </pc:sldChg>
-      <pc:sldChg chg="modSp add mod ord">
-        <pc:chgData name="Weifeng Xu" userId="e7aed605-a3dd-4d5a-a692-a87037af107b" providerId="ADAL" clId="{99E7DBB8-0B00-463F-B90F-88F2FF9D1B2C}" dt="2025-05-09T14:34:31.799" v="870" actId="20577"/>
-        <pc:sldMkLst>
-          <pc:docMk/>
-          <pc:sldMk cId="3267955198" sldId="272"/>
-        </pc:sldMkLst>
-      </pc:sldChg>
-      <pc:sldChg chg="addSp delSp modSp new mod modClrScheme chgLayout">
-        <pc:chgData name="Weifeng Xu" userId="e7aed605-a3dd-4d5a-a692-a87037af107b" providerId="ADAL" clId="{99E7DBB8-0B00-463F-B90F-88F2FF9D1B2C}" dt="2025-05-09T14:46:16.527" v="1085" actId="20577"/>
-        <pc:sldMkLst>
-          <pc:docMk/>
-          <pc:sldMk cId="123998257" sldId="273"/>
-        </pc:sldMkLst>
-      </pc:sldChg>
-      <pc:sldChg chg="del">
-        <pc:chgData name="Weifeng Xu" userId="e7aed605-a3dd-4d5a-a692-a87037af107b" providerId="ADAL" clId="{99E7DBB8-0B00-463F-B90F-88F2FF9D1B2C}" dt="2025-05-09T00:56:49.388" v="3" actId="47"/>
-        <pc:sldMkLst>
-          <pc:docMk/>
-          <pc:sldMk cId="862046090" sldId="273"/>
-        </pc:sldMkLst>
-      </pc:sldChg>
-      <pc:sldChg chg="del">
-        <pc:chgData name="Weifeng Xu" userId="e7aed605-a3dd-4d5a-a692-a87037af107b" providerId="ADAL" clId="{99E7DBB8-0B00-463F-B90F-88F2FF9D1B2C}" dt="2025-05-09T00:56:49.592" v="5" actId="47"/>
-        <pc:sldMkLst>
-          <pc:docMk/>
-          <pc:sldMk cId="602319858" sldId="274"/>
-        </pc:sldMkLst>
-      </pc:sldChg>
-      <pc:sldChg chg="addSp modSp new mod">
-        <pc:chgData name="Weifeng Xu" userId="e7aed605-a3dd-4d5a-a692-a87037af107b" providerId="ADAL" clId="{99E7DBB8-0B00-463F-B90F-88F2FF9D1B2C}" dt="2025-05-09T14:49:01.193" v="1113" actId="1076"/>
-        <pc:sldMkLst>
-          <pc:docMk/>
-          <pc:sldMk cId="2691624364" sldId="274"/>
-        </pc:sldMkLst>
-      </pc:sldChg>
-      <pc:sldChg chg="addSp delSp modSp new mod modClrScheme chgLayout">
-        <pc:chgData name="Weifeng Xu" userId="e7aed605-a3dd-4d5a-a692-a87037af107b" providerId="ADAL" clId="{99E7DBB8-0B00-463F-B90F-88F2FF9D1B2C}" dt="2025-05-09T16:03:21.115" v="1305" actId="14100"/>
-        <pc:sldMkLst>
-          <pc:docMk/>
-          <pc:sldMk cId="335620739" sldId="275"/>
-        </pc:sldMkLst>
-      </pc:sldChg>
-      <pc:sldChg chg="del">
-        <pc:chgData name="Weifeng Xu" userId="e7aed605-a3dd-4d5a-a692-a87037af107b" providerId="ADAL" clId="{99E7DBB8-0B00-463F-B90F-88F2FF9D1B2C}" dt="2025-05-09T00:56:50.476" v="15" actId="47"/>
-        <pc:sldMkLst>
-          <pc:docMk/>
-          <pc:sldMk cId="1760818567" sldId="275"/>
-        </pc:sldMkLst>
-      </pc:sldChg>
-      <pc:sldChg chg="addSp delSp modSp new mod modClrScheme chgLayout">
-        <pc:chgData name="Weifeng Xu" userId="e7aed605-a3dd-4d5a-a692-a87037af107b" providerId="ADAL" clId="{99E7DBB8-0B00-463F-B90F-88F2FF9D1B2C}" dt="2025-05-09T15:27:42.179" v="1279" actId="20577"/>
-        <pc:sldMkLst>
-          <pc:docMk/>
-          <pc:sldMk cId="1706777646" sldId="276"/>
-        </pc:sldMkLst>
-      </pc:sldChg>
-      <pc:sldChg chg="del">
-        <pc:chgData name="Weifeng Xu" userId="e7aed605-a3dd-4d5a-a692-a87037af107b" providerId="ADAL" clId="{99E7DBB8-0B00-463F-B90F-88F2FF9D1B2C}" dt="2025-05-09T00:56:51.017" v="17" actId="47"/>
-        <pc:sldMkLst>
-          <pc:docMk/>
-          <pc:sldMk cId="2550957305" sldId="276"/>
-        </pc:sldMkLst>
-      </pc:sldChg>
-      <pc:sldChg chg="addSp delSp modSp new mod">
-        <pc:chgData name="Weifeng Xu" userId="e7aed605-a3dd-4d5a-a692-a87037af107b" providerId="ADAL" clId="{99E7DBB8-0B00-463F-B90F-88F2FF9D1B2C}" dt="2025-05-10T01:53:51.094" v="1636" actId="6549"/>
-        <pc:sldMkLst>
-          <pc:docMk/>
-          <pc:sldMk cId="729748050" sldId="277"/>
-        </pc:sldMkLst>
-      </pc:sldChg>
-      <pc:sldChg chg="del">
-        <pc:chgData name="Weifeng Xu" userId="e7aed605-a3dd-4d5a-a692-a87037af107b" providerId="ADAL" clId="{99E7DBB8-0B00-463F-B90F-88F2FF9D1B2C}" dt="2025-05-09T00:56:51.278" v="25" actId="47"/>
-        <pc:sldMkLst>
-          <pc:docMk/>
-          <pc:sldMk cId="3185848680" sldId="277"/>
-        </pc:sldMkLst>
-      </pc:sldChg>
-      <pc:sldChg chg="del">
-        <pc:chgData name="Weifeng Xu" userId="e7aed605-a3dd-4d5a-a692-a87037af107b" providerId="ADAL" clId="{99E7DBB8-0B00-463F-B90F-88F2FF9D1B2C}" dt="2025-05-09T00:56:51.323" v="26" actId="47"/>
-        <pc:sldMkLst>
-          <pc:docMk/>
-          <pc:sldMk cId="405124300" sldId="278"/>
-        </pc:sldMkLst>
-      </pc:sldChg>
-      <pc:sldChg chg="addSp modSp new mod">
-        <pc:chgData name="Weifeng Xu" userId="e7aed605-a3dd-4d5a-a692-a87037af107b" providerId="ADAL" clId="{99E7DBB8-0B00-463F-B90F-88F2FF9D1B2C}" dt="2025-05-10T02:11:14.099" v="1667" actId="207"/>
-        <pc:sldMkLst>
-          <pc:docMk/>
-          <pc:sldMk cId="2625883836" sldId="278"/>
-        </pc:sldMkLst>
-      </pc:sldChg>
-      <pc:sldChg chg="addSp modSp new mod">
-        <pc:chgData name="Weifeng Xu" userId="e7aed605-a3dd-4d5a-a692-a87037af107b" providerId="ADAL" clId="{99E7DBB8-0B00-463F-B90F-88F2FF9D1B2C}" dt="2025-05-10T14:25:13.185" v="1849" actId="20577"/>
-        <pc:sldMkLst>
-          <pc:docMk/>
-          <pc:sldMk cId="1124268826" sldId="279"/>
-        </pc:sldMkLst>
-      </pc:sldChg>
-      <pc:sldChg chg="del">
-        <pc:chgData name="Weifeng Xu" userId="e7aed605-a3dd-4d5a-a692-a87037af107b" providerId="ADAL" clId="{99E7DBB8-0B00-463F-B90F-88F2FF9D1B2C}" dt="2025-05-09T00:56:51.351" v="27" actId="47"/>
-        <pc:sldMkLst>
-          <pc:docMk/>
-          <pc:sldMk cId="2022899757" sldId="279"/>
-        </pc:sldMkLst>
-      </pc:sldChg>
-      <pc:sldChg chg="addSp delSp modSp new mod">
-        <pc:chgData name="Weifeng Xu" userId="e7aed605-a3dd-4d5a-a692-a87037af107b" providerId="ADAL" clId="{99E7DBB8-0B00-463F-B90F-88F2FF9D1B2C}" dt="2025-05-10T14:36:45.391" v="1949" actId="1076"/>
-        <pc:sldMkLst>
-          <pc:docMk/>
-          <pc:sldMk cId="1156439318" sldId="280"/>
-        </pc:sldMkLst>
-      </pc:sldChg>
-      <pc:sldChg chg="del">
-        <pc:chgData name="Weifeng Xu" userId="e7aed605-a3dd-4d5a-a692-a87037af107b" providerId="ADAL" clId="{99E7DBB8-0B00-463F-B90F-88F2FF9D1B2C}" dt="2025-05-09T00:56:51.380" v="28" actId="47"/>
-        <pc:sldMkLst>
-          <pc:docMk/>
-          <pc:sldMk cId="2021787752" sldId="280"/>
-        </pc:sldMkLst>
-      </pc:sldChg>
-      <pc:sldChg chg="addSp delSp modSp new mod modClrScheme chgLayout">
-        <pc:chgData name="Weifeng Xu" userId="e7aed605-a3dd-4d5a-a692-a87037af107b" providerId="ADAL" clId="{99E7DBB8-0B00-463F-B90F-88F2FF9D1B2C}" dt="2025-05-10T14:27:39.172" v="1939"/>
-        <pc:sldMkLst>
-          <pc:docMk/>
-          <pc:sldMk cId="1238643883" sldId="281"/>
-        </pc:sldMkLst>
-      </pc:sldChg>
-      <pc:sldChg chg="del">
-        <pc:chgData name="Weifeng Xu" userId="e7aed605-a3dd-4d5a-a692-a87037af107b" providerId="ADAL" clId="{99E7DBB8-0B00-463F-B90F-88F2FF9D1B2C}" dt="2025-05-09T00:56:51.407" v="29" actId="47"/>
-        <pc:sldMkLst>
-          <pc:docMk/>
-          <pc:sldMk cId="3900806462" sldId="281"/>
-        </pc:sldMkLst>
-      </pc:sldChg>
-      <pc:sldChg chg="del">
-        <pc:chgData name="Weifeng Xu" userId="e7aed605-a3dd-4d5a-a692-a87037af107b" providerId="ADAL" clId="{99E7DBB8-0B00-463F-B90F-88F2FF9D1B2C}" dt="2025-05-09T00:56:51.449" v="30" actId="47"/>
-        <pc:sldMkLst>
-          <pc:docMk/>
-          <pc:sldMk cId="2831829862" sldId="282"/>
-        </pc:sldMkLst>
-      </pc:sldChg>
-      <pc:sldChg chg="addSp modSp new mod modClrScheme chgLayout">
-        <pc:chgData name="Weifeng Xu" userId="e7aed605-a3dd-4d5a-a692-a87037af107b" providerId="ADAL" clId="{99E7DBB8-0B00-463F-B90F-88F2FF9D1B2C}" dt="2025-05-10T14:38:50.580" v="1954"/>
-        <pc:sldMkLst>
-          <pc:docMk/>
-          <pc:sldMk cId="3302196761" sldId="282"/>
-        </pc:sldMkLst>
-      </pc:sldChg>
-      <pc:sldChg chg="addSp delSp modSp new mod modClrScheme chgLayout">
-        <pc:chgData name="Weifeng Xu" userId="e7aed605-a3dd-4d5a-a692-a87037af107b" providerId="ADAL" clId="{99E7DBB8-0B00-463F-B90F-88F2FF9D1B2C}" dt="2025-05-10T14:58:41.003" v="1960" actId="22"/>
-        <pc:sldMkLst>
-          <pc:docMk/>
-          <pc:sldMk cId="3728536507" sldId="283"/>
-        </pc:sldMkLst>
-      </pc:sldChg>
-      <pc:sldChg chg="del">
-        <pc:chgData name="Weifeng Xu" userId="e7aed605-a3dd-4d5a-a692-a87037af107b" providerId="ADAL" clId="{99E7DBB8-0B00-463F-B90F-88F2FF9D1B2C}" dt="2025-05-09T00:56:51.495" v="31" actId="47"/>
-        <pc:sldMkLst>
-          <pc:docMk/>
-          <pc:sldMk cId="3760669567" sldId="283"/>
-        </pc:sldMkLst>
-      </pc:sldChg>
-      <pc:sldChg chg="del">
-        <pc:chgData name="Weifeng Xu" userId="e7aed605-a3dd-4d5a-a692-a87037af107b" providerId="ADAL" clId="{99E7DBB8-0B00-463F-B90F-88F2FF9D1B2C}" dt="2025-05-09T00:56:51.164" v="21" actId="47"/>
-        <pc:sldMkLst>
-          <pc:docMk/>
-          <pc:sldMk cId="2141137123" sldId="284"/>
-        </pc:sldMkLst>
-      </pc:sldChg>
-      <pc:sldChg chg="addSp modSp new mod modClrScheme chgLayout">
-        <pc:chgData name="Weifeng Xu" userId="e7aed605-a3dd-4d5a-a692-a87037af107b" providerId="ADAL" clId="{99E7DBB8-0B00-463F-B90F-88F2FF9D1B2C}" dt="2025-05-10T15:04:38.447" v="1972"/>
-        <pc:sldMkLst>
-          <pc:docMk/>
-          <pc:sldMk cId="2713869841" sldId="284"/>
-        </pc:sldMkLst>
-      </pc:sldChg>
-      <pc:sldChg chg="del">
-        <pc:chgData name="Weifeng Xu" userId="e7aed605-a3dd-4d5a-a692-a87037af107b" providerId="ADAL" clId="{99E7DBB8-0B00-463F-B90F-88F2FF9D1B2C}" dt="2025-05-09T00:56:51.203" v="22" actId="47"/>
-        <pc:sldMkLst>
-          <pc:docMk/>
-          <pc:sldMk cId="4021924536" sldId="286"/>
-        </pc:sldMkLst>
-      </pc:sldChg>
-      <pc:sldChg chg="del">
-        <pc:chgData name="Weifeng Xu" userId="e7aed605-a3dd-4d5a-a692-a87037af107b" providerId="ADAL" clId="{99E7DBB8-0B00-463F-B90F-88F2FF9D1B2C}" dt="2025-05-09T00:56:52.409" v="32" actId="47"/>
-        <pc:sldMkLst>
-          <pc:docMk/>
-          <pc:sldMk cId="214610006" sldId="287"/>
-        </pc:sldMkLst>
-      </pc:sldChg>
-      <pc:sldChg chg="del">
-        <pc:chgData name="Weifeng Xu" userId="e7aed605-a3dd-4d5a-a692-a87037af107b" providerId="ADAL" clId="{99E7DBB8-0B00-463F-B90F-88F2FF9D1B2C}" dt="2025-05-09T00:56:52.922" v="33" actId="47"/>
-        <pc:sldMkLst>
-          <pc:docMk/>
-          <pc:sldMk cId="1407769080" sldId="288"/>
-        </pc:sldMkLst>
-      </pc:sldChg>
-      <pc:sldChg chg="del">
-        <pc:chgData name="Weifeng Xu" userId="e7aed605-a3dd-4d5a-a692-a87037af107b" providerId="ADAL" clId="{99E7DBB8-0B00-463F-B90F-88F2FF9D1B2C}" dt="2025-05-09T00:56:51.226" v="23" actId="47"/>
-        <pc:sldMkLst>
-          <pc:docMk/>
-          <pc:sldMk cId="104095834" sldId="289"/>
-        </pc:sldMkLst>
-      </pc:sldChg>
-      <pc:sldChg chg="del">
-        <pc:chgData name="Weifeng Xu" userId="e7aed605-a3dd-4d5a-a692-a87037af107b" providerId="ADAL" clId="{99E7DBB8-0B00-463F-B90F-88F2FF9D1B2C}" dt="2025-05-09T00:56:49.891" v="14" actId="47"/>
-        <pc:sldMkLst>
-          <pc:docMk/>
-          <pc:sldMk cId="3513636499" sldId="290"/>
-        </pc:sldMkLst>
-      </pc:sldChg>
-      <pc:sldChg chg="del">
-        <pc:chgData name="Weifeng Xu" userId="e7aed605-a3dd-4d5a-a692-a87037af107b" providerId="ADAL" clId="{99E7DBB8-0B00-463F-B90F-88F2FF9D1B2C}" dt="2025-05-09T00:56:52.957" v="34" actId="47"/>
-        <pc:sldMkLst>
-          <pc:docMk/>
-          <pc:sldMk cId="767342062" sldId="291"/>
-        </pc:sldMkLst>
-      </pc:sldChg>
-      <pc:sldChg chg="del">
-        <pc:chgData name="Weifeng Xu" userId="e7aed605-a3dd-4d5a-a692-a87037af107b" providerId="ADAL" clId="{99E7DBB8-0B00-463F-B90F-88F2FF9D1B2C}" dt="2025-05-09T00:56:52.981" v="35" actId="47"/>
-        <pc:sldMkLst>
-          <pc:docMk/>
-          <pc:sldMk cId="3454193145" sldId="292"/>
-        </pc:sldMkLst>
-      </pc:sldChg>
-      <pc:sldChg chg="del">
-        <pc:chgData name="Weifeng Xu" userId="e7aed605-a3dd-4d5a-a692-a87037af107b" providerId="ADAL" clId="{99E7DBB8-0B00-463F-B90F-88F2FF9D1B2C}" dt="2025-05-09T00:56:51.251" v="24" actId="47"/>
-        <pc:sldMkLst>
-          <pc:docMk/>
-          <pc:sldMk cId="2222583924" sldId="293"/>
-        </pc:sldMkLst>
-      </pc:sldChg>
-      <pc:sldChg chg="del">
-        <pc:chgData name="Weifeng Xu" userId="e7aed605-a3dd-4d5a-a692-a87037af107b" providerId="ADAL" clId="{99E7DBB8-0B00-463F-B90F-88F2FF9D1B2C}" dt="2025-05-09T00:56:53.023" v="36" actId="47"/>
-        <pc:sldMkLst>
-          <pc:docMk/>
-          <pc:sldMk cId="1894162818" sldId="294"/>
-        </pc:sldMkLst>
-      </pc:sldChg>
-      <pc:sldChg chg="del">
-        <pc:chgData name="Weifeng Xu" userId="e7aed605-a3dd-4d5a-a692-a87037af107b" providerId="ADAL" clId="{99E7DBB8-0B00-463F-B90F-88F2FF9D1B2C}" dt="2025-05-09T00:56:53.044" v="37" actId="47"/>
-        <pc:sldMkLst>
-          <pc:docMk/>
-          <pc:sldMk cId="4224664371" sldId="295"/>
-        </pc:sldMkLst>
-      </pc:sldChg>
-      <pc:sldChg chg="del">
-        <pc:chgData name="Weifeng Xu" userId="e7aed605-a3dd-4d5a-a692-a87037af107b" providerId="ADAL" clId="{99E7DBB8-0B00-463F-B90F-88F2FF9D1B2C}" dt="2025-05-09T00:56:53.090" v="38" actId="47"/>
-        <pc:sldMkLst>
-          <pc:docMk/>
-          <pc:sldMk cId="720217490" sldId="296"/>
-        </pc:sldMkLst>
-      </pc:sldChg>
-      <pc:sldChg chg="del">
-        <pc:chgData name="Weifeng Xu" userId="e7aed605-a3dd-4d5a-a692-a87037af107b" providerId="ADAL" clId="{99E7DBB8-0B00-463F-B90F-88F2FF9D1B2C}" dt="2025-05-09T00:56:53.125" v="39" actId="47"/>
-        <pc:sldMkLst>
-          <pc:docMk/>
-          <pc:sldMk cId="4294253925" sldId="297"/>
-        </pc:sldMkLst>
-      </pc:sldChg>
-      <pc:sldChg chg="del">
-        <pc:chgData name="Weifeng Xu" userId="e7aed605-a3dd-4d5a-a692-a87037af107b" providerId="ADAL" clId="{99E7DBB8-0B00-463F-B90F-88F2FF9D1B2C}" dt="2025-05-09T00:56:53.152" v="40" actId="47"/>
-        <pc:sldMkLst>
-          <pc:docMk/>
-          <pc:sldMk cId="2038064399" sldId="298"/>
-        </pc:sldMkLst>
-      </pc:sldChg>
-      <pc:sldChg chg="del">
-        <pc:chgData name="Weifeng Xu" userId="e7aed605-a3dd-4d5a-a692-a87037af107b" providerId="ADAL" clId="{99E7DBB8-0B00-463F-B90F-88F2FF9D1B2C}" dt="2025-05-09T00:56:53.180" v="41" actId="47"/>
-        <pc:sldMkLst>
-          <pc:docMk/>
-          <pc:sldMk cId="1215718099" sldId="299"/>
-        </pc:sldMkLst>
-      </pc:sldChg>
-    </pc:docChg>
-  </pc:docChgLst>
-  <pc:docChgLst>
-    <pc:chgData name="Weifeng Xu" userId="e7aed605-a3dd-4d5a-a692-a87037af107b" providerId="ADAL" clId="{77503F2E-F3A0-409B-A511-BB14035E722B}"/>
-    <pc:docChg chg="undo custSel addSld delSld modSld sldOrd">
-      <pc:chgData name="Weifeng Xu" userId="e7aed605-a3dd-4d5a-a692-a87037af107b" providerId="ADAL" clId="{77503F2E-F3A0-409B-A511-BB14035E722B}" dt="2025-05-01T18:53:56.374" v="2136" actId="20577"/>
-      <pc:docMkLst>
-        <pc:docMk/>
-      </pc:docMkLst>
-      <pc:sldChg chg="addSp modSp mod">
-        <pc:chgData name="Weifeng Xu" userId="e7aed605-a3dd-4d5a-a692-a87037af107b" providerId="ADAL" clId="{77503F2E-F3A0-409B-A511-BB14035E722B}" dt="2025-04-30T22:37:51.320" v="275" actId="1076"/>
-        <pc:sldMkLst>
-          <pc:docMk/>
-          <pc:sldMk cId="1325061211" sldId="256"/>
-        </pc:sldMkLst>
-      </pc:sldChg>
-      <pc:sldChg chg="addSp delSp modSp new mod modClrScheme chgLayout">
-        <pc:chgData name="Weifeng Xu" userId="e7aed605-a3dd-4d5a-a692-a87037af107b" providerId="ADAL" clId="{77503F2E-F3A0-409B-A511-BB14035E722B}" dt="2025-04-30T22:00:56.674" v="162" actId="14100"/>
-        <pc:sldMkLst>
-          <pc:docMk/>
-          <pc:sldMk cId="2003605107" sldId="257"/>
-        </pc:sldMkLst>
-      </pc:sldChg>
-      <pc:sldChg chg="del">
-        <pc:chgData name="Weifeng Xu" userId="e7aed605-a3dd-4d5a-a692-a87037af107b" providerId="ADAL" clId="{77503F2E-F3A0-409B-A511-BB14035E722B}" dt="2025-04-30T21:31:57.304" v="0" actId="47"/>
-        <pc:sldMkLst>
-          <pc:docMk/>
-          <pc:sldMk cId="2572427240" sldId="257"/>
-        </pc:sldMkLst>
-      </pc:sldChg>
-      <pc:sldChg chg="del">
-        <pc:chgData name="Weifeng Xu" userId="e7aed605-a3dd-4d5a-a692-a87037af107b" providerId="ADAL" clId="{77503F2E-F3A0-409B-A511-BB14035E722B}" dt="2025-04-30T21:31:57.413" v="1" actId="47"/>
-        <pc:sldMkLst>
-          <pc:docMk/>
-          <pc:sldMk cId="3100494254" sldId="258"/>
-        </pc:sldMkLst>
-      </pc:sldChg>
-      <pc:sldChg chg="addSp delSp modSp add mod modClrScheme chgLayout">
-        <pc:chgData name="Weifeng Xu" userId="e7aed605-a3dd-4d5a-a692-a87037af107b" providerId="ADAL" clId="{77503F2E-F3A0-409B-A511-BB14035E722B}" dt="2025-04-30T22:36:13.270" v="244" actId="27636"/>
-        <pc:sldMkLst>
-          <pc:docMk/>
-          <pc:sldMk cId="3148078500" sldId="258"/>
-        </pc:sldMkLst>
-      </pc:sldChg>
-      <pc:sldChg chg="del">
-        <pc:chgData name="Weifeng Xu" userId="e7aed605-a3dd-4d5a-a692-a87037af107b" providerId="ADAL" clId="{77503F2E-F3A0-409B-A511-BB14035E722B}" dt="2025-04-30T21:31:57.571" v="2" actId="47"/>
-        <pc:sldMkLst>
-          <pc:docMk/>
-          <pc:sldMk cId="1655253961" sldId="259"/>
-        </pc:sldMkLst>
-      </pc:sldChg>
-      <pc:sldChg chg="addSp delSp modSp new mod modClrScheme chgLayout">
-        <pc:chgData name="Weifeng Xu" userId="e7aed605-a3dd-4d5a-a692-a87037af107b" providerId="ADAL" clId="{77503F2E-F3A0-409B-A511-BB14035E722B}" dt="2025-05-01T02:24:49.515" v="1486" actId="1076"/>
-        <pc:sldMkLst>
-          <pc:docMk/>
-          <pc:sldMk cId="2942233055" sldId="259"/>
-        </pc:sldMkLst>
-      </pc:sldChg>
-      <pc:sldChg chg="del">
-        <pc:chgData name="Weifeng Xu" userId="e7aed605-a3dd-4d5a-a692-a87037af107b" providerId="ADAL" clId="{77503F2E-F3A0-409B-A511-BB14035E722B}" dt="2025-04-30T21:31:58.684" v="5" actId="47"/>
-        <pc:sldMkLst>
-          <pc:docMk/>
-          <pc:sldMk cId="3375603492" sldId="260"/>
-        </pc:sldMkLst>
-      </pc:sldChg>
-      <pc:sldChg chg="addSp delSp modSp new mod modClrScheme chgLayout modNotesTx">
-        <pc:chgData name="Weifeng Xu" userId="e7aed605-a3dd-4d5a-a692-a87037af107b" providerId="ADAL" clId="{77503F2E-F3A0-409B-A511-BB14035E722B}" dt="2025-04-30T23:57:46.285" v="501" actId="1076"/>
-        <pc:sldMkLst>
-          <pc:docMk/>
-          <pc:sldMk cId="4238292093" sldId="260"/>
-        </pc:sldMkLst>
-      </pc:sldChg>
-      <pc:sldChg chg="addSp delSp modSp new mod ord modClrScheme chgLayout modNotesTx">
-        <pc:chgData name="Weifeng Xu" userId="e7aed605-a3dd-4d5a-a692-a87037af107b" providerId="ADAL" clId="{77503F2E-F3A0-409B-A511-BB14035E722B}" dt="2025-05-01T00:20:09.257" v="663" actId="20577"/>
-        <pc:sldMkLst>
-          <pc:docMk/>
-          <pc:sldMk cId="773548588" sldId="261"/>
-        </pc:sldMkLst>
-      </pc:sldChg>
-      <pc:sldChg chg="del">
-        <pc:chgData name="Weifeng Xu" userId="e7aed605-a3dd-4d5a-a692-a87037af107b" providerId="ADAL" clId="{77503F2E-F3A0-409B-A511-BB14035E722B}" dt="2025-04-30T21:31:57.746" v="3" actId="47"/>
-        <pc:sldMkLst>
-          <pc:docMk/>
-          <pc:sldMk cId="909895920" sldId="261"/>
-        </pc:sldMkLst>
-      </pc:sldChg>
-      <pc:sldChg chg="del">
-        <pc:chgData name="Weifeng Xu" userId="e7aed605-a3dd-4d5a-a692-a87037af107b" providerId="ADAL" clId="{77503F2E-F3A0-409B-A511-BB14035E722B}" dt="2025-04-30T21:31:57.991" v="4" actId="47"/>
-        <pc:sldMkLst>
-          <pc:docMk/>
-          <pc:sldMk cId="1010189504" sldId="262"/>
-        </pc:sldMkLst>
-      </pc:sldChg>
-      <pc:sldChg chg="addSp modSp new mod ord modClrScheme chgLayout">
-        <pc:chgData name="Weifeng Xu" userId="e7aed605-a3dd-4d5a-a692-a87037af107b" providerId="ADAL" clId="{77503F2E-F3A0-409B-A511-BB14035E722B}" dt="2025-05-01T01:31:48.820" v="1112"/>
-        <pc:sldMkLst>
-          <pc:docMk/>
-          <pc:sldMk cId="3939068785" sldId="262"/>
-        </pc:sldMkLst>
-      </pc:sldChg>
-      <pc:sldChg chg="addSp delSp modSp new mod modClrScheme chgLayout">
-        <pc:chgData name="Weifeng Xu" userId="e7aed605-a3dd-4d5a-a692-a87037af107b" providerId="ADAL" clId="{77503F2E-F3A0-409B-A511-BB14035E722B}" dt="2025-05-01T01:30:59.453" v="1110" actId="207"/>
-        <pc:sldMkLst>
-          <pc:docMk/>
-          <pc:sldMk cId="2162073066" sldId="263"/>
-        </pc:sldMkLst>
-      </pc:sldChg>
-      <pc:sldChg chg="addSp delSp modSp new mod modClrScheme chgLayout">
-        <pc:chgData name="Weifeng Xu" userId="e7aed605-a3dd-4d5a-a692-a87037af107b" providerId="ADAL" clId="{77503F2E-F3A0-409B-A511-BB14035E722B}" dt="2025-05-01T02:28:32.993" v="1527"/>
-        <pc:sldMkLst>
-          <pc:docMk/>
-          <pc:sldMk cId="1975365164" sldId="264"/>
-        </pc:sldMkLst>
-      </pc:sldChg>
-      <pc:sldChg chg="addSp delSp modSp new mod">
-        <pc:chgData name="Weifeng Xu" userId="e7aed605-a3dd-4d5a-a692-a87037af107b" providerId="ADAL" clId="{77503F2E-F3A0-409B-A511-BB14035E722B}" dt="2025-05-01T16:11:44.655" v="2082" actId="1076"/>
-        <pc:sldMkLst>
-          <pc:docMk/>
-          <pc:sldMk cId="4163382801" sldId="265"/>
-        </pc:sldMkLst>
-      </pc:sldChg>
-      <pc:sldChg chg="addSp delSp modSp new mod modClrScheme chgLayout modNotesTx">
-        <pc:chgData name="Weifeng Xu" userId="e7aed605-a3dd-4d5a-a692-a87037af107b" providerId="ADAL" clId="{77503F2E-F3A0-409B-A511-BB14035E722B}" dt="2025-05-01T15:39:51.026" v="1945" actId="403"/>
-        <pc:sldMkLst>
-          <pc:docMk/>
-          <pc:sldMk cId="711940281" sldId="266"/>
-        </pc:sldMkLst>
-      </pc:sldChg>
-      <pc:sldChg chg="addSp delSp modSp new mod">
-        <pc:chgData name="Weifeng Xu" userId="e7aed605-a3dd-4d5a-a692-a87037af107b" providerId="ADAL" clId="{77503F2E-F3A0-409B-A511-BB14035E722B}" dt="2025-05-01T15:44:07.976" v="1954" actId="14100"/>
-        <pc:sldMkLst>
-          <pc:docMk/>
-          <pc:sldMk cId="3000902119" sldId="267"/>
-        </pc:sldMkLst>
-      </pc:sldChg>
-      <pc:sldChg chg="addSp modSp new mod modClrScheme chgLayout">
-        <pc:chgData name="Weifeng Xu" userId="e7aed605-a3dd-4d5a-a692-a87037af107b" providerId="ADAL" clId="{77503F2E-F3A0-409B-A511-BB14035E722B}" dt="2025-05-01T02:13:32.434" v="1403"/>
-        <pc:sldMkLst>
-          <pc:docMk/>
-          <pc:sldMk cId="70125468" sldId="268"/>
-        </pc:sldMkLst>
-      </pc:sldChg>
-      <pc:sldChg chg="modSp new mod">
-        <pc:chgData name="Weifeng Xu" userId="e7aed605-a3dd-4d5a-a692-a87037af107b" providerId="ADAL" clId="{77503F2E-F3A0-409B-A511-BB14035E722B}" dt="2025-05-01T18:53:56.374" v="2136" actId="20577"/>
-        <pc:sldMkLst>
-          <pc:docMk/>
-          <pc:sldMk cId="1829157120" sldId="269"/>
-        </pc:sldMkLst>
-      </pc:sldChg>
-      <pc:sldChg chg="addSp delSp modSp new mod modClrScheme chgLayout">
-        <pc:chgData name="Weifeng Xu" userId="e7aed605-a3dd-4d5a-a692-a87037af107b" providerId="ADAL" clId="{77503F2E-F3A0-409B-A511-BB14035E722B}" dt="2025-05-01T16:45:54.163" v="2089" actId="1076"/>
-        <pc:sldMkLst>
-          <pc:docMk/>
-          <pc:sldMk cId="1822568230" sldId="270"/>
-        </pc:sldMkLst>
-      </pc:sldChg>
-      <pc:sldChg chg="addSp modSp new mod modClrScheme chgLayout">
-        <pc:chgData name="Weifeng Xu" userId="e7aed605-a3dd-4d5a-a692-a87037af107b" providerId="ADAL" clId="{77503F2E-F3A0-409B-A511-BB14035E722B}" dt="2025-05-01T14:02:37.278" v="1563" actId="14100"/>
-        <pc:sldMkLst>
-          <pc:docMk/>
-          <pc:sldMk cId="929903445" sldId="271"/>
-        </pc:sldMkLst>
-      </pc:sldChg>
-      <pc:sldChg chg="addSp modSp new mod modClrScheme chgLayout">
-        <pc:chgData name="Weifeng Xu" userId="e7aed605-a3dd-4d5a-a692-a87037af107b" providerId="ADAL" clId="{77503F2E-F3A0-409B-A511-BB14035E722B}" dt="2025-05-01T15:30:04.850" v="1882" actId="14100"/>
-        <pc:sldMkLst>
-          <pc:docMk/>
-          <pc:sldMk cId="409369350" sldId="272"/>
-        </pc:sldMkLst>
-      </pc:sldChg>
-      <pc:sldChg chg="addSp delSp modSp new mod modClrScheme chgLayout">
-        <pc:chgData name="Weifeng Xu" userId="e7aed605-a3dd-4d5a-a692-a87037af107b" providerId="ADAL" clId="{77503F2E-F3A0-409B-A511-BB14035E722B}" dt="2025-05-01T14:59:11.283" v="1722" actId="20577"/>
-        <pc:sldMkLst>
-          <pc:docMk/>
-          <pc:sldMk cId="3399795082" sldId="273"/>
-        </pc:sldMkLst>
-      </pc:sldChg>
-      <pc:sldChg chg="addSp delSp modSp new mod modClrScheme chgLayout modNotesTx">
-        <pc:chgData name="Weifeng Xu" userId="e7aed605-a3dd-4d5a-a692-a87037af107b" providerId="ADAL" clId="{77503F2E-F3A0-409B-A511-BB14035E722B}" dt="2025-05-01T15:30:28.941" v="1887" actId="403"/>
-        <pc:sldMkLst>
-          <pc:docMk/>
-          <pc:sldMk cId="1313382436" sldId="274"/>
-        </pc:sldMkLst>
-      </pc:sldChg>
-      <pc:sldChg chg="addSp delSp modSp new mod modClrScheme chgLayout">
-        <pc:chgData name="Weifeng Xu" userId="e7aed605-a3dd-4d5a-a692-a87037af107b" providerId="ADAL" clId="{77503F2E-F3A0-409B-A511-BB14035E722B}" dt="2025-05-01T15:07:31.776" v="1818" actId="12"/>
-        <pc:sldMkLst>
-          <pc:docMk/>
-          <pc:sldMk cId="4170236264" sldId="275"/>
-        </pc:sldMkLst>
-      </pc:sldChg>
-      <pc:sldChg chg="addSp delSp modSp new mod ord modClrScheme chgLayout">
-        <pc:chgData name="Weifeng Xu" userId="e7aed605-a3dd-4d5a-a692-a87037af107b" providerId="ADAL" clId="{77503F2E-F3A0-409B-A511-BB14035E722B}" dt="2025-05-01T16:46:25.876" v="2093" actId="207"/>
-        <pc:sldMkLst>
-          <pc:docMk/>
-          <pc:sldMk cId="363184616" sldId="276"/>
-        </pc:sldMkLst>
-      </pc:sldChg>
-      <pc:sldChg chg="addSp modSp new del mod">
-        <pc:chgData name="Weifeng Xu" userId="e7aed605-a3dd-4d5a-a692-a87037af107b" providerId="ADAL" clId="{77503F2E-F3A0-409B-A511-BB14035E722B}" dt="2025-05-01T16:11:58.243" v="2083" actId="47"/>
-        <pc:sldMkLst>
-          <pc:docMk/>
-          <pc:sldMk cId="1433488969" sldId="276"/>
-        </pc:sldMkLst>
-      </pc:sldChg>
-      <pc:sldChg chg="addSp delSp modSp new del mod modClrScheme chgLayout">
-        <pc:chgData name="Weifeng Xu" userId="e7aed605-a3dd-4d5a-a692-a87037af107b" providerId="ADAL" clId="{77503F2E-F3A0-409B-A511-BB14035E722B}" dt="2025-05-01T15:56:30.529" v="2015" actId="680"/>
-        <pc:sldMkLst>
-          <pc:docMk/>
-          <pc:sldMk cId="1774214095" sldId="276"/>
-        </pc:sldMkLst>
-      </pc:sldChg>
-      <pc:sldChg chg="addSp modSp new del mod modClrScheme chgLayout">
-        <pc:chgData name="Weifeng Xu" userId="e7aed605-a3dd-4d5a-a692-a87037af107b" providerId="ADAL" clId="{77503F2E-F3A0-409B-A511-BB14035E722B}" dt="2025-05-01T15:40:18.963" v="1946" actId="47"/>
-        <pc:sldMkLst>
-          <pc:docMk/>
-          <pc:sldMk cId="3294603324" sldId="276"/>
-        </pc:sldMkLst>
-      </pc:sldChg>
-      <pc:sldChg chg="addSp modSp new mod modAnim">
-        <pc:chgData name="Weifeng Xu" userId="e7aed605-a3dd-4d5a-a692-a87037af107b" providerId="ADAL" clId="{77503F2E-F3A0-409B-A511-BB14035E722B}" dt="2025-05-01T18:53:39.456" v="2135" actId="1076"/>
-        <pc:sldMkLst>
-          <pc:docMk/>
-          <pc:sldMk cId="1572050356" sldId="277"/>
-        </pc:sldMkLst>
-      </pc:sldChg>
-      <pc:sldChg chg="add del">
-        <pc:chgData name="Weifeng Xu" userId="e7aed605-a3dd-4d5a-a692-a87037af107b" providerId="ADAL" clId="{77503F2E-F3A0-409B-A511-BB14035E722B}" dt="2025-05-01T18:49:24.473" v="2098"/>
-        <pc:sldMkLst>
-          <pc:docMk/>
-          <pc:sldMk cId="3665025083" sldId="277"/>
-        </pc:sldMkLst>
-      </pc:sldChg>
-      <pc:sldChg chg="add del">
-        <pc:chgData name="Weifeng Xu" userId="e7aed605-a3dd-4d5a-a692-a87037af107b" providerId="ADAL" clId="{77503F2E-F3A0-409B-A511-BB14035E722B}" dt="2025-05-01T18:49:10.145" v="2095"/>
-        <pc:sldMkLst>
-          <pc:docMk/>
-          <pc:sldMk cId="4149124542" sldId="277"/>
-        </pc:sldMkLst>
-      </pc:sldChg>
-    </pc:docChg>
-  </pc:docChgLst>
-  <pc:docChgLst>
-    <pc:chgData name="Weifeng Xu" userId="e7aed605-a3dd-4d5a-a692-a87037af107b" providerId="ADAL" clId="{8E5A6AEC-921D-4BE6-8002-CC8D4F2830D2}"/>
-    <pc:docChg chg="undo custSel addSld delSld modSld">
-      <pc:chgData name="Weifeng Xu" userId="e7aed605-a3dd-4d5a-a692-a87037af107b" providerId="ADAL" clId="{8E5A6AEC-921D-4BE6-8002-CC8D4F2830D2}" dt="2025-04-28T15:23:27.017" v="746" actId="6549"/>
-      <pc:docMkLst>
-        <pc:docMk/>
-      </pc:docMkLst>
-      <pc:sldChg chg="modSp mod chgLayout">
-        <pc:chgData name="Weifeng Xu" userId="e7aed605-a3dd-4d5a-a692-a87037af107b" providerId="ADAL" clId="{8E5A6AEC-921D-4BE6-8002-CC8D4F2830D2}" dt="2025-04-27T15:24:07.342" v="34" actId="700"/>
-        <pc:sldMkLst>
-          <pc:docMk/>
-          <pc:sldMk cId="1325061211" sldId="256"/>
-        </pc:sldMkLst>
-      </pc:sldChg>
-      <pc:sldChg chg="del">
-        <pc:chgData name="Weifeng Xu" userId="e7aed605-a3dd-4d5a-a692-a87037af107b" providerId="ADAL" clId="{8E5A6AEC-921D-4BE6-8002-CC8D4F2830D2}" dt="2025-04-27T15:25:06.899" v="35" actId="47"/>
-        <pc:sldMkLst>
-          <pc:docMk/>
-          <pc:sldMk cId="2201572609" sldId="257"/>
-        </pc:sldMkLst>
-      </pc:sldChg>
-      <pc:sldChg chg="addSp modSp new mod">
-        <pc:chgData name="Weifeng Xu" userId="e7aed605-a3dd-4d5a-a692-a87037af107b" providerId="ADAL" clId="{8E5A6AEC-921D-4BE6-8002-CC8D4F2830D2}" dt="2025-04-27T15:43:48.595" v="157" actId="1076"/>
-        <pc:sldMkLst>
-          <pc:docMk/>
-          <pc:sldMk cId="2572427240" sldId="257"/>
-        </pc:sldMkLst>
-      </pc:sldChg>
-      <pc:sldChg chg="del">
-        <pc:chgData name="Weifeng Xu" userId="e7aed605-a3dd-4d5a-a692-a87037af107b" providerId="ADAL" clId="{8E5A6AEC-921D-4BE6-8002-CC8D4F2830D2}" dt="2025-04-27T15:25:07.244" v="36" actId="47"/>
-        <pc:sldMkLst>
-          <pc:docMk/>
-          <pc:sldMk cId="450669007" sldId="258"/>
-        </pc:sldMkLst>
-      </pc:sldChg>
-      <pc:sldChg chg="addSp delSp modSp new mod modClrScheme chgLayout">
-        <pc:chgData name="Weifeng Xu" userId="e7aed605-a3dd-4d5a-a692-a87037af107b" providerId="ADAL" clId="{8E5A6AEC-921D-4BE6-8002-CC8D4F2830D2}" dt="2025-04-27T16:01:11.569" v="507" actId="207"/>
-        <pc:sldMkLst>
-          <pc:docMk/>
-          <pc:sldMk cId="3100494254" sldId="258"/>
-        </pc:sldMkLst>
-      </pc:sldChg>
-      <pc:sldChg chg="modSp new mod">
-        <pc:chgData name="Weifeng Xu" userId="e7aed605-a3dd-4d5a-a692-a87037af107b" providerId="ADAL" clId="{8E5A6AEC-921D-4BE6-8002-CC8D4F2830D2}" dt="2025-04-27T16:03:14.809" v="520" actId="207"/>
-        <pc:sldMkLst>
-          <pc:docMk/>
-          <pc:sldMk cId="1655253961" sldId="259"/>
-        </pc:sldMkLst>
-      </pc:sldChg>
-      <pc:sldChg chg="del">
-        <pc:chgData name="Weifeng Xu" userId="e7aed605-a3dd-4d5a-a692-a87037af107b" providerId="ADAL" clId="{8E5A6AEC-921D-4BE6-8002-CC8D4F2830D2}" dt="2025-04-27T15:25:07.654" v="37" actId="47"/>
-        <pc:sldMkLst>
-          <pc:docMk/>
-          <pc:sldMk cId="3233567480" sldId="259"/>
-        </pc:sldMkLst>
-      </pc:sldChg>
-      <pc:sldChg chg="del">
-        <pc:chgData name="Weifeng Xu" userId="e7aed605-a3dd-4d5a-a692-a87037af107b" providerId="ADAL" clId="{8E5A6AEC-921D-4BE6-8002-CC8D4F2830D2}" dt="2025-04-27T15:25:09.947" v="46" actId="47"/>
-        <pc:sldMkLst>
-          <pc:docMk/>
-          <pc:sldMk cId="2715224073" sldId="260"/>
-        </pc:sldMkLst>
-      </pc:sldChg>
-      <pc:sldChg chg="modSp new mod">
-        <pc:chgData name="Weifeng Xu" userId="e7aed605-a3dd-4d5a-a692-a87037af107b" providerId="ADAL" clId="{8E5A6AEC-921D-4BE6-8002-CC8D4F2830D2}" dt="2025-04-27T16:04:14.976" v="601" actId="313"/>
-        <pc:sldMkLst>
-          <pc:docMk/>
-          <pc:sldMk cId="3375603492" sldId="260"/>
-        </pc:sldMkLst>
-      </pc:sldChg>
-      <pc:sldChg chg="modSp new mod">
-        <pc:chgData name="Weifeng Xu" userId="e7aed605-a3dd-4d5a-a692-a87037af107b" providerId="ADAL" clId="{8E5A6AEC-921D-4BE6-8002-CC8D4F2830D2}" dt="2025-04-27T16:05:14.474" v="618"/>
-        <pc:sldMkLst>
-          <pc:docMk/>
-          <pc:sldMk cId="909895920" sldId="261"/>
-        </pc:sldMkLst>
-      </pc:sldChg>
-      <pc:sldChg chg="del">
-        <pc:chgData name="Weifeng Xu" userId="e7aed605-a3dd-4d5a-a692-a87037af107b" providerId="ADAL" clId="{8E5A6AEC-921D-4BE6-8002-CC8D4F2830D2}" dt="2025-04-27T15:25:07.871" v="38" actId="47"/>
-        <pc:sldMkLst>
-          <pc:docMk/>
-          <pc:sldMk cId="1030786537" sldId="261"/>
-        </pc:sldMkLst>
-      </pc:sldChg>
-      <pc:sldChg chg="addSp delSp modSp new mod">
-        <pc:chgData name="Weifeng Xu" userId="e7aed605-a3dd-4d5a-a692-a87037af107b" providerId="ADAL" clId="{8E5A6AEC-921D-4BE6-8002-CC8D4F2830D2}" dt="2025-04-28T15:23:27.017" v="746" actId="6549"/>
-        <pc:sldMkLst>
-          <pc:docMk/>
-          <pc:sldMk cId="1010189504" sldId="262"/>
-        </pc:sldMkLst>
-      </pc:sldChg>
-      <pc:sldChg chg="del">
-        <pc:chgData name="Weifeng Xu" userId="e7aed605-a3dd-4d5a-a692-a87037af107b" providerId="ADAL" clId="{8E5A6AEC-921D-4BE6-8002-CC8D4F2830D2}" dt="2025-04-27T15:25:08.095" v="39" actId="47"/>
-        <pc:sldMkLst>
-          <pc:docMk/>
-          <pc:sldMk cId="3548515090" sldId="264"/>
-        </pc:sldMkLst>
-      </pc:sldChg>
-      <pc:sldChg chg="del">
-        <pc:chgData name="Weifeng Xu" userId="e7aed605-a3dd-4d5a-a692-a87037af107b" providerId="ADAL" clId="{8E5A6AEC-921D-4BE6-8002-CC8D4F2830D2}" dt="2025-04-27T15:25:10.434" v="47" actId="47"/>
-        <pc:sldMkLst>
-          <pc:docMk/>
-          <pc:sldMk cId="3523214092" sldId="265"/>
-        </pc:sldMkLst>
-      </pc:sldChg>
-      <pc:sldChg chg="del">
-        <pc:chgData name="Weifeng Xu" userId="e7aed605-a3dd-4d5a-a692-a87037af107b" providerId="ADAL" clId="{8E5A6AEC-921D-4BE6-8002-CC8D4F2830D2}" dt="2025-04-27T15:25:08.929" v="43" actId="47"/>
-        <pc:sldMkLst>
-          <pc:docMk/>
-          <pc:sldMk cId="756868712" sldId="266"/>
-        </pc:sldMkLst>
-      </pc:sldChg>
-      <pc:sldChg chg="del">
-        <pc:chgData name="Weifeng Xu" userId="e7aed605-a3dd-4d5a-a692-a87037af107b" providerId="ADAL" clId="{8E5A6AEC-921D-4BE6-8002-CC8D4F2830D2}" dt="2025-04-27T15:25:09.145" v="44" actId="47"/>
-        <pc:sldMkLst>
-          <pc:docMk/>
-          <pc:sldMk cId="2973990778" sldId="267"/>
-        </pc:sldMkLst>
-      </pc:sldChg>
-      <pc:sldChg chg="del">
-        <pc:chgData name="Weifeng Xu" userId="e7aed605-a3dd-4d5a-a692-a87037af107b" providerId="ADAL" clId="{8E5A6AEC-921D-4BE6-8002-CC8D4F2830D2}" dt="2025-04-27T15:25:09.362" v="45" actId="47"/>
-        <pc:sldMkLst>
-          <pc:docMk/>
-          <pc:sldMk cId="2042884208" sldId="268"/>
-        </pc:sldMkLst>
-      </pc:sldChg>
-      <pc:sldChg chg="del">
-        <pc:chgData name="Weifeng Xu" userId="e7aed605-a3dd-4d5a-a692-a87037af107b" providerId="ADAL" clId="{8E5A6AEC-921D-4BE6-8002-CC8D4F2830D2}" dt="2025-04-27T15:25:08.271" v="40" actId="47"/>
-        <pc:sldMkLst>
-          <pc:docMk/>
-          <pc:sldMk cId="3256057421" sldId="269"/>
-        </pc:sldMkLst>
-      </pc:sldChg>
-      <pc:sldChg chg="del">
-        <pc:chgData name="Weifeng Xu" userId="e7aed605-a3dd-4d5a-a692-a87037af107b" providerId="ADAL" clId="{8E5A6AEC-921D-4BE6-8002-CC8D4F2830D2}" dt="2025-04-27T15:25:08.466" v="41" actId="47"/>
-        <pc:sldMkLst>
-          <pc:docMk/>
-          <pc:sldMk cId="146876777" sldId="270"/>
-        </pc:sldMkLst>
-      </pc:sldChg>
-      <pc:sldChg chg="del">
-        <pc:chgData name="Weifeng Xu" userId="e7aed605-a3dd-4d5a-a692-a87037af107b" providerId="ADAL" clId="{8E5A6AEC-921D-4BE6-8002-CC8D4F2830D2}" dt="2025-04-27T15:25:08.686" v="42" actId="47"/>
-        <pc:sldMkLst>
-          <pc:docMk/>
-          <pc:sldMk cId="1939243851" sldId="271"/>
-        </pc:sldMkLst>
-      </pc:sldChg>
-      <pc:sldChg chg="del">
-        <pc:chgData name="Weifeng Xu" userId="e7aed605-a3dd-4d5a-a692-a87037af107b" providerId="ADAL" clId="{8E5A6AEC-921D-4BE6-8002-CC8D4F2830D2}" dt="2025-04-27T15:25:11.096" v="48" actId="47"/>
-        <pc:sldMkLst>
-          <pc:docMk/>
-          <pc:sldMk cId="2238745649" sldId="272"/>
-        </pc:sldMkLst>
-      </pc:sldChg>
-    </pc:docChg>
-  </pc:docChgLst>
-  <pc:docChgLst>
-    <pc:chgData name="Weifeng Xu" userId="e7aed605-a3dd-4d5a-a692-a87037af107b" providerId="ADAL" clId="{781DD69C-B3C3-4AA3-A094-E5C237C15CAE}"/>
-    <pc:docChg chg="delSld">
-      <pc:chgData name="Weifeng Xu" userId="e7aed605-a3dd-4d5a-a692-a87037af107b" providerId="ADAL" clId="{781DD69C-B3C3-4AA3-A094-E5C237C15CAE}" dt="2025-04-26T15:34:37.721" v="1" actId="47"/>
-      <pc:docMkLst>
-        <pc:docMk/>
-      </pc:docMkLst>
-      <pc:sldChg chg="del">
-        <pc:chgData name="Weifeng Xu" userId="e7aed605-a3dd-4d5a-a692-a87037af107b" providerId="ADAL" clId="{781DD69C-B3C3-4AA3-A094-E5C237C15CAE}" dt="2025-04-26T15:34:36.333" v="0" actId="47"/>
-        <pc:sldMkLst>
-          <pc:docMk/>
-          <pc:sldMk cId="3284022864" sldId="262"/>
-        </pc:sldMkLst>
-      </pc:sldChg>
-      <pc:sldChg chg="del">
-        <pc:chgData name="Weifeng Xu" userId="e7aed605-a3dd-4d5a-a692-a87037af107b" providerId="ADAL" clId="{781DD69C-B3C3-4AA3-A094-E5C237C15CAE}" dt="2025-04-26T15:34:37.721" v="1" actId="47"/>
-        <pc:sldMkLst>
-          <pc:docMk/>
-          <pc:sldMk cId="786756272" sldId="263"/>
-        </pc:sldMkLst>
-      </pc:sldChg>
-    </pc:docChg>
-  </pc:docChgLst>
-  <pc:docChgLst>
-    <pc:chgData name="Weifeng Xu" userId="e7aed605-a3dd-4d5a-a692-a87037af107b" providerId="ADAL" clId="{B29BA757-A9E5-4E35-900E-70A7C044DEA3}"/>
-    <pc:docChg chg="undo custSel addSld delSld modSld sldOrd">
-      <pc:chgData name="Weifeng Xu" userId="e7aed605-a3dd-4d5a-a692-a87037af107b" providerId="ADAL" clId="{B29BA757-A9E5-4E35-900E-70A7C044DEA3}" dt="2025-05-08T20:26:31.713" v="2302"/>
-      <pc:docMkLst>
-        <pc:docMk/>
-      </pc:docMkLst>
-      <pc:sldChg chg="addSp modSp mod">
-        <pc:chgData name="Weifeng Xu" userId="e7aed605-a3dd-4d5a-a692-a87037af107b" providerId="ADAL" clId="{B29BA757-A9E5-4E35-900E-70A7C044DEA3}" dt="2025-05-07T14:31:41.747" v="329" actId="1076"/>
-        <pc:sldMkLst>
-          <pc:docMk/>
-          <pc:sldMk cId="1325061211" sldId="256"/>
-        </pc:sldMkLst>
-      </pc:sldChg>
-      <pc:sldChg chg="modSp mod">
-        <pc:chgData name="Weifeng Xu" userId="e7aed605-a3dd-4d5a-a692-a87037af107b" providerId="ADAL" clId="{B29BA757-A9E5-4E35-900E-70A7C044DEA3}" dt="2025-05-07T19:12:32.998" v="1316" actId="27636"/>
-        <pc:sldMkLst>
-          <pc:docMk/>
-          <pc:sldMk cId="3637650244" sldId="257"/>
-        </pc:sldMkLst>
-      </pc:sldChg>
-      <pc:sldChg chg="del">
-        <pc:chgData name="Weifeng Xu" userId="e7aed605-a3dd-4d5a-a692-a87037af107b" providerId="ADAL" clId="{B29BA757-A9E5-4E35-900E-70A7C044DEA3}" dt="2025-05-07T01:05:38.460" v="1" actId="47"/>
-        <pc:sldMkLst>
-          <pc:docMk/>
-          <pc:sldMk cId="2182874950" sldId="258"/>
-        </pc:sldMkLst>
-      </pc:sldChg>
-      <pc:sldChg chg="modSp new mod">
-        <pc:chgData name="Weifeng Xu" userId="e7aed605-a3dd-4d5a-a692-a87037af107b" providerId="ADAL" clId="{B29BA757-A9E5-4E35-900E-70A7C044DEA3}" dt="2025-05-07T01:09:41.997" v="59" actId="15"/>
-        <pc:sldMkLst>
-          <pc:docMk/>
-          <pc:sldMk cId="2656776715" sldId="258"/>
-        </pc:sldMkLst>
-      </pc:sldChg>
-      <pc:sldChg chg="addSp modSp new mod modClrScheme chgLayout">
-        <pc:chgData name="Weifeng Xu" userId="e7aed605-a3dd-4d5a-a692-a87037af107b" providerId="ADAL" clId="{B29BA757-A9E5-4E35-900E-70A7C044DEA3}" dt="2025-05-08T16:47:57.135" v="2086" actId="27636"/>
-        <pc:sldMkLst>
-          <pc:docMk/>
-          <pc:sldMk cId="727829765" sldId="259"/>
-        </pc:sldMkLst>
-      </pc:sldChg>
-      <pc:sldChg chg="del">
-        <pc:chgData name="Weifeng Xu" userId="e7aed605-a3dd-4d5a-a692-a87037af107b" providerId="ADAL" clId="{B29BA757-A9E5-4E35-900E-70A7C044DEA3}" dt="2025-05-07T01:05:38.614" v="2" actId="47"/>
-        <pc:sldMkLst>
-          <pc:docMk/>
-          <pc:sldMk cId="3948614833" sldId="259"/>
-        </pc:sldMkLst>
-      </pc:sldChg>
-      <pc:sldChg chg="addSp delSp modSp new mod modClrScheme chgLayout">
-        <pc:chgData name="Weifeng Xu" userId="e7aed605-a3dd-4d5a-a692-a87037af107b" providerId="ADAL" clId="{B29BA757-A9E5-4E35-900E-70A7C044DEA3}" dt="2025-05-07T15:58:32.517" v="715" actId="20577"/>
-        <pc:sldMkLst>
-          <pc:docMk/>
-          <pc:sldMk cId="1840264368" sldId="260"/>
-        </pc:sldMkLst>
-      </pc:sldChg>
-      <pc:sldChg chg="del">
-        <pc:chgData name="Weifeng Xu" userId="e7aed605-a3dd-4d5a-a692-a87037af107b" providerId="ADAL" clId="{B29BA757-A9E5-4E35-900E-70A7C044DEA3}" dt="2025-05-07T01:05:38.749" v="3" actId="47"/>
-        <pc:sldMkLst>
-          <pc:docMk/>
-          <pc:sldMk cId="2232272763" sldId="260"/>
-        </pc:sldMkLst>
-      </pc:sldChg>
-      <pc:sldChg chg="del">
-        <pc:chgData name="Weifeng Xu" userId="e7aed605-a3dd-4d5a-a692-a87037af107b" providerId="ADAL" clId="{B29BA757-A9E5-4E35-900E-70A7C044DEA3}" dt="2025-05-07T01:05:38.900" v="4" actId="47"/>
-        <pc:sldMkLst>
-          <pc:docMk/>
-          <pc:sldMk cId="2892488957" sldId="261"/>
-        </pc:sldMkLst>
-      </pc:sldChg>
-      <pc:sldChg chg="addSp delSp modSp new mod modClrScheme chgLayout">
-        <pc:chgData name="Weifeng Xu" userId="e7aed605-a3dd-4d5a-a692-a87037af107b" providerId="ADAL" clId="{B29BA757-A9E5-4E35-900E-70A7C044DEA3}" dt="2025-05-07T16:07:46.408" v="827" actId="113"/>
-        <pc:sldMkLst>
-          <pc:docMk/>
-          <pc:sldMk cId="4111090122" sldId="261"/>
-        </pc:sldMkLst>
-      </pc:sldChg>
-      <pc:sldChg chg="del">
-        <pc:chgData name="Weifeng Xu" userId="e7aed605-a3dd-4d5a-a692-a87037af107b" providerId="ADAL" clId="{B29BA757-A9E5-4E35-900E-70A7C044DEA3}" dt="2025-05-07T01:05:39.385" v="6" actId="47"/>
-        <pc:sldMkLst>
-          <pc:docMk/>
-          <pc:sldMk cId="151526665" sldId="262"/>
-        </pc:sldMkLst>
-      </pc:sldChg>
-      <pc:sldChg chg="addSp delSp modSp new mod">
-        <pc:chgData name="Weifeng Xu" userId="e7aed605-a3dd-4d5a-a692-a87037af107b" providerId="ADAL" clId="{B29BA757-A9E5-4E35-900E-70A7C044DEA3}" dt="2025-05-07T02:15:40.306" v="320" actId="20577"/>
-        <pc:sldMkLst>
-          <pc:docMk/>
-          <pc:sldMk cId="2317883494" sldId="262"/>
-        </pc:sldMkLst>
-      </pc:sldChg>
-      <pc:sldChg chg="addSp modSp new mod modClrScheme chgLayout">
-        <pc:chgData name="Weifeng Xu" userId="e7aed605-a3dd-4d5a-a692-a87037af107b" providerId="ADAL" clId="{B29BA757-A9E5-4E35-900E-70A7C044DEA3}" dt="2025-05-07T01:53:07.182" v="259" actId="1076"/>
-        <pc:sldMkLst>
-          <pc:docMk/>
-          <pc:sldMk cId="811983070" sldId="263"/>
-        </pc:sldMkLst>
-      </pc:sldChg>
-      <pc:sldChg chg="del">
-        <pc:chgData name="Weifeng Xu" userId="e7aed605-a3dd-4d5a-a692-a87037af107b" providerId="ADAL" clId="{B29BA757-A9E5-4E35-900E-70A7C044DEA3}" dt="2025-05-07T01:05:39.039" v="5" actId="47"/>
-        <pc:sldMkLst>
-          <pc:docMk/>
-          <pc:sldMk cId="1683674305" sldId="263"/>
-        </pc:sldMkLst>
-      </pc:sldChg>
-      <pc:sldChg chg="del">
-        <pc:chgData name="Weifeng Xu" userId="e7aed605-a3dd-4d5a-a692-a87037af107b" providerId="ADAL" clId="{B29BA757-A9E5-4E35-900E-70A7C044DEA3}" dt="2025-05-07T01:05:39.710" v="7" actId="47"/>
-        <pc:sldMkLst>
-          <pc:docMk/>
-          <pc:sldMk cId="14529535" sldId="264"/>
-        </pc:sldMkLst>
-      </pc:sldChg>
-      <pc:sldChg chg="addSp modSp new mod modClrScheme chgLayout">
-        <pc:chgData name="Weifeng Xu" userId="e7aed605-a3dd-4d5a-a692-a87037af107b" providerId="ADAL" clId="{B29BA757-A9E5-4E35-900E-70A7C044DEA3}" dt="2025-05-07T01:53:03.713" v="258" actId="14100"/>
-        <pc:sldMkLst>
-          <pc:docMk/>
-          <pc:sldMk cId="1963809480" sldId="264"/>
-        </pc:sldMkLst>
-      </pc:sldChg>
-      <pc:sldChg chg="addSp delSp modSp new mod modClrScheme chgLayout">
-        <pc:chgData name="Weifeng Xu" userId="e7aed605-a3dd-4d5a-a692-a87037af107b" providerId="ADAL" clId="{B29BA757-A9E5-4E35-900E-70A7C044DEA3}" dt="2025-05-07T02:00:05.906" v="291" actId="27636"/>
-        <pc:sldMkLst>
-          <pc:docMk/>
-          <pc:sldMk cId="1407222423" sldId="265"/>
-        </pc:sldMkLst>
-      </pc:sldChg>
-      <pc:sldChg chg="del">
-        <pc:chgData name="Weifeng Xu" userId="e7aed605-a3dd-4d5a-a692-a87037af107b" providerId="ADAL" clId="{B29BA757-A9E5-4E35-900E-70A7C044DEA3}" dt="2025-05-07T01:05:38.315" v="0" actId="47"/>
-        <pc:sldMkLst>
-          <pc:docMk/>
-          <pc:sldMk cId="2513134488" sldId="265"/>
-        </pc:sldMkLst>
-      </pc:sldChg>
-      <pc:sldChg chg="addSp delSp modSp new mod ord modClrScheme chgLayout">
-        <pc:chgData name="Weifeng Xu" userId="e7aed605-a3dd-4d5a-a692-a87037af107b" providerId="ADAL" clId="{B29BA757-A9E5-4E35-900E-70A7C044DEA3}" dt="2025-05-07T16:11:53.180" v="845"/>
-        <pc:sldMkLst>
-          <pc:docMk/>
-          <pc:sldMk cId="765826211" sldId="266"/>
-        </pc:sldMkLst>
-      </pc:sldChg>
-      <pc:sldChg chg="del">
-        <pc:chgData name="Weifeng Xu" userId="e7aed605-a3dd-4d5a-a692-a87037af107b" providerId="ADAL" clId="{B29BA757-A9E5-4E35-900E-70A7C044DEA3}" dt="2025-05-07T01:05:40.134" v="10" actId="47"/>
-        <pc:sldMkLst>
-          <pc:docMk/>
-          <pc:sldMk cId="2697101003" sldId="266"/>
-        </pc:sldMkLst>
-      </pc:sldChg>
-      <pc:sldChg chg="new del">
-        <pc:chgData name="Weifeng Xu" userId="e7aed605-a3dd-4d5a-a692-a87037af107b" providerId="ADAL" clId="{B29BA757-A9E5-4E35-900E-70A7C044DEA3}" dt="2025-05-07T02:16:40.905" v="322" actId="680"/>
-        <pc:sldMkLst>
-          <pc:docMk/>
-          <pc:sldMk cId="3259922637" sldId="266"/>
-        </pc:sldMkLst>
-      </pc:sldChg>
-      <pc:sldChg chg="del">
-        <pc:chgData name="Weifeng Xu" userId="e7aed605-a3dd-4d5a-a692-a87037af107b" providerId="ADAL" clId="{B29BA757-A9E5-4E35-900E-70A7C044DEA3}" dt="2025-05-07T01:05:39.993" v="9" actId="47"/>
-        <pc:sldMkLst>
-          <pc:docMk/>
-          <pc:sldMk cId="2718594992" sldId="267"/>
-        </pc:sldMkLst>
-      </pc:sldChg>
-      <pc:sldChg chg="addSp delSp modSp new mod modClrScheme chgLayout modNotesTx">
-        <pc:chgData name="Weifeng Xu" userId="e7aed605-a3dd-4d5a-a692-a87037af107b" providerId="ADAL" clId="{B29BA757-A9E5-4E35-900E-70A7C044DEA3}" dt="2025-05-07T14:46:51.402" v="411" actId="478"/>
-        <pc:sldMkLst>
-          <pc:docMk/>
-          <pc:sldMk cId="3504296645" sldId="267"/>
-        </pc:sldMkLst>
-      </pc:sldChg>
-      <pc:sldChg chg="addSp modSp new mod">
-        <pc:chgData name="Weifeng Xu" userId="e7aed605-a3dd-4d5a-a692-a87037af107b" providerId="ADAL" clId="{B29BA757-A9E5-4E35-900E-70A7C044DEA3}" dt="2025-05-07T19:16:35.860" v="1318" actId="1076"/>
-        <pc:sldMkLst>
-          <pc:docMk/>
-          <pc:sldMk cId="679910618" sldId="268"/>
-        </pc:sldMkLst>
-      </pc:sldChg>
-      <pc:sldChg chg="del">
-        <pc:chgData name="Weifeng Xu" userId="e7aed605-a3dd-4d5a-a692-a87037af107b" providerId="ADAL" clId="{B29BA757-A9E5-4E35-900E-70A7C044DEA3}" dt="2025-05-07T01:05:40.272" v="11" actId="47"/>
-        <pc:sldMkLst>
-          <pc:docMk/>
-          <pc:sldMk cId="2848934703" sldId="268"/>
-        </pc:sldMkLst>
-      </pc:sldChg>
-      <pc:sldChg chg="addSp delSp modSp new mod modClrScheme chgLayout">
-        <pc:chgData name="Weifeng Xu" userId="e7aed605-a3dd-4d5a-a692-a87037af107b" providerId="ADAL" clId="{B29BA757-A9E5-4E35-900E-70A7C044DEA3}" dt="2025-05-07T15:40:11.868" v="444" actId="1076"/>
-        <pc:sldMkLst>
-          <pc:docMk/>
-          <pc:sldMk cId="2594904362" sldId="269"/>
-        </pc:sldMkLst>
-      </pc:sldChg>
-      <pc:sldChg chg="del">
-        <pc:chgData name="Weifeng Xu" userId="e7aed605-a3dd-4d5a-a692-a87037af107b" providerId="ADAL" clId="{B29BA757-A9E5-4E35-900E-70A7C044DEA3}" dt="2025-05-07T01:05:41.327" v="15" actId="47"/>
-        <pc:sldMkLst>
-          <pc:docMk/>
-          <pc:sldMk cId="2627592652" sldId="269"/>
-        </pc:sldMkLst>
-      </pc:sldChg>
-      <pc:sldChg chg="addSp modSp new mod">
-        <pc:chgData name="Weifeng Xu" userId="e7aed605-a3dd-4d5a-a692-a87037af107b" providerId="ADAL" clId="{B29BA757-A9E5-4E35-900E-70A7C044DEA3}" dt="2025-05-08T13:13:14.917" v="2061" actId="1076"/>
-        <pc:sldMkLst>
-          <pc:docMk/>
-          <pc:sldMk cId="3508688350" sldId="270"/>
-        </pc:sldMkLst>
-      </pc:sldChg>
-      <pc:sldChg chg="del">
-        <pc:chgData name="Weifeng Xu" userId="e7aed605-a3dd-4d5a-a692-a87037af107b" providerId="ADAL" clId="{B29BA757-A9E5-4E35-900E-70A7C044DEA3}" dt="2025-05-07T01:05:39.869" v="8" actId="47"/>
-        <pc:sldMkLst>
-          <pc:docMk/>
-          <pc:sldMk cId="2150245760" sldId="271"/>
-        </pc:sldMkLst>
-      </pc:sldChg>
-      <pc:sldChg chg="addSp modSp new mod ord">
-        <pc:chgData name="Weifeng Xu" userId="e7aed605-a3dd-4d5a-a692-a87037af107b" providerId="ADAL" clId="{B29BA757-A9E5-4E35-900E-70A7C044DEA3}" dt="2025-05-07T16:10:31.408" v="829"/>
-        <pc:sldMkLst>
-          <pc:docMk/>
-          <pc:sldMk cId="2923167307" sldId="271"/>
-        </pc:sldMkLst>
-      </pc:sldChg>
-      <pc:sldChg chg="addSp delSp modSp new mod modClrScheme chgLayout">
-        <pc:chgData name="Weifeng Xu" userId="e7aed605-a3dd-4d5a-a692-a87037af107b" providerId="ADAL" clId="{B29BA757-A9E5-4E35-900E-70A7C044DEA3}" dt="2025-05-08T16:30:39.819" v="2079" actId="207"/>
-        <pc:sldMkLst>
-          <pc:docMk/>
-          <pc:sldMk cId="868934236" sldId="272"/>
-        </pc:sldMkLst>
-      </pc:sldChg>
-      <pc:sldChg chg="del">
-        <pc:chgData name="Weifeng Xu" userId="e7aed605-a3dd-4d5a-a692-a87037af107b" providerId="ADAL" clId="{B29BA757-A9E5-4E35-900E-70A7C044DEA3}" dt="2025-05-07T01:05:41.838" v="16" actId="47"/>
-        <pc:sldMkLst>
-          <pc:docMk/>
-          <pc:sldMk cId="2888544228" sldId="272"/>
-        </pc:sldMkLst>
-      </pc:sldChg>
-      <pc:sldChg chg="addSp delSp modSp new mod modClrScheme chgLayout">
-        <pc:chgData name="Weifeng Xu" userId="e7aed605-a3dd-4d5a-a692-a87037af107b" providerId="ADAL" clId="{B29BA757-A9E5-4E35-900E-70A7C044DEA3}" dt="2025-05-07T15:54:54.600" v="665" actId="20577"/>
-        <pc:sldMkLst>
-          <pc:docMk/>
-          <pc:sldMk cId="862046090" sldId="273"/>
-        </pc:sldMkLst>
-      </pc:sldChg>
-      <pc:sldChg chg="del">
-        <pc:chgData name="Weifeng Xu" userId="e7aed605-a3dd-4d5a-a692-a87037af107b" providerId="ADAL" clId="{B29BA757-A9E5-4E35-900E-70A7C044DEA3}" dt="2025-05-07T01:05:40.913" v="12" actId="47"/>
-        <pc:sldMkLst>
-          <pc:docMk/>
-          <pc:sldMk cId="2994016025" sldId="273"/>
-        </pc:sldMkLst>
-      </pc:sldChg>
-      <pc:sldChg chg="addSp delSp modSp new mod ord modClrScheme chgLayout">
-        <pc:chgData name="Weifeng Xu" userId="e7aed605-a3dd-4d5a-a692-a87037af107b" providerId="ADAL" clId="{B29BA757-A9E5-4E35-900E-70A7C044DEA3}" dt="2025-05-07T16:06:14.904" v="769" actId="20577"/>
-        <pc:sldMkLst>
-          <pc:docMk/>
-          <pc:sldMk cId="602319858" sldId="274"/>
-        </pc:sldMkLst>
-      </pc:sldChg>
-      <pc:sldChg chg="del">
-        <pc:chgData name="Weifeng Xu" userId="e7aed605-a3dd-4d5a-a692-a87037af107b" providerId="ADAL" clId="{B29BA757-A9E5-4E35-900E-70A7C044DEA3}" dt="2025-05-07T01:05:41.168" v="14" actId="47"/>
-        <pc:sldMkLst>
-          <pc:docMk/>
-          <pc:sldMk cId="1783593539" sldId="274"/>
-        </pc:sldMkLst>
-      </pc:sldChg>
-      <pc:sldChg chg="del">
-        <pc:chgData name="Weifeng Xu" userId="e7aed605-a3dd-4d5a-a692-a87037af107b" providerId="ADAL" clId="{B29BA757-A9E5-4E35-900E-70A7C044DEA3}" dt="2025-05-07T01:05:41.058" v="13" actId="47"/>
-        <pc:sldMkLst>
-          <pc:docMk/>
-          <pc:sldMk cId="1245700757" sldId="275"/>
-        </pc:sldMkLst>
-      </pc:sldChg>
-      <pc:sldChg chg="addSp delSp modSp new mod modClrScheme chgLayout">
-        <pc:chgData name="Weifeng Xu" userId="e7aed605-a3dd-4d5a-a692-a87037af107b" providerId="ADAL" clId="{B29BA757-A9E5-4E35-900E-70A7C044DEA3}" dt="2025-05-07T16:10:51.558" v="834" actId="20577"/>
-        <pc:sldMkLst>
-          <pc:docMk/>
-          <pc:sldMk cId="1760818567" sldId="275"/>
-        </pc:sldMkLst>
-      </pc:sldChg>
-      <pc:sldChg chg="del">
-        <pc:chgData name="Weifeng Xu" userId="e7aed605-a3dd-4d5a-a692-a87037af107b" providerId="ADAL" clId="{B29BA757-A9E5-4E35-900E-70A7C044DEA3}" dt="2025-05-07T01:05:41.987" v="17" actId="47"/>
-        <pc:sldMkLst>
-          <pc:docMk/>
-          <pc:sldMk cId="495228592" sldId="276"/>
-        </pc:sldMkLst>
-      </pc:sldChg>
-      <pc:sldChg chg="addSp delSp modSp new mod modClrScheme chgLayout">
-        <pc:chgData name="Weifeng Xu" userId="e7aed605-a3dd-4d5a-a692-a87037af107b" providerId="ADAL" clId="{B29BA757-A9E5-4E35-900E-70A7C044DEA3}" dt="2025-05-07T16:11:45.415" v="843" actId="20577"/>
-        <pc:sldMkLst>
-          <pc:docMk/>
-          <pc:sldMk cId="2550957305" sldId="276"/>
-        </pc:sldMkLst>
-      </pc:sldChg>
-      <pc:sldChg chg="addSp delSp modSp new mod modClrScheme chgLayout">
-        <pc:chgData name="Weifeng Xu" userId="e7aed605-a3dd-4d5a-a692-a87037af107b" providerId="ADAL" clId="{B29BA757-A9E5-4E35-900E-70A7C044DEA3}" dt="2025-05-07T16:14:54.334" v="868" actId="20577"/>
-        <pc:sldMkLst>
-          <pc:docMk/>
-          <pc:sldMk cId="3185848680" sldId="277"/>
-        </pc:sldMkLst>
-      </pc:sldChg>
-      <pc:sldChg chg="del">
-        <pc:chgData name="Weifeng Xu" userId="e7aed605-a3dd-4d5a-a692-a87037af107b" providerId="ADAL" clId="{B29BA757-A9E5-4E35-900E-70A7C044DEA3}" dt="2025-05-07T01:05:42.120" v="18" actId="47"/>
-        <pc:sldMkLst>
-          <pc:docMk/>
-          <pc:sldMk cId="3629368376" sldId="277"/>
-        </pc:sldMkLst>
-      </pc:sldChg>
-      <pc:sldChg chg="addSp delSp modSp new mod modClrScheme chgLayout">
-        <pc:chgData name="Weifeng Xu" userId="e7aed605-a3dd-4d5a-a692-a87037af107b" providerId="ADAL" clId="{B29BA757-A9E5-4E35-900E-70A7C044DEA3}" dt="2025-05-07T16:14:46.033" v="864" actId="21"/>
-        <pc:sldMkLst>
-          <pc:docMk/>
-          <pc:sldMk cId="405124300" sldId="278"/>
-        </pc:sldMkLst>
-      </pc:sldChg>
-      <pc:sldChg chg="del">
-        <pc:chgData name="Weifeng Xu" userId="e7aed605-a3dd-4d5a-a692-a87037af107b" providerId="ADAL" clId="{B29BA757-A9E5-4E35-900E-70A7C044DEA3}" dt="2025-05-07T01:05:42.732" v="19" actId="47"/>
-        <pc:sldMkLst>
-          <pc:docMk/>
-          <pc:sldMk cId="1472723351" sldId="278"/>
-        </pc:sldMkLst>
-      </pc:sldChg>
-      <pc:sldChg chg="addSp modSp new mod">
-        <pc:chgData name="Weifeng Xu" userId="e7aed605-a3dd-4d5a-a692-a87037af107b" providerId="ADAL" clId="{B29BA757-A9E5-4E35-900E-70A7C044DEA3}" dt="2025-05-07T16:22:03.960" v="883" actId="6549"/>
-        <pc:sldMkLst>
-          <pc:docMk/>
-          <pc:sldMk cId="2022899757" sldId="279"/>
-        </pc:sldMkLst>
-      </pc:sldChg>
-      <pc:sldChg chg="del">
-        <pc:chgData name="Weifeng Xu" userId="e7aed605-a3dd-4d5a-a692-a87037af107b" providerId="ADAL" clId="{B29BA757-A9E5-4E35-900E-70A7C044DEA3}" dt="2025-05-07T01:05:42.915" v="20" actId="47"/>
-        <pc:sldMkLst>
-          <pc:docMk/>
-          <pc:sldMk cId="545826806" sldId="280"/>
-        </pc:sldMkLst>
-      </pc:sldChg>
-      <pc:sldChg chg="addSp modSp new mod">
-        <pc:chgData name="Weifeng Xu" userId="e7aed605-a3dd-4d5a-a692-a87037af107b" providerId="ADAL" clId="{B29BA757-A9E5-4E35-900E-70A7C044DEA3}" dt="2025-05-07T16:49:42.797" v="901" actId="1076"/>
-        <pc:sldMkLst>
-          <pc:docMk/>
-          <pc:sldMk cId="2021787752" sldId="280"/>
-        </pc:sldMkLst>
-      </pc:sldChg>
-      <pc:sldChg chg="del">
-        <pc:chgData name="Weifeng Xu" userId="e7aed605-a3dd-4d5a-a692-a87037af107b" providerId="ADAL" clId="{B29BA757-A9E5-4E35-900E-70A7C044DEA3}" dt="2025-05-07T01:05:43.017" v="21" actId="47"/>
-        <pc:sldMkLst>
-          <pc:docMk/>
-          <pc:sldMk cId="1846476847" sldId="281"/>
-        </pc:sldMkLst>
-      </pc:sldChg>
-      <pc:sldChg chg="addSp modSp new mod modClrScheme chgLayout">
-        <pc:chgData name="Weifeng Xu" userId="e7aed605-a3dd-4d5a-a692-a87037af107b" providerId="ADAL" clId="{B29BA757-A9E5-4E35-900E-70A7C044DEA3}" dt="2025-05-07T18:40:01.580" v="1051" actId="14100"/>
-        <pc:sldMkLst>
-          <pc:docMk/>
-          <pc:sldMk cId="3900806462" sldId="281"/>
-        </pc:sldMkLst>
-      </pc:sldChg>
-      <pc:sldChg chg="del">
-        <pc:chgData name="Weifeng Xu" userId="e7aed605-a3dd-4d5a-a692-a87037af107b" providerId="ADAL" clId="{B29BA757-A9E5-4E35-900E-70A7C044DEA3}" dt="2025-05-07T01:05:43.560" v="22" actId="47"/>
-        <pc:sldMkLst>
-          <pc:docMk/>
-          <pc:sldMk cId="1740457000" sldId="282"/>
-        </pc:sldMkLst>
-      </pc:sldChg>
-      <pc:sldChg chg="addSp delSp modSp new mod modClrScheme chgLayout">
-        <pc:chgData name="Weifeng Xu" userId="e7aed605-a3dd-4d5a-a692-a87037af107b" providerId="ADAL" clId="{B29BA757-A9E5-4E35-900E-70A7C044DEA3}" dt="2025-05-07T19:07:15.321" v="1278" actId="20577"/>
-        <pc:sldMkLst>
-          <pc:docMk/>
-          <pc:sldMk cId="2831829862" sldId="282"/>
-        </pc:sldMkLst>
-      </pc:sldChg>
-      <pc:sldChg chg="del">
-        <pc:chgData name="Weifeng Xu" userId="e7aed605-a3dd-4d5a-a692-a87037af107b" providerId="ADAL" clId="{B29BA757-A9E5-4E35-900E-70A7C044DEA3}" dt="2025-05-07T01:05:43.719" v="23" actId="47"/>
-        <pc:sldMkLst>
-          <pc:docMk/>
-          <pc:sldMk cId="1312178182" sldId="283"/>
-        </pc:sldMkLst>
-      </pc:sldChg>
-      <pc:sldChg chg="addSp delSp modSp new mod">
-        <pc:chgData name="Weifeng Xu" userId="e7aed605-a3dd-4d5a-a692-a87037af107b" providerId="ADAL" clId="{B29BA757-A9E5-4E35-900E-70A7C044DEA3}" dt="2025-05-07T19:10:31.791" v="1310" actId="1076"/>
-        <pc:sldMkLst>
-          <pc:docMk/>
-          <pc:sldMk cId="3760669567" sldId="283"/>
-        </pc:sldMkLst>
-      </pc:sldChg>
-      <pc:sldChg chg="del">
-        <pc:chgData name="Weifeng Xu" userId="e7aed605-a3dd-4d5a-a692-a87037af107b" providerId="ADAL" clId="{B29BA757-A9E5-4E35-900E-70A7C044DEA3}" dt="2025-05-07T01:05:43.858" v="24" actId="47"/>
-        <pc:sldMkLst>
-          <pc:docMk/>
-          <pc:sldMk cId="383624214" sldId="284"/>
-        </pc:sldMkLst>
-      </pc:sldChg>
-      <pc:sldChg chg="addSp delSp modSp new mod modClrScheme chgLayout">
-        <pc:chgData name="Weifeng Xu" userId="e7aed605-a3dd-4d5a-a692-a87037af107b" providerId="ADAL" clId="{B29BA757-A9E5-4E35-900E-70A7C044DEA3}" dt="2025-05-07T21:25:08.149" v="1502" actId="20577"/>
-        <pc:sldMkLst>
-          <pc:docMk/>
-          <pc:sldMk cId="2141137123" sldId="284"/>
-        </pc:sldMkLst>
-      </pc:sldChg>
-      <pc:sldChg chg="addSp delSp modSp new del mod modClrScheme chgLayout modNotesTx">
-        <pc:chgData name="Weifeng Xu" userId="e7aed605-a3dd-4d5a-a692-a87037af107b" providerId="ADAL" clId="{B29BA757-A9E5-4E35-900E-70A7C044DEA3}" dt="2025-05-07T21:20:02.566" v="1484" actId="47"/>
-        <pc:sldMkLst>
-          <pc:docMk/>
-          <pc:sldMk cId="2382133442" sldId="285"/>
-        </pc:sldMkLst>
-      </pc:sldChg>
-      <pc:sldChg chg="del">
-        <pc:chgData name="Weifeng Xu" userId="e7aed605-a3dd-4d5a-a692-a87037af107b" providerId="ADAL" clId="{B29BA757-A9E5-4E35-900E-70A7C044DEA3}" dt="2025-05-07T01:05:43.978" v="25" actId="47"/>
-        <pc:sldMkLst>
-          <pc:docMk/>
-          <pc:sldMk cId="3552171113" sldId="285"/>
-        </pc:sldMkLst>
-      </pc:sldChg>
-      <pc:sldChg chg="addSp delSp modSp new del mod">
-        <pc:chgData name="Weifeng Xu" userId="e7aed605-a3dd-4d5a-a692-a87037af107b" providerId="ADAL" clId="{B29BA757-A9E5-4E35-900E-70A7C044DEA3}" dt="2025-05-07T21:11:08.982" v="1441" actId="47"/>
-        <pc:sldMkLst>
-          <pc:docMk/>
-          <pc:sldMk cId="1698969649" sldId="286"/>
-        </pc:sldMkLst>
-      </pc:sldChg>
-      <pc:sldChg chg="addSp modSp new mod modClrScheme chgLayout modNotesTx">
-        <pc:chgData name="Weifeng Xu" userId="e7aed605-a3dd-4d5a-a692-a87037af107b" providerId="ADAL" clId="{B29BA757-A9E5-4E35-900E-70A7C044DEA3}" dt="2025-05-07T21:24:47.497" v="1500" actId="14100"/>
-        <pc:sldMkLst>
-          <pc:docMk/>
-          <pc:sldMk cId="4021924536" sldId="286"/>
-        </pc:sldMkLst>
-      </pc:sldChg>
-      <pc:sldChg chg="addSp delSp modSp new mod modClrScheme chgLayout">
-        <pc:chgData name="Weifeng Xu" userId="e7aed605-a3dd-4d5a-a692-a87037af107b" providerId="ADAL" clId="{B29BA757-A9E5-4E35-900E-70A7C044DEA3}" dt="2025-05-08T16:45:28.350" v="2080" actId="6549"/>
-        <pc:sldMkLst>
-          <pc:docMk/>
-          <pc:sldMk cId="214610006" sldId="287"/>
-        </pc:sldMkLst>
-      </pc:sldChg>
-      <pc:sldChg chg="addSp delSp modSp new mod modClrScheme chgLayout">
-        <pc:chgData name="Weifeng Xu" userId="e7aed605-a3dd-4d5a-a692-a87037af107b" providerId="ADAL" clId="{B29BA757-A9E5-4E35-900E-70A7C044DEA3}" dt="2025-05-08T19:16:33.374" v="2189" actId="27636"/>
-        <pc:sldMkLst>
-          <pc:docMk/>
-          <pc:sldMk cId="1407769080" sldId="288"/>
-        </pc:sldMkLst>
-      </pc:sldChg>
-      <pc:sldChg chg="addSp delSp modSp new mod ord modClrScheme chgLayout">
-        <pc:chgData name="Weifeng Xu" userId="e7aed605-a3dd-4d5a-a692-a87037af107b" providerId="ADAL" clId="{B29BA757-A9E5-4E35-900E-70A7C044DEA3}" dt="2025-05-08T12:59:41.769" v="2034"/>
-        <pc:sldMkLst>
-          <pc:docMk/>
-          <pc:sldMk cId="104095834" sldId="289"/>
-        </pc:sldMkLst>
-      </pc:sldChg>
-      <pc:sldChg chg="addSp delSp modSp new mod ord modClrScheme chgLayout">
-        <pc:chgData name="Weifeng Xu" userId="e7aed605-a3dd-4d5a-a692-a87037af107b" providerId="ADAL" clId="{B29BA757-A9E5-4E35-900E-70A7C044DEA3}" dt="2025-05-08T13:08:23.713" v="2038"/>
-        <pc:sldMkLst>
-          <pc:docMk/>
-          <pc:sldMk cId="3513636499" sldId="290"/>
-        </pc:sldMkLst>
-      </pc:sldChg>
-      <pc:sldChg chg="addSp delSp modSp new mod">
-        <pc:chgData name="Weifeng Xu" userId="e7aed605-a3dd-4d5a-a692-a87037af107b" providerId="ADAL" clId="{B29BA757-A9E5-4E35-900E-70A7C044DEA3}" dt="2025-05-08T19:18:52.428" v="2201" actId="1076"/>
-        <pc:sldMkLst>
-          <pc:docMk/>
-          <pc:sldMk cId="767342062" sldId="291"/>
-        </pc:sldMkLst>
-      </pc:sldChg>
-      <pc:sldChg chg="delSp add del mod">
-        <pc:chgData name="Weifeng Xu" userId="e7aed605-a3dd-4d5a-a692-a87037af107b" providerId="ADAL" clId="{B29BA757-A9E5-4E35-900E-70A7C044DEA3}" dt="2025-05-08T12:59:23.881" v="2032" actId="47"/>
-        <pc:sldMkLst>
-          <pc:docMk/>
-          <pc:sldMk cId="4059981469" sldId="291"/>
-        </pc:sldMkLst>
-      </pc:sldChg>
-      <pc:sldChg chg="addSp modSp new mod">
-        <pc:chgData name="Weifeng Xu" userId="e7aed605-a3dd-4d5a-a692-a87037af107b" providerId="ADAL" clId="{B29BA757-A9E5-4E35-900E-70A7C044DEA3}" dt="2025-05-08T19:19:12.442" v="2205" actId="1076"/>
-        <pc:sldMkLst>
-          <pc:docMk/>
-          <pc:sldMk cId="3454193145" sldId="292"/>
-        </pc:sldMkLst>
-      </pc:sldChg>
-      <pc:sldChg chg="addSp delSp modSp new mod modClrScheme chgLayout">
-        <pc:chgData name="Weifeng Xu" userId="e7aed605-a3dd-4d5a-a692-a87037af107b" providerId="ADAL" clId="{B29BA757-A9E5-4E35-900E-70A7C044DEA3}" dt="2025-05-08T19:17:53.737" v="2198" actId="14100"/>
-        <pc:sldMkLst>
-          <pc:docMk/>
-          <pc:sldMk cId="2222583924" sldId="293"/>
-        </pc:sldMkLst>
-      </pc:sldChg>
-      <pc:sldChg chg="addSp delSp modSp new del mod modClrScheme chgLayout">
-        <pc:chgData name="Weifeng Xu" userId="e7aed605-a3dd-4d5a-a692-a87037af107b" providerId="ADAL" clId="{B29BA757-A9E5-4E35-900E-70A7C044DEA3}" dt="2025-05-08T19:16:46.459" v="2191" actId="47"/>
-        <pc:sldMkLst>
-          <pc:docMk/>
-          <pc:sldMk cId="3547774912" sldId="293"/>
-        </pc:sldMkLst>
-      </pc:sldChg>
-      <pc:sldChg chg="addSp modSp new mod">
-        <pc:chgData name="Weifeng Xu" userId="e7aed605-a3dd-4d5a-a692-a87037af107b" providerId="ADAL" clId="{B29BA757-A9E5-4E35-900E-70A7C044DEA3}" dt="2025-05-08T19:22:47.041" v="2221" actId="1076"/>
-        <pc:sldMkLst>
-          <pc:docMk/>
-          <pc:sldMk cId="1894162818" sldId="294"/>
-        </pc:sldMkLst>
-      </pc:sldChg>
-      <pc:sldChg chg="addSp modSp new mod">
-        <pc:chgData name="Weifeng Xu" userId="e7aed605-a3dd-4d5a-a692-a87037af107b" providerId="ADAL" clId="{B29BA757-A9E5-4E35-900E-70A7C044DEA3}" dt="2025-05-08T19:25:57.875" v="2250" actId="14100"/>
-        <pc:sldMkLst>
-          <pc:docMk/>
-          <pc:sldMk cId="4224664371" sldId="295"/>
-        </pc:sldMkLst>
-      </pc:sldChg>
-      <pc:sldChg chg="addSp delSp modSp new mod modClrScheme chgLayout">
-        <pc:chgData name="Weifeng Xu" userId="e7aed605-a3dd-4d5a-a692-a87037af107b" providerId="ADAL" clId="{B29BA757-A9E5-4E35-900E-70A7C044DEA3}" dt="2025-05-08T20:23:00.544" v="2270" actId="14100"/>
-        <pc:sldMkLst>
-          <pc:docMk/>
-          <pc:sldMk cId="720217490" sldId="296"/>
-        </pc:sldMkLst>
-      </pc:sldChg>
-      <pc:sldChg chg="addSp modSp new mod modClrScheme chgLayout">
-        <pc:chgData name="Weifeng Xu" userId="e7aed605-a3dd-4d5a-a692-a87037af107b" providerId="ADAL" clId="{B29BA757-A9E5-4E35-900E-70A7C044DEA3}" dt="2025-05-08T20:25:29.479" v="2296" actId="14100"/>
-        <pc:sldMkLst>
-          <pc:docMk/>
-          <pc:sldMk cId="4294253925" sldId="297"/>
-        </pc:sldMkLst>
-      </pc:sldChg>
-      <pc:sldChg chg="modSp new mod">
-        <pc:chgData name="Weifeng Xu" userId="e7aed605-a3dd-4d5a-a692-a87037af107b" providerId="ADAL" clId="{B29BA757-A9E5-4E35-900E-70A7C044DEA3}" dt="2025-05-08T20:26:01.468" v="2299"/>
-        <pc:sldMkLst>
-          <pc:docMk/>
-          <pc:sldMk cId="2038064399" sldId="298"/>
-        </pc:sldMkLst>
-      </pc:sldChg>
-      <pc:sldChg chg="modSp new mod">
-        <pc:chgData name="Weifeng Xu" userId="e7aed605-a3dd-4d5a-a692-a87037af107b" providerId="ADAL" clId="{B29BA757-A9E5-4E35-900E-70A7C044DEA3}" dt="2025-05-08T20:26:31.713" v="2302"/>
-        <pc:sldMkLst>
-          <pc:docMk/>
-          <pc:sldMk cId="1215718099" sldId="299"/>
-        </pc:sldMkLst>
-      </pc:sldChg>
-    </pc:docChg>
-  </pc:docChgLst>
-  <pc:docChgLst>
-    <pc:chgData name="Weifeng Xu" userId="e7aed605-a3dd-4d5a-a692-a87037af107b" providerId="ADAL" clId="{30C724EF-4842-4D28-AD5E-F8ADBCCE7FC4}"/>
-    <pc:docChg chg="undo custSel addSld delSld modSld">
-      <pc:chgData name="Weifeng Xu" userId="e7aed605-a3dd-4d5a-a692-a87037af107b" providerId="ADAL" clId="{30C724EF-4842-4D28-AD5E-F8ADBCCE7FC4}" dt="2025-05-02T15:10:40.316" v="141" actId="1076"/>
-      <pc:docMkLst>
-        <pc:docMk/>
-      </pc:docMkLst>
-      <pc:sldChg chg="delSp modSp mod">
-        <pc:chgData name="Weifeng Xu" userId="e7aed605-a3dd-4d5a-a692-a87037af107b" providerId="ADAL" clId="{30C724EF-4842-4D28-AD5E-F8ADBCCE7FC4}" dt="2025-05-02T14:27:30.559" v="26" actId="6549"/>
-        <pc:sldMkLst>
-          <pc:docMk/>
-          <pc:sldMk cId="1325061211" sldId="256"/>
-        </pc:sldMkLst>
-      </pc:sldChg>
-      <pc:sldChg chg="modSp new mod">
-        <pc:chgData name="Weifeng Xu" userId="e7aed605-a3dd-4d5a-a692-a87037af107b" providerId="ADAL" clId="{30C724EF-4842-4D28-AD5E-F8ADBCCE7FC4}" dt="2025-05-02T14:27:48.979" v="28"/>
-        <pc:sldMkLst>
-          <pc:docMk/>
-          <pc:sldMk cId="1640287784" sldId="257"/>
-        </pc:sldMkLst>
-      </pc:sldChg>
-      <pc:sldChg chg="del">
-        <pc:chgData name="Weifeng Xu" userId="e7aed605-a3dd-4d5a-a692-a87037af107b" providerId="ADAL" clId="{30C724EF-4842-4D28-AD5E-F8ADBCCE7FC4}" dt="2025-05-02T14:26:32.787" v="0" actId="47"/>
-        <pc:sldMkLst>
-          <pc:docMk/>
-          <pc:sldMk cId="2003605107" sldId="257"/>
-        </pc:sldMkLst>
-      </pc:sldChg>
-      <pc:sldChg chg="modSp new mod">
-        <pc:chgData name="Weifeng Xu" userId="e7aed605-a3dd-4d5a-a692-a87037af107b" providerId="ADAL" clId="{30C724EF-4842-4D28-AD5E-F8ADBCCE7FC4}" dt="2025-05-02T14:31:22.834" v="56" actId="108"/>
-        <pc:sldMkLst>
-          <pc:docMk/>
-          <pc:sldMk cId="717681411" sldId="258"/>
-        </pc:sldMkLst>
-      </pc:sldChg>
-      <pc:sldChg chg="del">
-        <pc:chgData name="Weifeng Xu" userId="e7aed605-a3dd-4d5a-a692-a87037af107b" providerId="ADAL" clId="{30C724EF-4842-4D28-AD5E-F8ADBCCE7FC4}" dt="2025-05-02T14:26:32.949" v="1" actId="47"/>
-        <pc:sldMkLst>
-          <pc:docMk/>
-          <pc:sldMk cId="3148078500" sldId="258"/>
-        </pc:sldMkLst>
-      </pc:sldChg>
-      <pc:sldChg chg="del">
-        <pc:chgData name="Weifeng Xu" userId="e7aed605-a3dd-4d5a-a692-a87037af107b" providerId="ADAL" clId="{30C724EF-4842-4D28-AD5E-F8ADBCCE7FC4}" dt="2025-05-02T14:26:33.102" v="2" actId="47"/>
-        <pc:sldMkLst>
-          <pc:docMk/>
-          <pc:sldMk cId="2942233055" sldId="259"/>
-        </pc:sldMkLst>
-      </pc:sldChg>
-      <pc:sldChg chg="modSp new mod">
-        <pc:chgData name="Weifeng Xu" userId="e7aed605-a3dd-4d5a-a692-a87037af107b" providerId="ADAL" clId="{30C724EF-4842-4D28-AD5E-F8ADBCCE7FC4}" dt="2025-05-02T14:31:19.127" v="55" actId="108"/>
-        <pc:sldMkLst>
-          <pc:docMk/>
-          <pc:sldMk cId="3856045583" sldId="259"/>
-        </pc:sldMkLst>
-      </pc:sldChg>
-      <pc:sldChg chg="addSp modSp new mod">
-        <pc:chgData name="Weifeng Xu" userId="e7aed605-a3dd-4d5a-a692-a87037af107b" providerId="ADAL" clId="{30C724EF-4842-4D28-AD5E-F8ADBCCE7FC4}" dt="2025-05-02T15:07:43.406" v="100" actId="1076"/>
-        <pc:sldMkLst>
-          <pc:docMk/>
-          <pc:sldMk cId="1123301564" sldId="260"/>
-        </pc:sldMkLst>
-      </pc:sldChg>
-      <pc:sldChg chg="del">
-        <pc:chgData name="Weifeng Xu" userId="e7aed605-a3dd-4d5a-a692-a87037af107b" providerId="ADAL" clId="{30C724EF-4842-4D28-AD5E-F8ADBCCE7FC4}" dt="2025-05-02T14:26:33.278" v="3" actId="47"/>
-        <pc:sldMkLst>
-          <pc:docMk/>
-          <pc:sldMk cId="4238292093" sldId="260"/>
-        </pc:sldMkLst>
-      </pc:sldChg>
-      <pc:sldChg chg="del">
-        <pc:chgData name="Weifeng Xu" userId="e7aed605-a3dd-4d5a-a692-a87037af107b" providerId="ADAL" clId="{30C724EF-4842-4D28-AD5E-F8ADBCCE7FC4}" dt="2025-05-02T14:26:33.438" v="4" actId="47"/>
-        <pc:sldMkLst>
-          <pc:docMk/>
-          <pc:sldMk cId="773548588" sldId="261"/>
-        </pc:sldMkLst>
-      </pc:sldChg>
-      <pc:sldChg chg="modSp new mod">
-        <pc:chgData name="Weifeng Xu" userId="e7aed605-a3dd-4d5a-a692-a87037af107b" providerId="ADAL" clId="{30C724EF-4842-4D28-AD5E-F8ADBCCE7FC4}" dt="2025-05-02T14:31:40.332" v="59" actId="20577"/>
-        <pc:sldMkLst>
-          <pc:docMk/>
-          <pc:sldMk cId="805984163" sldId="261"/>
-        </pc:sldMkLst>
-      </pc:sldChg>
-      <pc:sldChg chg="modSp new mod">
-        <pc:chgData name="Weifeng Xu" userId="e7aed605-a3dd-4d5a-a692-a87037af107b" providerId="ADAL" clId="{30C724EF-4842-4D28-AD5E-F8ADBCCE7FC4}" dt="2025-05-02T14:32:29.484" v="64"/>
-        <pc:sldMkLst>
-          <pc:docMk/>
-          <pc:sldMk cId="914522820" sldId="262"/>
-        </pc:sldMkLst>
-      </pc:sldChg>
-      <pc:sldChg chg="del">
-        <pc:chgData name="Weifeng Xu" userId="e7aed605-a3dd-4d5a-a692-a87037af107b" providerId="ADAL" clId="{30C724EF-4842-4D28-AD5E-F8ADBCCE7FC4}" dt="2025-05-02T14:26:33.690" v="5" actId="47"/>
-        <pc:sldMkLst>
-          <pc:docMk/>
-          <pc:sldMk cId="3939068785" sldId="262"/>
-        </pc:sldMkLst>
-      </pc:sldChg>
-      <pc:sldChg chg="del">
-        <pc:chgData name="Weifeng Xu" userId="e7aed605-a3dd-4d5a-a692-a87037af107b" providerId="ADAL" clId="{30C724EF-4842-4D28-AD5E-F8ADBCCE7FC4}" dt="2025-05-02T14:26:33.878" v="6" actId="47"/>
-        <pc:sldMkLst>
-          <pc:docMk/>
-          <pc:sldMk cId="2162073066" sldId="263"/>
-        </pc:sldMkLst>
-      </pc:sldChg>
-      <pc:sldChg chg="modSp new mod">
-        <pc:chgData name="Weifeng Xu" userId="e7aed605-a3dd-4d5a-a692-a87037af107b" providerId="ADAL" clId="{30C724EF-4842-4D28-AD5E-F8ADBCCE7FC4}" dt="2025-05-02T14:32:55.778" v="67"/>
-        <pc:sldMkLst>
-          <pc:docMk/>
-          <pc:sldMk cId="3784490461" sldId="263"/>
-        </pc:sldMkLst>
-      </pc:sldChg>
-      <pc:sldChg chg="modSp new mod">
-        <pc:chgData name="Weifeng Xu" userId="e7aed605-a3dd-4d5a-a692-a87037af107b" providerId="ADAL" clId="{30C724EF-4842-4D28-AD5E-F8ADBCCE7FC4}" dt="2025-05-02T14:34:02.101" v="70"/>
-        <pc:sldMkLst>
-          <pc:docMk/>
-          <pc:sldMk cId="1859847628" sldId="264"/>
-        </pc:sldMkLst>
-      </pc:sldChg>
-      <pc:sldChg chg="del">
-        <pc:chgData name="Weifeng Xu" userId="e7aed605-a3dd-4d5a-a692-a87037af107b" providerId="ADAL" clId="{30C724EF-4842-4D28-AD5E-F8ADBCCE7FC4}" dt="2025-05-02T14:26:34.055" v="7" actId="47"/>
-        <pc:sldMkLst>
-          <pc:docMk/>
-          <pc:sldMk cId="1975365164" sldId="264"/>
-        </pc:sldMkLst>
-      </pc:sldChg>
-      <pc:sldChg chg="modSp new mod">
-        <pc:chgData name="Weifeng Xu" userId="e7aed605-a3dd-4d5a-a692-a87037af107b" providerId="ADAL" clId="{30C724EF-4842-4D28-AD5E-F8ADBCCE7FC4}" dt="2025-05-02T14:36:37.939" v="73"/>
-        <pc:sldMkLst>
-          <pc:docMk/>
-          <pc:sldMk cId="2875748899" sldId="265"/>
-        </pc:sldMkLst>
-      </pc:sldChg>
-      <pc:sldChg chg="del">
-        <pc:chgData name="Weifeng Xu" userId="e7aed605-a3dd-4d5a-a692-a87037af107b" providerId="ADAL" clId="{30C724EF-4842-4D28-AD5E-F8ADBCCE7FC4}" dt="2025-05-02T14:26:34.218" v="8" actId="47"/>
-        <pc:sldMkLst>
-          <pc:docMk/>
-          <pc:sldMk cId="4163382801" sldId="265"/>
-        </pc:sldMkLst>
-      </pc:sldChg>
-      <pc:sldChg chg="del">
-        <pc:chgData name="Weifeng Xu" userId="e7aed605-a3dd-4d5a-a692-a87037af107b" providerId="ADAL" clId="{30C724EF-4842-4D28-AD5E-F8ADBCCE7FC4}" dt="2025-05-02T14:26:35.006" v="12" actId="47"/>
-        <pc:sldMkLst>
-          <pc:docMk/>
-          <pc:sldMk cId="711940281" sldId="266"/>
-        </pc:sldMkLst>
-      </pc:sldChg>
-      <pc:sldChg chg="modSp new mod">
-        <pc:chgData name="Weifeng Xu" userId="e7aed605-a3dd-4d5a-a692-a87037af107b" providerId="ADAL" clId="{30C724EF-4842-4D28-AD5E-F8ADBCCE7FC4}" dt="2025-05-02T14:37:14.713" v="77" actId="27636"/>
-        <pc:sldMkLst>
-          <pc:docMk/>
-          <pc:sldMk cId="3455260336" sldId="266"/>
-        </pc:sldMkLst>
-      </pc:sldChg>
-      <pc:sldChg chg="modSp new mod">
-        <pc:chgData name="Weifeng Xu" userId="e7aed605-a3dd-4d5a-a692-a87037af107b" providerId="ADAL" clId="{30C724EF-4842-4D28-AD5E-F8ADBCCE7FC4}" dt="2025-05-02T14:37:38.176" v="80"/>
-        <pc:sldMkLst>
-          <pc:docMk/>
-          <pc:sldMk cId="2341961951" sldId="267"/>
-        </pc:sldMkLst>
-      </pc:sldChg>
-      <pc:sldChg chg="del">
-        <pc:chgData name="Weifeng Xu" userId="e7aed605-a3dd-4d5a-a692-a87037af107b" providerId="ADAL" clId="{30C724EF-4842-4D28-AD5E-F8ADBCCE7FC4}" dt="2025-05-02T14:26:35.227" v="13" actId="47"/>
-        <pc:sldMkLst>
-          <pc:docMk/>
-          <pc:sldMk cId="3000902119" sldId="267"/>
-        </pc:sldMkLst>
-      </pc:sldChg>
-      <pc:sldChg chg="del">
-        <pc:chgData name="Weifeng Xu" userId="e7aed605-a3dd-4d5a-a692-a87037af107b" providerId="ADAL" clId="{30C724EF-4842-4D28-AD5E-F8ADBCCE7FC4}" dt="2025-05-02T14:26:35.390" v="14" actId="47"/>
-        <pc:sldMkLst>
-          <pc:docMk/>
-          <pc:sldMk cId="70125468" sldId="268"/>
-        </pc:sldMkLst>
-      </pc:sldChg>
-      <pc:sldChg chg="modSp new mod">
-        <pc:chgData name="Weifeng Xu" userId="e7aed605-a3dd-4d5a-a692-a87037af107b" providerId="ADAL" clId="{30C724EF-4842-4D28-AD5E-F8ADBCCE7FC4}" dt="2025-05-02T14:38:19.021" v="83"/>
-        <pc:sldMkLst>
-          <pc:docMk/>
-          <pc:sldMk cId="1430309032" sldId="268"/>
-        </pc:sldMkLst>
-      </pc:sldChg>
-      <pc:sldChg chg="del">
-        <pc:chgData name="Weifeng Xu" userId="e7aed605-a3dd-4d5a-a692-a87037af107b" providerId="ADAL" clId="{30C724EF-4842-4D28-AD5E-F8ADBCCE7FC4}" dt="2025-05-02T14:26:38.233" v="19" actId="47"/>
-        <pc:sldMkLst>
-          <pc:docMk/>
-          <pc:sldMk cId="1829157120" sldId="269"/>
-        </pc:sldMkLst>
-      </pc:sldChg>
-      <pc:sldChg chg="addSp delSp modSp new mod modClrScheme chgLayout">
-        <pc:chgData name="Weifeng Xu" userId="e7aed605-a3dd-4d5a-a692-a87037af107b" providerId="ADAL" clId="{30C724EF-4842-4D28-AD5E-F8ADBCCE7FC4}" dt="2025-05-02T15:09:25.274" v="131" actId="1076"/>
-        <pc:sldMkLst>
-          <pc:docMk/>
-          <pc:sldMk cId="2476079575" sldId="269"/>
-        </pc:sldMkLst>
-      </pc:sldChg>
-      <pc:sldChg chg="del">
-        <pc:chgData name="Weifeng Xu" userId="e7aed605-a3dd-4d5a-a692-a87037af107b" providerId="ADAL" clId="{30C724EF-4842-4D28-AD5E-F8ADBCCE7FC4}" dt="2025-05-02T14:26:35.560" v="15" actId="47"/>
-        <pc:sldMkLst>
-          <pc:docMk/>
-          <pc:sldMk cId="1822568230" sldId="270"/>
-        </pc:sldMkLst>
-      </pc:sldChg>
-      <pc:sldChg chg="addSp delSp modSp new mod modClrScheme chgLayout">
-        <pc:chgData name="Weifeng Xu" userId="e7aed605-a3dd-4d5a-a692-a87037af107b" providerId="ADAL" clId="{30C724EF-4842-4D28-AD5E-F8ADBCCE7FC4}" dt="2025-05-02T15:10:40.316" v="141" actId="1076"/>
-        <pc:sldMkLst>
-          <pc:docMk/>
-          <pc:sldMk cId="2069138016" sldId="270"/>
-        </pc:sldMkLst>
-      </pc:sldChg>
-      <pc:sldChg chg="del">
-        <pc:chgData name="Weifeng Xu" userId="e7aed605-a3dd-4d5a-a692-a87037af107b" providerId="ADAL" clId="{30C724EF-4842-4D28-AD5E-F8ADBCCE7FC4}" dt="2025-05-02T14:26:36.264" v="17" actId="47"/>
-        <pc:sldMkLst>
-          <pc:docMk/>
-          <pc:sldMk cId="929903445" sldId="271"/>
-        </pc:sldMkLst>
-      </pc:sldChg>
-      <pc:sldChg chg="del">
-        <pc:chgData name="Weifeng Xu" userId="e7aed605-a3dd-4d5a-a692-a87037af107b" providerId="ADAL" clId="{30C724EF-4842-4D28-AD5E-F8ADBCCE7FC4}" dt="2025-05-02T14:26:34.596" v="10" actId="47"/>
-        <pc:sldMkLst>
-          <pc:docMk/>
-          <pc:sldMk cId="409369350" sldId="272"/>
-        </pc:sldMkLst>
-      </pc:sldChg>
-      <pc:sldChg chg="del">
-        <pc:chgData name="Weifeng Xu" userId="e7aed605-a3dd-4d5a-a692-a87037af107b" providerId="ADAL" clId="{30C724EF-4842-4D28-AD5E-F8ADBCCE7FC4}" dt="2025-05-02T14:26:34.416" v="9" actId="47"/>
-        <pc:sldMkLst>
-          <pc:docMk/>
-          <pc:sldMk cId="3399795082" sldId="273"/>
-        </pc:sldMkLst>
-      </pc:sldChg>
-      <pc:sldChg chg="del">
-        <pc:chgData name="Weifeng Xu" userId="e7aed605-a3dd-4d5a-a692-a87037af107b" providerId="ADAL" clId="{30C724EF-4842-4D28-AD5E-F8ADBCCE7FC4}" dt="2025-05-02T14:26:34.833" v="11" actId="47"/>
-        <pc:sldMkLst>
-          <pc:docMk/>
-          <pc:sldMk cId="1313382436" sldId="274"/>
-        </pc:sldMkLst>
-      </pc:sldChg>
-      <pc:sldChg chg="del">
-        <pc:chgData name="Weifeng Xu" userId="e7aed605-a3dd-4d5a-a692-a87037af107b" providerId="ADAL" clId="{30C724EF-4842-4D28-AD5E-F8ADBCCE7FC4}" dt="2025-05-02T14:26:39.207" v="20" actId="47"/>
-        <pc:sldMkLst>
-          <pc:docMk/>
-          <pc:sldMk cId="4170236264" sldId="275"/>
-        </pc:sldMkLst>
-      </pc:sldChg>
-      <pc:sldChg chg="del">
-        <pc:chgData name="Weifeng Xu" userId="e7aed605-a3dd-4d5a-a692-a87037af107b" providerId="ADAL" clId="{30C724EF-4842-4D28-AD5E-F8ADBCCE7FC4}" dt="2025-05-02T14:26:35.754" v="16" actId="47"/>
-        <pc:sldMkLst>
-          <pc:docMk/>
-          <pc:sldMk cId="363184616" sldId="276"/>
-        </pc:sldMkLst>
-      </pc:sldChg>
-      <pc:sldChg chg="del">
-        <pc:chgData name="Weifeng Xu" userId="e7aed605-a3dd-4d5a-a692-a87037af107b" providerId="ADAL" clId="{30C724EF-4842-4D28-AD5E-F8ADBCCE7FC4}" dt="2025-05-02T14:26:37.362" v="18" actId="47"/>
-        <pc:sldMkLst>
-          <pc:docMk/>
-          <pc:sldMk cId="1572050356" sldId="277"/>
-        </pc:sldMkLst>
-      </pc:sldChg>
-    </pc:docChg>
-  </pc:docChgLst>
-  <pc:docChgLst>
-    <pc:chgData name="Weifeng Xu" userId="e7aed605-a3dd-4d5a-a692-a87037af107b" providerId="ADAL" clId="{9C06CBEB-0343-4287-8B81-0C702673DE5E}"/>
-    <pc:docChg chg="undo redo custSel addSld delSld modSld sldOrd">
-      <pc:chgData name="Weifeng Xu" userId="e7aed605-a3dd-4d5a-a692-a87037af107b" providerId="ADAL" clId="{9C06CBEB-0343-4287-8B81-0C702673DE5E}" dt="2025-04-23T23:34:27.047" v="4553" actId="1076"/>
-      <pc:docMkLst>
-        <pc:docMk/>
-      </pc:docMkLst>
-      <pc:sldChg chg="modSp mod">
-        <pc:chgData name="Weifeng Xu" userId="e7aed605-a3dd-4d5a-a692-a87037af107b" providerId="ADAL" clId="{9C06CBEB-0343-4287-8B81-0C702673DE5E}" dt="2025-04-23T01:31:59.756" v="4545" actId="20577"/>
-        <pc:sldMkLst>
-          <pc:docMk/>
-          <pc:sldMk cId="1325061211" sldId="256"/>
-        </pc:sldMkLst>
-      </pc:sldChg>
-      <pc:sldChg chg="addSp delSp modSp mod modClrScheme chgLayout">
-        <pc:chgData name="Weifeng Xu" userId="e7aed605-a3dd-4d5a-a692-a87037af107b" providerId="ADAL" clId="{9C06CBEB-0343-4287-8B81-0C702673DE5E}" dt="2025-04-20T02:53:00.098" v="242" actId="20577"/>
-        <pc:sldMkLst>
-          <pc:docMk/>
-          <pc:sldMk cId="2201572609" sldId="257"/>
-        </pc:sldMkLst>
-      </pc:sldChg>
-      <pc:sldChg chg="addSp delSp modSp mod modClrScheme chgLayout">
-        <pc:chgData name="Weifeng Xu" userId="e7aed605-a3dd-4d5a-a692-a87037af107b" providerId="ADAL" clId="{9C06CBEB-0343-4287-8B81-0C702673DE5E}" dt="2025-04-22T03:01:31.344" v="3590" actId="1076"/>
-        <pc:sldMkLst>
-          <pc:docMk/>
-          <pc:sldMk cId="450669007" sldId="258"/>
-        </pc:sldMkLst>
-      </pc:sldChg>
-      <pc:sldChg chg="addSp delSp modSp add mod">
-        <pc:chgData name="Weifeng Xu" userId="e7aed605-a3dd-4d5a-a692-a87037af107b" providerId="ADAL" clId="{9C06CBEB-0343-4287-8B81-0C702673DE5E}" dt="2025-04-23T00:43:03.009" v="4084" actId="20577"/>
-        <pc:sldMkLst>
-          <pc:docMk/>
-          <pc:sldMk cId="3233567480" sldId="259"/>
-        </pc:sldMkLst>
-      </pc:sldChg>
-      <pc:sldChg chg="addSp delSp modSp new mod">
-        <pc:chgData name="Weifeng Xu" userId="e7aed605-a3dd-4d5a-a692-a87037af107b" providerId="ADAL" clId="{9C06CBEB-0343-4287-8B81-0C702673DE5E}" dt="2025-04-21T12:06:27.352" v="1955" actId="1076"/>
-        <pc:sldMkLst>
-          <pc:docMk/>
-          <pc:sldMk cId="2715224073" sldId="260"/>
-        </pc:sldMkLst>
-      </pc:sldChg>
-      <pc:sldChg chg="addSp delSp modSp new mod modClrScheme chgLayout">
-        <pc:chgData name="Weifeng Xu" userId="e7aed605-a3dd-4d5a-a692-a87037af107b" providerId="ADAL" clId="{9C06CBEB-0343-4287-8B81-0C702673DE5E}" dt="2025-04-22T01:35:22.881" v="2625" actId="14100"/>
-        <pc:sldMkLst>
-          <pc:docMk/>
-          <pc:sldMk cId="1030786537" sldId="261"/>
-        </pc:sldMkLst>
-      </pc:sldChg>
-      <pc:sldChg chg="addSp delSp modSp new mod">
-        <pc:chgData name="Weifeng Xu" userId="e7aed605-a3dd-4d5a-a692-a87037af107b" providerId="ADAL" clId="{9C06CBEB-0343-4287-8B81-0C702673DE5E}" dt="2025-04-23T00:36:22.083" v="3996" actId="20577"/>
-        <pc:sldMkLst>
-          <pc:docMk/>
-          <pc:sldMk cId="3284022864" sldId="262"/>
-        </pc:sldMkLst>
-      </pc:sldChg>
-      <pc:sldChg chg="addSp delSp modSp new mod">
-        <pc:chgData name="Weifeng Xu" userId="e7aed605-a3dd-4d5a-a692-a87037af107b" providerId="ADAL" clId="{9C06CBEB-0343-4287-8B81-0C702673DE5E}" dt="2025-04-23T00:40:19.679" v="4005" actId="6549"/>
-        <pc:sldMkLst>
-          <pc:docMk/>
-          <pc:sldMk cId="786756272" sldId="263"/>
-        </pc:sldMkLst>
-      </pc:sldChg>
-      <pc:sldChg chg="addSp delSp modSp new mod modClrScheme chgLayout">
-        <pc:chgData name="Weifeng Xu" userId="e7aed605-a3dd-4d5a-a692-a87037af107b" providerId="ADAL" clId="{9C06CBEB-0343-4287-8B81-0C702673DE5E}" dt="2025-04-23T00:42:08.933" v="4070" actId="108"/>
-        <pc:sldMkLst>
-          <pc:docMk/>
-          <pc:sldMk cId="3548515090" sldId="264"/>
-        </pc:sldMkLst>
-      </pc:sldChg>
-      <pc:sldChg chg="addSp delSp modSp new mod modClrScheme chgLayout modNotesTx">
-        <pc:chgData name="Weifeng Xu" userId="e7aed605-a3dd-4d5a-a692-a87037af107b" providerId="ADAL" clId="{9C06CBEB-0343-4287-8B81-0C702673DE5E}" dt="2025-04-21T13:40:04.327" v="2094" actId="207"/>
-        <pc:sldMkLst>
-          <pc:docMk/>
-          <pc:sldMk cId="3523214092" sldId="265"/>
-        </pc:sldMkLst>
-      </pc:sldChg>
-      <pc:sldChg chg="addSp delSp modSp new mod ord modClrScheme chgLayout">
-        <pc:chgData name="Weifeng Xu" userId="e7aed605-a3dd-4d5a-a692-a87037af107b" providerId="ADAL" clId="{9C06CBEB-0343-4287-8B81-0C702673DE5E}" dt="2025-04-23T01:02:14.800" v="4310" actId="207"/>
-        <pc:sldMkLst>
-          <pc:docMk/>
-          <pc:sldMk cId="756868712" sldId="266"/>
-        </pc:sldMkLst>
-      </pc:sldChg>
-      <pc:sldChg chg="addSp delSp modSp add mod">
-        <pc:chgData name="Weifeng Xu" userId="e7aed605-a3dd-4d5a-a692-a87037af107b" providerId="ADAL" clId="{9C06CBEB-0343-4287-8B81-0C702673DE5E}" dt="2025-04-22T02:46:00.589" v="3485" actId="20577"/>
-        <pc:sldMkLst>
-          <pc:docMk/>
-          <pc:sldMk cId="2973990778" sldId="267"/>
-        </pc:sldMkLst>
-      </pc:sldChg>
-      <pc:sldChg chg="addSp delSp modSp add del mod">
-        <pc:chgData name="Weifeng Xu" userId="e7aed605-a3dd-4d5a-a692-a87037af107b" providerId="ADAL" clId="{9C06CBEB-0343-4287-8B81-0C702673DE5E}" dt="2025-04-22T12:56:50.206" v="3699" actId="1076"/>
-        <pc:sldMkLst>
-          <pc:docMk/>
-          <pc:sldMk cId="2042884208" sldId="268"/>
-        </pc:sldMkLst>
-      </pc:sldChg>
-      <pc:sldChg chg="addSp delSp modSp add mod modClrScheme chgLayout">
-        <pc:chgData name="Weifeng Xu" userId="e7aed605-a3dd-4d5a-a692-a87037af107b" providerId="ADAL" clId="{9C06CBEB-0343-4287-8B81-0C702673DE5E}" dt="2025-04-23T01:19:14.631" v="4375" actId="207"/>
-        <pc:sldMkLst>
-          <pc:docMk/>
-          <pc:sldMk cId="3256057421" sldId="269"/>
-        </pc:sldMkLst>
-      </pc:sldChg>
-      <pc:sldChg chg="addSp modSp add mod">
-        <pc:chgData name="Weifeng Xu" userId="e7aed605-a3dd-4d5a-a692-a87037af107b" providerId="ADAL" clId="{9C06CBEB-0343-4287-8B81-0C702673DE5E}" dt="2025-04-23T01:19:18.460" v="4376" actId="207"/>
-        <pc:sldMkLst>
-          <pc:docMk/>
-          <pc:sldMk cId="146876777" sldId="270"/>
-        </pc:sldMkLst>
-      </pc:sldChg>
-      <pc:sldChg chg="addSp delSp modSp add mod modClrScheme chgLayout">
-        <pc:chgData name="Weifeng Xu" userId="e7aed605-a3dd-4d5a-a692-a87037af107b" providerId="ADAL" clId="{9C06CBEB-0343-4287-8B81-0C702673DE5E}" dt="2025-04-23T01:26:00.614" v="4493" actId="1076"/>
-        <pc:sldMkLst>
-          <pc:docMk/>
-          <pc:sldMk cId="1939243851" sldId="271"/>
-        </pc:sldMkLst>
-      </pc:sldChg>
-      <pc:sldChg chg="addSp modSp new mod">
-        <pc:chgData name="Weifeng Xu" userId="e7aed605-a3dd-4d5a-a692-a87037af107b" providerId="ADAL" clId="{9C06CBEB-0343-4287-8B81-0C702673DE5E}" dt="2025-04-23T23:34:27.047" v="4553" actId="1076"/>
-        <pc:sldMkLst>
-          <pc:docMk/>
-          <pc:sldMk cId="2238745649" sldId="272"/>
-        </pc:sldMkLst>
-      </pc:sldChg>
-    </pc:docChg>
-  </pc:docChgLst>
-  <pc:docChgLst>
     <pc:chgData name="Weifeng Xu" userId="e7aed605-a3dd-4d5a-a692-a87037af107b" providerId="ADAL" clId="{E34D94EB-D766-41A9-93D0-B8D12317CF67}"/>
     <pc:docChg chg="undo custSel modSld addMainMaster delMainMaster modMainMaster">
       <pc:chgData name="Weifeng Xu" userId="e7aed605-a3dd-4d5a-a692-a87037af107b" providerId="ADAL" clId="{E34D94EB-D766-41A9-93D0-B8D12317CF67}" dt="2025-04-19T02:39:47.128" v="134" actId="700"/>
@@ -2707,6 +851,1578 @@
     </pc:docChg>
   </pc:docChgLst>
   <pc:docChgLst>
+    <pc:chgData name="Weifeng Xu" userId="e7aed605-a3dd-4d5a-a692-a87037af107b" providerId="ADAL" clId="{99E7DBB8-0B00-463F-B90F-88F2FF9D1B2C}"/>
+    <pc:docChg chg="undo redo custSel addSld delSld modSld sldOrd">
+      <pc:chgData name="Weifeng Xu" userId="e7aed605-a3dd-4d5a-a692-a87037af107b" providerId="ADAL" clId="{99E7DBB8-0B00-463F-B90F-88F2FF9D1B2C}" dt="2025-05-10T15:04:38.447" v="1972"/>
+      <pc:docMkLst>
+        <pc:docMk/>
+      </pc:docMkLst>
+      <pc:sldChg chg="del">
+        <pc:chgData name="Weifeng Xu" userId="e7aed605-a3dd-4d5a-a692-a87037af107b" providerId="ADAL" clId="{99E7DBB8-0B00-463F-B90F-88F2FF9D1B2C}" dt="2025-05-09T00:56:53.206" v="42" actId="47"/>
+        <pc:sldMkLst>
+          <pc:docMk/>
+          <pc:sldMk cId="1325061211" sldId="256"/>
+        </pc:sldMkLst>
+      </pc:sldChg>
+      <pc:sldChg chg="addSp modSp new mod">
+        <pc:chgData name="Weifeng Xu" userId="e7aed605-a3dd-4d5a-a692-a87037af107b" providerId="ADAL" clId="{99E7DBB8-0B00-463F-B90F-88F2FF9D1B2C}" dt="2025-05-09T13:48:29.267" v="662" actId="20577"/>
+        <pc:sldMkLst>
+          <pc:docMk/>
+          <pc:sldMk cId="4229613289" sldId="256"/>
+        </pc:sldMkLst>
+        <pc:spChg chg="mod">
+          <ac:chgData name="Weifeng Xu" userId="e7aed605-a3dd-4d5a-a692-a87037af107b" providerId="ADAL" clId="{99E7DBB8-0B00-463F-B90F-88F2FF9D1B2C}" dt="2025-05-09T13:48:29.267" v="662" actId="20577"/>
+          <ac:spMkLst>
+            <pc:docMk/>
+            <pc:sldMk cId="4229613289" sldId="256"/>
+            <ac:spMk id="2" creationId="{73048C73-D1CA-0BE8-0077-80ECB9E744B2}"/>
+          </ac:spMkLst>
+        </pc:spChg>
+      </pc:sldChg>
+      <pc:sldChg chg="addSp delSp modSp new mod">
+        <pc:chgData name="Weifeng Xu" userId="e7aed605-a3dd-4d5a-a692-a87037af107b" providerId="ADAL" clId="{99E7DBB8-0B00-463F-B90F-88F2FF9D1B2C}" dt="2025-05-09T02:20:02.586" v="219" actId="21"/>
+        <pc:sldMkLst>
+          <pc:docMk/>
+          <pc:sldMk cId="2080425308" sldId="257"/>
+        </pc:sldMkLst>
+      </pc:sldChg>
+      <pc:sldChg chg="del">
+        <pc:chgData name="Weifeng Xu" userId="e7aed605-a3dd-4d5a-a692-a87037af107b" providerId="ADAL" clId="{99E7DBB8-0B00-463F-B90F-88F2FF9D1B2C}" dt="2025-05-09T00:56:48.817" v="0" actId="47"/>
+        <pc:sldMkLst>
+          <pc:docMk/>
+          <pc:sldMk cId="3637650244" sldId="257"/>
+        </pc:sldMkLst>
+      </pc:sldChg>
+      <pc:sldChg chg="addSp delSp modSp new del mod modClrScheme chgLayout">
+        <pc:chgData name="Weifeng Xu" userId="e7aed605-a3dd-4d5a-a692-a87037af107b" providerId="ADAL" clId="{99E7DBB8-0B00-463F-B90F-88F2FF9D1B2C}" dt="2025-05-09T01:22:39.424" v="97" actId="47"/>
+        <pc:sldMkLst>
+          <pc:docMk/>
+          <pc:sldMk cId="783051541" sldId="258"/>
+        </pc:sldMkLst>
+      </pc:sldChg>
+      <pc:sldChg chg="del">
+        <pc:chgData name="Weifeng Xu" userId="e7aed605-a3dd-4d5a-a692-a87037af107b" providerId="ADAL" clId="{99E7DBB8-0B00-463F-B90F-88F2FF9D1B2C}" dt="2025-05-09T00:56:49.327" v="1" actId="47"/>
+        <pc:sldMkLst>
+          <pc:docMk/>
+          <pc:sldMk cId="2656776715" sldId="258"/>
+        </pc:sldMkLst>
+      </pc:sldChg>
+      <pc:sldChg chg="del">
+        <pc:chgData name="Weifeng Xu" userId="e7aed605-a3dd-4d5a-a692-a87037af107b" providerId="ADAL" clId="{99E7DBB8-0B00-463F-B90F-88F2FF9D1B2C}" dt="2025-05-09T00:56:49.351" v="2" actId="47"/>
+        <pc:sldMkLst>
+          <pc:docMk/>
+          <pc:sldMk cId="727829765" sldId="259"/>
+        </pc:sldMkLst>
+      </pc:sldChg>
+      <pc:sldChg chg="addSp delSp modSp new mod ord modClrScheme chgLayout">
+        <pc:chgData name="Weifeng Xu" userId="e7aed605-a3dd-4d5a-a692-a87037af107b" providerId="ADAL" clId="{99E7DBB8-0B00-463F-B90F-88F2FF9D1B2C}" dt="2025-05-09T14:56:36.715" v="1127" actId="113"/>
+        <pc:sldMkLst>
+          <pc:docMk/>
+          <pc:sldMk cId="1414809203" sldId="259"/>
+        </pc:sldMkLst>
+      </pc:sldChg>
+      <pc:sldChg chg="del">
+        <pc:chgData name="Weifeng Xu" userId="e7aed605-a3dd-4d5a-a692-a87037af107b" providerId="ADAL" clId="{99E7DBB8-0B00-463F-B90F-88F2FF9D1B2C}" dt="2025-05-09T00:56:49.538" v="4" actId="47"/>
+        <pc:sldMkLst>
+          <pc:docMk/>
+          <pc:sldMk cId="1840264368" sldId="260"/>
+        </pc:sldMkLst>
+      </pc:sldChg>
+      <pc:sldChg chg="modSp new mod ord">
+        <pc:chgData name="Weifeng Xu" userId="e7aed605-a3dd-4d5a-a692-a87037af107b" providerId="ADAL" clId="{99E7DBB8-0B00-463F-B90F-88F2FF9D1B2C}" dt="2025-05-09T14:42:46.320" v="1024" actId="6549"/>
+        <pc:sldMkLst>
+          <pc:docMk/>
+          <pc:sldMk cId="2555509167" sldId="260"/>
+        </pc:sldMkLst>
+      </pc:sldChg>
+      <pc:sldChg chg="addSp delSp modSp new add del mod ord modNotesTx">
+        <pc:chgData name="Weifeng Xu" userId="e7aed605-a3dd-4d5a-a692-a87037af107b" providerId="ADAL" clId="{99E7DBB8-0B00-463F-B90F-88F2FF9D1B2C}" dt="2025-05-09T13:51:08.563" v="723" actId="20577"/>
+        <pc:sldMkLst>
+          <pc:docMk/>
+          <pc:sldMk cId="108116971" sldId="261"/>
+        </pc:sldMkLst>
+      </pc:sldChg>
+      <pc:sldChg chg="del">
+        <pc:chgData name="Weifeng Xu" userId="e7aed605-a3dd-4d5a-a692-a87037af107b" providerId="ADAL" clId="{99E7DBB8-0B00-463F-B90F-88F2FF9D1B2C}" dt="2025-05-09T00:56:49.622" v="6" actId="47"/>
+        <pc:sldMkLst>
+          <pc:docMk/>
+          <pc:sldMk cId="4111090122" sldId="261"/>
+        </pc:sldMkLst>
+      </pc:sldChg>
+      <pc:sldChg chg="del">
+        <pc:chgData name="Weifeng Xu" userId="e7aed605-a3dd-4d5a-a692-a87037af107b" providerId="ADAL" clId="{99E7DBB8-0B00-463F-B90F-88F2FF9D1B2C}" dt="2025-05-09T00:56:49.670" v="7" actId="47"/>
+        <pc:sldMkLst>
+          <pc:docMk/>
+          <pc:sldMk cId="2317883494" sldId="262"/>
+        </pc:sldMkLst>
+      </pc:sldChg>
+      <pc:sldChg chg="addSp delSp modSp new del mod modClrScheme chgLayout">
+        <pc:chgData name="Weifeng Xu" userId="e7aed605-a3dd-4d5a-a692-a87037af107b" providerId="ADAL" clId="{99E7DBB8-0B00-463F-B90F-88F2FF9D1B2C}" dt="2025-05-09T13:54:30.871" v="739" actId="47"/>
+        <pc:sldMkLst>
+          <pc:docMk/>
+          <pc:sldMk cId="3888142425" sldId="262"/>
+        </pc:sldMkLst>
+      </pc:sldChg>
+      <pc:sldChg chg="addSp delSp modSp new mod modClrScheme chgLayout">
+        <pc:chgData name="Weifeng Xu" userId="e7aed605-a3dd-4d5a-a692-a87037af107b" providerId="ADAL" clId="{99E7DBB8-0B00-463F-B90F-88F2FF9D1B2C}" dt="2025-05-09T03:34:28.037" v="336" actId="1076"/>
+        <pc:sldMkLst>
+          <pc:docMk/>
+          <pc:sldMk cId="541577434" sldId="263"/>
+        </pc:sldMkLst>
+      </pc:sldChg>
+      <pc:sldChg chg="del">
+        <pc:chgData name="Weifeng Xu" userId="e7aed605-a3dd-4d5a-a692-a87037af107b" providerId="ADAL" clId="{99E7DBB8-0B00-463F-B90F-88F2FF9D1B2C}" dt="2025-05-09T00:56:49.721" v="9" actId="47"/>
+        <pc:sldMkLst>
+          <pc:docMk/>
+          <pc:sldMk cId="811983070" sldId="263"/>
+        </pc:sldMkLst>
+      </pc:sldChg>
+      <pc:sldChg chg="del">
+        <pc:chgData name="Weifeng Xu" userId="e7aed605-a3dd-4d5a-a692-a87037af107b" providerId="ADAL" clId="{99E7DBB8-0B00-463F-B90F-88F2FF9D1B2C}" dt="2025-05-09T00:56:49.750" v="10" actId="47"/>
+        <pc:sldMkLst>
+          <pc:docMk/>
+          <pc:sldMk cId="1963809480" sldId="264"/>
+        </pc:sldMkLst>
+      </pc:sldChg>
+      <pc:sldChg chg="addSp delSp modSp new mod modClrScheme chgLayout">
+        <pc:chgData name="Weifeng Xu" userId="e7aed605-a3dd-4d5a-a692-a87037af107b" providerId="ADAL" clId="{99E7DBB8-0B00-463F-B90F-88F2FF9D1B2C}" dt="2025-05-09T03:35:28.386" v="376" actId="1076"/>
+        <pc:sldMkLst>
+          <pc:docMk/>
+          <pc:sldMk cId="4109817222" sldId="264"/>
+        </pc:sldMkLst>
+      </pc:sldChg>
+      <pc:sldChg chg="del">
+        <pc:chgData name="Weifeng Xu" userId="e7aed605-a3dd-4d5a-a692-a87037af107b" providerId="ADAL" clId="{99E7DBB8-0B00-463F-B90F-88F2FF9D1B2C}" dt="2025-05-09T00:56:49.776" v="11" actId="47"/>
+        <pc:sldMkLst>
+          <pc:docMk/>
+          <pc:sldMk cId="1407222423" sldId="265"/>
+        </pc:sldMkLst>
+      </pc:sldChg>
+      <pc:sldChg chg="addSp delSp modSp new mod modClrScheme chgLayout">
+        <pc:chgData name="Weifeng Xu" userId="e7aed605-a3dd-4d5a-a692-a87037af107b" providerId="ADAL" clId="{99E7DBB8-0B00-463F-B90F-88F2FF9D1B2C}" dt="2025-05-10T13:15:56.890" v="1698" actId="14100"/>
+        <pc:sldMkLst>
+          <pc:docMk/>
+          <pc:sldMk cId="2460522592" sldId="265"/>
+        </pc:sldMkLst>
+      </pc:sldChg>
+      <pc:sldChg chg="del">
+        <pc:chgData name="Weifeng Xu" userId="e7aed605-a3dd-4d5a-a692-a87037af107b" providerId="ADAL" clId="{99E7DBB8-0B00-463F-B90F-88F2FF9D1B2C}" dt="2025-05-09T00:56:51.053" v="18" actId="47"/>
+        <pc:sldMkLst>
+          <pc:docMk/>
+          <pc:sldMk cId="765826211" sldId="266"/>
+        </pc:sldMkLst>
+      </pc:sldChg>
+      <pc:sldChg chg="addSp delSp modSp new mod">
+        <pc:chgData name="Weifeng Xu" userId="e7aed605-a3dd-4d5a-a692-a87037af107b" providerId="ADAL" clId="{99E7DBB8-0B00-463F-B90F-88F2FF9D1B2C}" dt="2025-05-09T14:38:22.643" v="950" actId="14100"/>
+        <pc:sldMkLst>
+          <pc:docMk/>
+          <pc:sldMk cId="4202676483" sldId="266"/>
+        </pc:sldMkLst>
+      </pc:sldChg>
+      <pc:sldChg chg="addSp delSp new mod modClrScheme chgLayout">
+        <pc:chgData name="Weifeng Xu" userId="e7aed605-a3dd-4d5a-a692-a87037af107b" providerId="ADAL" clId="{99E7DBB8-0B00-463F-B90F-88F2FF9D1B2C}" dt="2025-05-09T11:53:29.113" v="495"/>
+        <pc:sldMkLst>
+          <pc:docMk/>
+          <pc:sldMk cId="86561853" sldId="267"/>
+        </pc:sldMkLst>
+      </pc:sldChg>
+      <pc:sldChg chg="del">
+        <pc:chgData name="Weifeng Xu" userId="e7aed605-a3dd-4d5a-a692-a87037af107b" providerId="ADAL" clId="{99E7DBB8-0B00-463F-B90F-88F2FF9D1B2C}" dt="2025-05-09T00:56:49.696" v="8" actId="47"/>
+        <pc:sldMkLst>
+          <pc:docMk/>
+          <pc:sldMk cId="3504296645" sldId="267"/>
+        </pc:sldMkLst>
+      </pc:sldChg>
+      <pc:sldChg chg="del">
+        <pc:chgData name="Weifeng Xu" userId="e7aed605-a3dd-4d5a-a692-a87037af107b" providerId="ADAL" clId="{99E7DBB8-0B00-463F-B90F-88F2FF9D1B2C}" dt="2025-05-09T00:56:51.086" v="19" actId="47"/>
+        <pc:sldMkLst>
+          <pc:docMk/>
+          <pc:sldMk cId="679910618" sldId="268"/>
+        </pc:sldMkLst>
+      </pc:sldChg>
+      <pc:sldChg chg="addSp delSp modSp add mod ord modClrScheme chgLayout">
+        <pc:chgData name="Weifeng Xu" userId="e7aed605-a3dd-4d5a-a692-a87037af107b" providerId="ADAL" clId="{99E7DBB8-0B00-463F-B90F-88F2FF9D1B2C}" dt="2025-05-10T13:19:26.944" v="1727" actId="1076"/>
+        <pc:sldMkLst>
+          <pc:docMk/>
+          <pc:sldMk cId="2452082469" sldId="268"/>
+        </pc:sldMkLst>
+      </pc:sldChg>
+      <pc:sldChg chg="addSp delSp modSp new add del mod modClrScheme chgLayout">
+        <pc:chgData name="Weifeng Xu" userId="e7aed605-a3dd-4d5a-a692-a87037af107b" providerId="ADAL" clId="{99E7DBB8-0B00-463F-B90F-88F2FF9D1B2C}" dt="2025-05-09T12:58:42.375" v="564" actId="26606"/>
+        <pc:sldMkLst>
+          <pc:docMk/>
+          <pc:sldMk cId="1533910329" sldId="269"/>
+        </pc:sldMkLst>
+      </pc:sldChg>
+      <pc:sldChg chg="del">
+        <pc:chgData name="Weifeng Xu" userId="e7aed605-a3dd-4d5a-a692-a87037af107b" providerId="ADAL" clId="{99E7DBB8-0B00-463F-B90F-88F2FF9D1B2C}" dt="2025-05-09T00:56:49.818" v="12" actId="47"/>
+        <pc:sldMkLst>
+          <pc:docMk/>
+          <pc:sldMk cId="2594904362" sldId="269"/>
+        </pc:sldMkLst>
+      </pc:sldChg>
+      <pc:sldChg chg="addSp delSp modSp new mod modClrScheme chgLayout">
+        <pc:chgData name="Weifeng Xu" userId="e7aed605-a3dd-4d5a-a692-a87037af107b" providerId="ADAL" clId="{99E7DBB8-0B00-463F-B90F-88F2FF9D1B2C}" dt="2025-05-09T13:49:12.279" v="665"/>
+        <pc:sldMkLst>
+          <pc:docMk/>
+          <pc:sldMk cId="2434111921" sldId="270"/>
+        </pc:sldMkLst>
+      </pc:sldChg>
+      <pc:sldChg chg="del">
+        <pc:chgData name="Weifeng Xu" userId="e7aed605-a3dd-4d5a-a692-a87037af107b" providerId="ADAL" clId="{99E7DBB8-0B00-463F-B90F-88F2FF9D1B2C}" dt="2025-05-09T00:56:49.861" v="13" actId="47"/>
+        <pc:sldMkLst>
+          <pc:docMk/>
+          <pc:sldMk cId="3508688350" sldId="270"/>
+        </pc:sldMkLst>
+      </pc:sldChg>
+      <pc:sldChg chg="del">
+        <pc:chgData name="Weifeng Xu" userId="e7aed605-a3dd-4d5a-a692-a87037af107b" providerId="ADAL" clId="{99E7DBB8-0B00-463F-B90F-88F2FF9D1B2C}" dt="2025-05-09T00:56:50.987" v="16" actId="47"/>
+        <pc:sldMkLst>
+          <pc:docMk/>
+          <pc:sldMk cId="2923167307" sldId="271"/>
+        </pc:sldMkLst>
+      </pc:sldChg>
+      <pc:sldChg chg="addSp modSp add mod">
+        <pc:chgData name="Weifeng Xu" userId="e7aed605-a3dd-4d5a-a692-a87037af107b" providerId="ADAL" clId="{99E7DBB8-0B00-463F-B90F-88F2FF9D1B2C}" dt="2025-05-09T14:04:35.998" v="830" actId="1076"/>
+        <pc:sldMkLst>
+          <pc:docMk/>
+          <pc:sldMk cId="3407768076" sldId="271"/>
+        </pc:sldMkLst>
+      </pc:sldChg>
+      <pc:sldChg chg="del">
+        <pc:chgData name="Weifeng Xu" userId="e7aed605-a3dd-4d5a-a692-a87037af107b" providerId="ADAL" clId="{99E7DBB8-0B00-463F-B90F-88F2FF9D1B2C}" dt="2025-05-09T00:56:51.116" v="20" actId="47"/>
+        <pc:sldMkLst>
+          <pc:docMk/>
+          <pc:sldMk cId="868934236" sldId="272"/>
+        </pc:sldMkLst>
+      </pc:sldChg>
+      <pc:sldChg chg="modSp add mod ord">
+        <pc:chgData name="Weifeng Xu" userId="e7aed605-a3dd-4d5a-a692-a87037af107b" providerId="ADAL" clId="{99E7DBB8-0B00-463F-B90F-88F2FF9D1B2C}" dt="2025-05-09T14:34:31.799" v="870" actId="20577"/>
+        <pc:sldMkLst>
+          <pc:docMk/>
+          <pc:sldMk cId="3267955198" sldId="272"/>
+        </pc:sldMkLst>
+      </pc:sldChg>
+      <pc:sldChg chg="addSp delSp modSp new mod modClrScheme chgLayout">
+        <pc:chgData name="Weifeng Xu" userId="e7aed605-a3dd-4d5a-a692-a87037af107b" providerId="ADAL" clId="{99E7DBB8-0B00-463F-B90F-88F2FF9D1B2C}" dt="2025-05-09T14:46:16.527" v="1085" actId="20577"/>
+        <pc:sldMkLst>
+          <pc:docMk/>
+          <pc:sldMk cId="123998257" sldId="273"/>
+        </pc:sldMkLst>
+      </pc:sldChg>
+      <pc:sldChg chg="del">
+        <pc:chgData name="Weifeng Xu" userId="e7aed605-a3dd-4d5a-a692-a87037af107b" providerId="ADAL" clId="{99E7DBB8-0B00-463F-B90F-88F2FF9D1B2C}" dt="2025-05-09T00:56:49.388" v="3" actId="47"/>
+        <pc:sldMkLst>
+          <pc:docMk/>
+          <pc:sldMk cId="862046090" sldId="273"/>
+        </pc:sldMkLst>
+      </pc:sldChg>
+      <pc:sldChg chg="del">
+        <pc:chgData name="Weifeng Xu" userId="e7aed605-a3dd-4d5a-a692-a87037af107b" providerId="ADAL" clId="{99E7DBB8-0B00-463F-B90F-88F2FF9D1B2C}" dt="2025-05-09T00:56:49.592" v="5" actId="47"/>
+        <pc:sldMkLst>
+          <pc:docMk/>
+          <pc:sldMk cId="602319858" sldId="274"/>
+        </pc:sldMkLst>
+      </pc:sldChg>
+      <pc:sldChg chg="addSp modSp new mod">
+        <pc:chgData name="Weifeng Xu" userId="e7aed605-a3dd-4d5a-a692-a87037af107b" providerId="ADAL" clId="{99E7DBB8-0B00-463F-B90F-88F2FF9D1B2C}" dt="2025-05-09T14:49:01.193" v="1113" actId="1076"/>
+        <pc:sldMkLst>
+          <pc:docMk/>
+          <pc:sldMk cId="2691624364" sldId="274"/>
+        </pc:sldMkLst>
+      </pc:sldChg>
+      <pc:sldChg chg="addSp delSp modSp new mod modClrScheme chgLayout">
+        <pc:chgData name="Weifeng Xu" userId="e7aed605-a3dd-4d5a-a692-a87037af107b" providerId="ADAL" clId="{99E7DBB8-0B00-463F-B90F-88F2FF9D1B2C}" dt="2025-05-09T16:03:21.115" v="1305" actId="14100"/>
+        <pc:sldMkLst>
+          <pc:docMk/>
+          <pc:sldMk cId="335620739" sldId="275"/>
+        </pc:sldMkLst>
+      </pc:sldChg>
+      <pc:sldChg chg="del">
+        <pc:chgData name="Weifeng Xu" userId="e7aed605-a3dd-4d5a-a692-a87037af107b" providerId="ADAL" clId="{99E7DBB8-0B00-463F-B90F-88F2FF9D1B2C}" dt="2025-05-09T00:56:50.476" v="15" actId="47"/>
+        <pc:sldMkLst>
+          <pc:docMk/>
+          <pc:sldMk cId="1760818567" sldId="275"/>
+        </pc:sldMkLst>
+      </pc:sldChg>
+      <pc:sldChg chg="addSp delSp modSp new mod modClrScheme chgLayout">
+        <pc:chgData name="Weifeng Xu" userId="e7aed605-a3dd-4d5a-a692-a87037af107b" providerId="ADAL" clId="{99E7DBB8-0B00-463F-B90F-88F2FF9D1B2C}" dt="2025-05-09T15:27:42.179" v="1279" actId="20577"/>
+        <pc:sldMkLst>
+          <pc:docMk/>
+          <pc:sldMk cId="1706777646" sldId="276"/>
+        </pc:sldMkLst>
+      </pc:sldChg>
+      <pc:sldChg chg="del">
+        <pc:chgData name="Weifeng Xu" userId="e7aed605-a3dd-4d5a-a692-a87037af107b" providerId="ADAL" clId="{99E7DBB8-0B00-463F-B90F-88F2FF9D1B2C}" dt="2025-05-09T00:56:51.017" v="17" actId="47"/>
+        <pc:sldMkLst>
+          <pc:docMk/>
+          <pc:sldMk cId="2550957305" sldId="276"/>
+        </pc:sldMkLst>
+      </pc:sldChg>
+      <pc:sldChg chg="addSp delSp modSp new mod">
+        <pc:chgData name="Weifeng Xu" userId="e7aed605-a3dd-4d5a-a692-a87037af107b" providerId="ADAL" clId="{99E7DBB8-0B00-463F-B90F-88F2FF9D1B2C}" dt="2025-05-10T01:53:51.094" v="1636" actId="6549"/>
+        <pc:sldMkLst>
+          <pc:docMk/>
+          <pc:sldMk cId="729748050" sldId="277"/>
+        </pc:sldMkLst>
+      </pc:sldChg>
+      <pc:sldChg chg="del">
+        <pc:chgData name="Weifeng Xu" userId="e7aed605-a3dd-4d5a-a692-a87037af107b" providerId="ADAL" clId="{99E7DBB8-0B00-463F-B90F-88F2FF9D1B2C}" dt="2025-05-09T00:56:51.278" v="25" actId="47"/>
+        <pc:sldMkLst>
+          <pc:docMk/>
+          <pc:sldMk cId="3185848680" sldId="277"/>
+        </pc:sldMkLst>
+      </pc:sldChg>
+      <pc:sldChg chg="del">
+        <pc:chgData name="Weifeng Xu" userId="e7aed605-a3dd-4d5a-a692-a87037af107b" providerId="ADAL" clId="{99E7DBB8-0B00-463F-B90F-88F2FF9D1B2C}" dt="2025-05-09T00:56:51.323" v="26" actId="47"/>
+        <pc:sldMkLst>
+          <pc:docMk/>
+          <pc:sldMk cId="405124300" sldId="278"/>
+        </pc:sldMkLst>
+      </pc:sldChg>
+      <pc:sldChg chg="addSp modSp new mod">
+        <pc:chgData name="Weifeng Xu" userId="e7aed605-a3dd-4d5a-a692-a87037af107b" providerId="ADAL" clId="{99E7DBB8-0B00-463F-B90F-88F2FF9D1B2C}" dt="2025-05-10T02:11:14.099" v="1667" actId="207"/>
+        <pc:sldMkLst>
+          <pc:docMk/>
+          <pc:sldMk cId="2625883836" sldId="278"/>
+        </pc:sldMkLst>
+      </pc:sldChg>
+      <pc:sldChg chg="addSp modSp new mod">
+        <pc:chgData name="Weifeng Xu" userId="e7aed605-a3dd-4d5a-a692-a87037af107b" providerId="ADAL" clId="{99E7DBB8-0B00-463F-B90F-88F2FF9D1B2C}" dt="2025-05-10T14:25:13.185" v="1849" actId="20577"/>
+        <pc:sldMkLst>
+          <pc:docMk/>
+          <pc:sldMk cId="1124268826" sldId="279"/>
+        </pc:sldMkLst>
+      </pc:sldChg>
+      <pc:sldChg chg="del">
+        <pc:chgData name="Weifeng Xu" userId="e7aed605-a3dd-4d5a-a692-a87037af107b" providerId="ADAL" clId="{99E7DBB8-0B00-463F-B90F-88F2FF9D1B2C}" dt="2025-05-09T00:56:51.351" v="27" actId="47"/>
+        <pc:sldMkLst>
+          <pc:docMk/>
+          <pc:sldMk cId="2022899757" sldId="279"/>
+        </pc:sldMkLst>
+      </pc:sldChg>
+      <pc:sldChg chg="addSp delSp modSp new mod">
+        <pc:chgData name="Weifeng Xu" userId="e7aed605-a3dd-4d5a-a692-a87037af107b" providerId="ADAL" clId="{99E7DBB8-0B00-463F-B90F-88F2FF9D1B2C}" dt="2025-05-10T14:36:45.391" v="1949" actId="1076"/>
+        <pc:sldMkLst>
+          <pc:docMk/>
+          <pc:sldMk cId="1156439318" sldId="280"/>
+        </pc:sldMkLst>
+      </pc:sldChg>
+      <pc:sldChg chg="del">
+        <pc:chgData name="Weifeng Xu" userId="e7aed605-a3dd-4d5a-a692-a87037af107b" providerId="ADAL" clId="{99E7DBB8-0B00-463F-B90F-88F2FF9D1B2C}" dt="2025-05-09T00:56:51.380" v="28" actId="47"/>
+        <pc:sldMkLst>
+          <pc:docMk/>
+          <pc:sldMk cId="2021787752" sldId="280"/>
+        </pc:sldMkLst>
+      </pc:sldChg>
+      <pc:sldChg chg="addSp delSp modSp new mod modClrScheme chgLayout">
+        <pc:chgData name="Weifeng Xu" userId="e7aed605-a3dd-4d5a-a692-a87037af107b" providerId="ADAL" clId="{99E7DBB8-0B00-463F-B90F-88F2FF9D1B2C}" dt="2025-05-10T14:27:39.172" v="1939"/>
+        <pc:sldMkLst>
+          <pc:docMk/>
+          <pc:sldMk cId="1238643883" sldId="281"/>
+        </pc:sldMkLst>
+      </pc:sldChg>
+      <pc:sldChg chg="del">
+        <pc:chgData name="Weifeng Xu" userId="e7aed605-a3dd-4d5a-a692-a87037af107b" providerId="ADAL" clId="{99E7DBB8-0B00-463F-B90F-88F2FF9D1B2C}" dt="2025-05-09T00:56:51.407" v="29" actId="47"/>
+        <pc:sldMkLst>
+          <pc:docMk/>
+          <pc:sldMk cId="3900806462" sldId="281"/>
+        </pc:sldMkLst>
+      </pc:sldChg>
+      <pc:sldChg chg="del">
+        <pc:chgData name="Weifeng Xu" userId="e7aed605-a3dd-4d5a-a692-a87037af107b" providerId="ADAL" clId="{99E7DBB8-0B00-463F-B90F-88F2FF9D1B2C}" dt="2025-05-09T00:56:51.449" v="30" actId="47"/>
+        <pc:sldMkLst>
+          <pc:docMk/>
+          <pc:sldMk cId="2831829862" sldId="282"/>
+        </pc:sldMkLst>
+      </pc:sldChg>
+      <pc:sldChg chg="addSp modSp new mod modClrScheme chgLayout">
+        <pc:chgData name="Weifeng Xu" userId="e7aed605-a3dd-4d5a-a692-a87037af107b" providerId="ADAL" clId="{99E7DBB8-0B00-463F-B90F-88F2FF9D1B2C}" dt="2025-05-10T14:38:50.580" v="1954"/>
+        <pc:sldMkLst>
+          <pc:docMk/>
+          <pc:sldMk cId="3302196761" sldId="282"/>
+        </pc:sldMkLst>
+      </pc:sldChg>
+      <pc:sldChg chg="addSp delSp modSp new mod modClrScheme chgLayout">
+        <pc:chgData name="Weifeng Xu" userId="e7aed605-a3dd-4d5a-a692-a87037af107b" providerId="ADAL" clId="{99E7DBB8-0B00-463F-B90F-88F2FF9D1B2C}" dt="2025-05-10T14:58:41.003" v="1960" actId="22"/>
+        <pc:sldMkLst>
+          <pc:docMk/>
+          <pc:sldMk cId="3728536507" sldId="283"/>
+        </pc:sldMkLst>
+      </pc:sldChg>
+      <pc:sldChg chg="del">
+        <pc:chgData name="Weifeng Xu" userId="e7aed605-a3dd-4d5a-a692-a87037af107b" providerId="ADAL" clId="{99E7DBB8-0B00-463F-B90F-88F2FF9D1B2C}" dt="2025-05-09T00:56:51.495" v="31" actId="47"/>
+        <pc:sldMkLst>
+          <pc:docMk/>
+          <pc:sldMk cId="3760669567" sldId="283"/>
+        </pc:sldMkLst>
+      </pc:sldChg>
+      <pc:sldChg chg="del">
+        <pc:chgData name="Weifeng Xu" userId="e7aed605-a3dd-4d5a-a692-a87037af107b" providerId="ADAL" clId="{99E7DBB8-0B00-463F-B90F-88F2FF9D1B2C}" dt="2025-05-09T00:56:51.164" v="21" actId="47"/>
+        <pc:sldMkLst>
+          <pc:docMk/>
+          <pc:sldMk cId="2141137123" sldId="284"/>
+        </pc:sldMkLst>
+      </pc:sldChg>
+      <pc:sldChg chg="addSp modSp new mod modClrScheme chgLayout">
+        <pc:chgData name="Weifeng Xu" userId="e7aed605-a3dd-4d5a-a692-a87037af107b" providerId="ADAL" clId="{99E7DBB8-0B00-463F-B90F-88F2FF9D1B2C}" dt="2025-05-10T15:04:38.447" v="1972"/>
+        <pc:sldMkLst>
+          <pc:docMk/>
+          <pc:sldMk cId="2713869841" sldId="284"/>
+        </pc:sldMkLst>
+      </pc:sldChg>
+      <pc:sldChg chg="del">
+        <pc:chgData name="Weifeng Xu" userId="e7aed605-a3dd-4d5a-a692-a87037af107b" providerId="ADAL" clId="{99E7DBB8-0B00-463F-B90F-88F2FF9D1B2C}" dt="2025-05-09T00:56:51.203" v="22" actId="47"/>
+        <pc:sldMkLst>
+          <pc:docMk/>
+          <pc:sldMk cId="4021924536" sldId="286"/>
+        </pc:sldMkLst>
+      </pc:sldChg>
+      <pc:sldChg chg="del">
+        <pc:chgData name="Weifeng Xu" userId="e7aed605-a3dd-4d5a-a692-a87037af107b" providerId="ADAL" clId="{99E7DBB8-0B00-463F-B90F-88F2FF9D1B2C}" dt="2025-05-09T00:56:52.409" v="32" actId="47"/>
+        <pc:sldMkLst>
+          <pc:docMk/>
+          <pc:sldMk cId="214610006" sldId="287"/>
+        </pc:sldMkLst>
+      </pc:sldChg>
+      <pc:sldChg chg="del">
+        <pc:chgData name="Weifeng Xu" userId="e7aed605-a3dd-4d5a-a692-a87037af107b" providerId="ADAL" clId="{99E7DBB8-0B00-463F-B90F-88F2FF9D1B2C}" dt="2025-05-09T00:56:52.922" v="33" actId="47"/>
+        <pc:sldMkLst>
+          <pc:docMk/>
+          <pc:sldMk cId="1407769080" sldId="288"/>
+        </pc:sldMkLst>
+      </pc:sldChg>
+      <pc:sldChg chg="del">
+        <pc:chgData name="Weifeng Xu" userId="e7aed605-a3dd-4d5a-a692-a87037af107b" providerId="ADAL" clId="{99E7DBB8-0B00-463F-B90F-88F2FF9D1B2C}" dt="2025-05-09T00:56:51.226" v="23" actId="47"/>
+        <pc:sldMkLst>
+          <pc:docMk/>
+          <pc:sldMk cId="104095834" sldId="289"/>
+        </pc:sldMkLst>
+      </pc:sldChg>
+      <pc:sldChg chg="del">
+        <pc:chgData name="Weifeng Xu" userId="e7aed605-a3dd-4d5a-a692-a87037af107b" providerId="ADAL" clId="{99E7DBB8-0B00-463F-B90F-88F2FF9D1B2C}" dt="2025-05-09T00:56:49.891" v="14" actId="47"/>
+        <pc:sldMkLst>
+          <pc:docMk/>
+          <pc:sldMk cId="3513636499" sldId="290"/>
+        </pc:sldMkLst>
+      </pc:sldChg>
+      <pc:sldChg chg="del">
+        <pc:chgData name="Weifeng Xu" userId="e7aed605-a3dd-4d5a-a692-a87037af107b" providerId="ADAL" clId="{99E7DBB8-0B00-463F-B90F-88F2FF9D1B2C}" dt="2025-05-09T00:56:52.957" v="34" actId="47"/>
+        <pc:sldMkLst>
+          <pc:docMk/>
+          <pc:sldMk cId="767342062" sldId="291"/>
+        </pc:sldMkLst>
+      </pc:sldChg>
+      <pc:sldChg chg="del">
+        <pc:chgData name="Weifeng Xu" userId="e7aed605-a3dd-4d5a-a692-a87037af107b" providerId="ADAL" clId="{99E7DBB8-0B00-463F-B90F-88F2FF9D1B2C}" dt="2025-05-09T00:56:52.981" v="35" actId="47"/>
+        <pc:sldMkLst>
+          <pc:docMk/>
+          <pc:sldMk cId="3454193145" sldId="292"/>
+        </pc:sldMkLst>
+      </pc:sldChg>
+      <pc:sldChg chg="del">
+        <pc:chgData name="Weifeng Xu" userId="e7aed605-a3dd-4d5a-a692-a87037af107b" providerId="ADAL" clId="{99E7DBB8-0B00-463F-B90F-88F2FF9D1B2C}" dt="2025-05-09T00:56:51.251" v="24" actId="47"/>
+        <pc:sldMkLst>
+          <pc:docMk/>
+          <pc:sldMk cId="2222583924" sldId="293"/>
+        </pc:sldMkLst>
+      </pc:sldChg>
+      <pc:sldChg chg="del">
+        <pc:chgData name="Weifeng Xu" userId="e7aed605-a3dd-4d5a-a692-a87037af107b" providerId="ADAL" clId="{99E7DBB8-0B00-463F-B90F-88F2FF9D1B2C}" dt="2025-05-09T00:56:53.023" v="36" actId="47"/>
+        <pc:sldMkLst>
+          <pc:docMk/>
+          <pc:sldMk cId="1894162818" sldId="294"/>
+        </pc:sldMkLst>
+      </pc:sldChg>
+      <pc:sldChg chg="del">
+        <pc:chgData name="Weifeng Xu" userId="e7aed605-a3dd-4d5a-a692-a87037af107b" providerId="ADAL" clId="{99E7DBB8-0B00-463F-B90F-88F2FF9D1B2C}" dt="2025-05-09T00:56:53.044" v="37" actId="47"/>
+        <pc:sldMkLst>
+          <pc:docMk/>
+          <pc:sldMk cId="4224664371" sldId="295"/>
+        </pc:sldMkLst>
+      </pc:sldChg>
+      <pc:sldChg chg="del">
+        <pc:chgData name="Weifeng Xu" userId="e7aed605-a3dd-4d5a-a692-a87037af107b" providerId="ADAL" clId="{99E7DBB8-0B00-463F-B90F-88F2FF9D1B2C}" dt="2025-05-09T00:56:53.090" v="38" actId="47"/>
+        <pc:sldMkLst>
+          <pc:docMk/>
+          <pc:sldMk cId="720217490" sldId="296"/>
+        </pc:sldMkLst>
+      </pc:sldChg>
+      <pc:sldChg chg="del">
+        <pc:chgData name="Weifeng Xu" userId="e7aed605-a3dd-4d5a-a692-a87037af107b" providerId="ADAL" clId="{99E7DBB8-0B00-463F-B90F-88F2FF9D1B2C}" dt="2025-05-09T00:56:53.125" v="39" actId="47"/>
+        <pc:sldMkLst>
+          <pc:docMk/>
+          <pc:sldMk cId="4294253925" sldId="297"/>
+        </pc:sldMkLst>
+      </pc:sldChg>
+      <pc:sldChg chg="del">
+        <pc:chgData name="Weifeng Xu" userId="e7aed605-a3dd-4d5a-a692-a87037af107b" providerId="ADAL" clId="{99E7DBB8-0B00-463F-B90F-88F2FF9D1B2C}" dt="2025-05-09T00:56:53.152" v="40" actId="47"/>
+        <pc:sldMkLst>
+          <pc:docMk/>
+          <pc:sldMk cId="2038064399" sldId="298"/>
+        </pc:sldMkLst>
+      </pc:sldChg>
+      <pc:sldChg chg="del">
+        <pc:chgData name="Weifeng Xu" userId="e7aed605-a3dd-4d5a-a692-a87037af107b" providerId="ADAL" clId="{99E7DBB8-0B00-463F-B90F-88F2FF9D1B2C}" dt="2025-05-09T00:56:53.180" v="41" actId="47"/>
+        <pc:sldMkLst>
+          <pc:docMk/>
+          <pc:sldMk cId="1215718099" sldId="299"/>
+        </pc:sldMkLst>
+      </pc:sldChg>
+    </pc:docChg>
+  </pc:docChgLst>
+  <pc:docChgLst>
+    <pc:chgData name="Weifeng Xu" userId="e7aed605-a3dd-4d5a-a692-a87037af107b" providerId="ADAL" clId="{9C06CBEB-0343-4287-8B81-0C702673DE5E}"/>
+    <pc:docChg chg="undo redo custSel addSld delSld modSld sldOrd">
+      <pc:chgData name="Weifeng Xu" userId="e7aed605-a3dd-4d5a-a692-a87037af107b" providerId="ADAL" clId="{9C06CBEB-0343-4287-8B81-0C702673DE5E}" dt="2025-04-23T23:34:27.047" v="4553" actId="1076"/>
+      <pc:docMkLst>
+        <pc:docMk/>
+      </pc:docMkLst>
+      <pc:sldChg chg="modSp mod">
+        <pc:chgData name="Weifeng Xu" userId="e7aed605-a3dd-4d5a-a692-a87037af107b" providerId="ADAL" clId="{9C06CBEB-0343-4287-8B81-0C702673DE5E}" dt="2025-04-23T01:31:59.756" v="4545" actId="20577"/>
+        <pc:sldMkLst>
+          <pc:docMk/>
+          <pc:sldMk cId="1325061211" sldId="256"/>
+        </pc:sldMkLst>
+      </pc:sldChg>
+      <pc:sldChg chg="addSp delSp modSp mod modClrScheme chgLayout">
+        <pc:chgData name="Weifeng Xu" userId="e7aed605-a3dd-4d5a-a692-a87037af107b" providerId="ADAL" clId="{9C06CBEB-0343-4287-8B81-0C702673DE5E}" dt="2025-04-20T02:53:00.098" v="242" actId="20577"/>
+        <pc:sldMkLst>
+          <pc:docMk/>
+          <pc:sldMk cId="2201572609" sldId="257"/>
+        </pc:sldMkLst>
+      </pc:sldChg>
+      <pc:sldChg chg="addSp delSp modSp mod modClrScheme chgLayout">
+        <pc:chgData name="Weifeng Xu" userId="e7aed605-a3dd-4d5a-a692-a87037af107b" providerId="ADAL" clId="{9C06CBEB-0343-4287-8B81-0C702673DE5E}" dt="2025-04-22T03:01:31.344" v="3590" actId="1076"/>
+        <pc:sldMkLst>
+          <pc:docMk/>
+          <pc:sldMk cId="450669007" sldId="258"/>
+        </pc:sldMkLst>
+      </pc:sldChg>
+      <pc:sldChg chg="addSp delSp modSp add mod">
+        <pc:chgData name="Weifeng Xu" userId="e7aed605-a3dd-4d5a-a692-a87037af107b" providerId="ADAL" clId="{9C06CBEB-0343-4287-8B81-0C702673DE5E}" dt="2025-04-23T00:43:03.009" v="4084" actId="20577"/>
+        <pc:sldMkLst>
+          <pc:docMk/>
+          <pc:sldMk cId="3233567480" sldId="259"/>
+        </pc:sldMkLst>
+      </pc:sldChg>
+      <pc:sldChg chg="addSp delSp modSp new mod">
+        <pc:chgData name="Weifeng Xu" userId="e7aed605-a3dd-4d5a-a692-a87037af107b" providerId="ADAL" clId="{9C06CBEB-0343-4287-8B81-0C702673DE5E}" dt="2025-04-21T12:06:27.352" v="1955" actId="1076"/>
+        <pc:sldMkLst>
+          <pc:docMk/>
+          <pc:sldMk cId="2715224073" sldId="260"/>
+        </pc:sldMkLst>
+      </pc:sldChg>
+      <pc:sldChg chg="addSp delSp modSp new mod modClrScheme chgLayout">
+        <pc:chgData name="Weifeng Xu" userId="e7aed605-a3dd-4d5a-a692-a87037af107b" providerId="ADAL" clId="{9C06CBEB-0343-4287-8B81-0C702673DE5E}" dt="2025-04-22T01:35:22.881" v="2625" actId="14100"/>
+        <pc:sldMkLst>
+          <pc:docMk/>
+          <pc:sldMk cId="1030786537" sldId="261"/>
+        </pc:sldMkLst>
+      </pc:sldChg>
+      <pc:sldChg chg="addSp delSp modSp new mod">
+        <pc:chgData name="Weifeng Xu" userId="e7aed605-a3dd-4d5a-a692-a87037af107b" providerId="ADAL" clId="{9C06CBEB-0343-4287-8B81-0C702673DE5E}" dt="2025-04-23T00:36:22.083" v="3996" actId="20577"/>
+        <pc:sldMkLst>
+          <pc:docMk/>
+          <pc:sldMk cId="3284022864" sldId="262"/>
+        </pc:sldMkLst>
+      </pc:sldChg>
+      <pc:sldChg chg="addSp delSp modSp new mod">
+        <pc:chgData name="Weifeng Xu" userId="e7aed605-a3dd-4d5a-a692-a87037af107b" providerId="ADAL" clId="{9C06CBEB-0343-4287-8B81-0C702673DE5E}" dt="2025-04-23T00:40:19.679" v="4005" actId="6549"/>
+        <pc:sldMkLst>
+          <pc:docMk/>
+          <pc:sldMk cId="786756272" sldId="263"/>
+        </pc:sldMkLst>
+      </pc:sldChg>
+      <pc:sldChg chg="addSp delSp modSp new mod modClrScheme chgLayout">
+        <pc:chgData name="Weifeng Xu" userId="e7aed605-a3dd-4d5a-a692-a87037af107b" providerId="ADAL" clId="{9C06CBEB-0343-4287-8B81-0C702673DE5E}" dt="2025-04-23T00:42:08.933" v="4070" actId="108"/>
+        <pc:sldMkLst>
+          <pc:docMk/>
+          <pc:sldMk cId="3548515090" sldId="264"/>
+        </pc:sldMkLst>
+      </pc:sldChg>
+      <pc:sldChg chg="addSp delSp modSp new mod modClrScheme chgLayout modNotesTx">
+        <pc:chgData name="Weifeng Xu" userId="e7aed605-a3dd-4d5a-a692-a87037af107b" providerId="ADAL" clId="{9C06CBEB-0343-4287-8B81-0C702673DE5E}" dt="2025-04-21T13:40:04.327" v="2094" actId="207"/>
+        <pc:sldMkLst>
+          <pc:docMk/>
+          <pc:sldMk cId="3523214092" sldId="265"/>
+        </pc:sldMkLst>
+      </pc:sldChg>
+      <pc:sldChg chg="addSp delSp modSp new mod ord modClrScheme chgLayout">
+        <pc:chgData name="Weifeng Xu" userId="e7aed605-a3dd-4d5a-a692-a87037af107b" providerId="ADAL" clId="{9C06CBEB-0343-4287-8B81-0C702673DE5E}" dt="2025-04-23T01:02:14.800" v="4310" actId="207"/>
+        <pc:sldMkLst>
+          <pc:docMk/>
+          <pc:sldMk cId="756868712" sldId="266"/>
+        </pc:sldMkLst>
+      </pc:sldChg>
+      <pc:sldChg chg="addSp delSp modSp add mod">
+        <pc:chgData name="Weifeng Xu" userId="e7aed605-a3dd-4d5a-a692-a87037af107b" providerId="ADAL" clId="{9C06CBEB-0343-4287-8B81-0C702673DE5E}" dt="2025-04-22T02:46:00.589" v="3485" actId="20577"/>
+        <pc:sldMkLst>
+          <pc:docMk/>
+          <pc:sldMk cId="2973990778" sldId="267"/>
+        </pc:sldMkLst>
+      </pc:sldChg>
+      <pc:sldChg chg="addSp delSp modSp add del mod">
+        <pc:chgData name="Weifeng Xu" userId="e7aed605-a3dd-4d5a-a692-a87037af107b" providerId="ADAL" clId="{9C06CBEB-0343-4287-8B81-0C702673DE5E}" dt="2025-04-22T12:56:50.206" v="3699" actId="1076"/>
+        <pc:sldMkLst>
+          <pc:docMk/>
+          <pc:sldMk cId="2042884208" sldId="268"/>
+        </pc:sldMkLst>
+      </pc:sldChg>
+      <pc:sldChg chg="addSp delSp modSp add mod modClrScheme chgLayout">
+        <pc:chgData name="Weifeng Xu" userId="e7aed605-a3dd-4d5a-a692-a87037af107b" providerId="ADAL" clId="{9C06CBEB-0343-4287-8B81-0C702673DE5E}" dt="2025-04-23T01:19:14.631" v="4375" actId="207"/>
+        <pc:sldMkLst>
+          <pc:docMk/>
+          <pc:sldMk cId="3256057421" sldId="269"/>
+        </pc:sldMkLst>
+      </pc:sldChg>
+      <pc:sldChg chg="addSp modSp add mod">
+        <pc:chgData name="Weifeng Xu" userId="e7aed605-a3dd-4d5a-a692-a87037af107b" providerId="ADAL" clId="{9C06CBEB-0343-4287-8B81-0C702673DE5E}" dt="2025-04-23T01:19:18.460" v="4376" actId="207"/>
+        <pc:sldMkLst>
+          <pc:docMk/>
+          <pc:sldMk cId="146876777" sldId="270"/>
+        </pc:sldMkLst>
+      </pc:sldChg>
+      <pc:sldChg chg="addSp delSp modSp add mod modClrScheme chgLayout">
+        <pc:chgData name="Weifeng Xu" userId="e7aed605-a3dd-4d5a-a692-a87037af107b" providerId="ADAL" clId="{9C06CBEB-0343-4287-8B81-0C702673DE5E}" dt="2025-04-23T01:26:00.614" v="4493" actId="1076"/>
+        <pc:sldMkLst>
+          <pc:docMk/>
+          <pc:sldMk cId="1939243851" sldId="271"/>
+        </pc:sldMkLst>
+      </pc:sldChg>
+      <pc:sldChg chg="addSp modSp new mod">
+        <pc:chgData name="Weifeng Xu" userId="e7aed605-a3dd-4d5a-a692-a87037af107b" providerId="ADAL" clId="{9C06CBEB-0343-4287-8B81-0C702673DE5E}" dt="2025-04-23T23:34:27.047" v="4553" actId="1076"/>
+        <pc:sldMkLst>
+          <pc:docMk/>
+          <pc:sldMk cId="2238745649" sldId="272"/>
+        </pc:sldMkLst>
+      </pc:sldChg>
+    </pc:docChg>
+  </pc:docChgLst>
+  <pc:docChgLst>
+    <pc:chgData name="Weifeng Xu" userId="e7aed605-a3dd-4d5a-a692-a87037af107b" providerId="ADAL" clId="{77503F2E-F3A0-409B-A511-BB14035E722B}"/>
+    <pc:docChg chg="undo custSel addSld delSld modSld sldOrd">
+      <pc:chgData name="Weifeng Xu" userId="e7aed605-a3dd-4d5a-a692-a87037af107b" providerId="ADAL" clId="{77503F2E-F3A0-409B-A511-BB14035E722B}" dt="2025-05-01T18:53:56.374" v="2136" actId="20577"/>
+      <pc:docMkLst>
+        <pc:docMk/>
+      </pc:docMkLst>
+      <pc:sldChg chg="addSp modSp mod">
+        <pc:chgData name="Weifeng Xu" userId="e7aed605-a3dd-4d5a-a692-a87037af107b" providerId="ADAL" clId="{77503F2E-F3A0-409B-A511-BB14035E722B}" dt="2025-04-30T22:37:51.320" v="275" actId="1076"/>
+        <pc:sldMkLst>
+          <pc:docMk/>
+          <pc:sldMk cId="1325061211" sldId="256"/>
+        </pc:sldMkLst>
+      </pc:sldChg>
+      <pc:sldChg chg="addSp delSp modSp new mod modClrScheme chgLayout">
+        <pc:chgData name="Weifeng Xu" userId="e7aed605-a3dd-4d5a-a692-a87037af107b" providerId="ADAL" clId="{77503F2E-F3A0-409B-A511-BB14035E722B}" dt="2025-04-30T22:00:56.674" v="162" actId="14100"/>
+        <pc:sldMkLst>
+          <pc:docMk/>
+          <pc:sldMk cId="2003605107" sldId="257"/>
+        </pc:sldMkLst>
+      </pc:sldChg>
+      <pc:sldChg chg="del">
+        <pc:chgData name="Weifeng Xu" userId="e7aed605-a3dd-4d5a-a692-a87037af107b" providerId="ADAL" clId="{77503F2E-F3A0-409B-A511-BB14035E722B}" dt="2025-04-30T21:31:57.304" v="0" actId="47"/>
+        <pc:sldMkLst>
+          <pc:docMk/>
+          <pc:sldMk cId="2572427240" sldId="257"/>
+        </pc:sldMkLst>
+      </pc:sldChg>
+      <pc:sldChg chg="del">
+        <pc:chgData name="Weifeng Xu" userId="e7aed605-a3dd-4d5a-a692-a87037af107b" providerId="ADAL" clId="{77503F2E-F3A0-409B-A511-BB14035E722B}" dt="2025-04-30T21:31:57.413" v="1" actId="47"/>
+        <pc:sldMkLst>
+          <pc:docMk/>
+          <pc:sldMk cId="3100494254" sldId="258"/>
+        </pc:sldMkLst>
+      </pc:sldChg>
+      <pc:sldChg chg="addSp delSp modSp add mod modClrScheme chgLayout">
+        <pc:chgData name="Weifeng Xu" userId="e7aed605-a3dd-4d5a-a692-a87037af107b" providerId="ADAL" clId="{77503F2E-F3A0-409B-A511-BB14035E722B}" dt="2025-04-30T22:36:13.270" v="244" actId="27636"/>
+        <pc:sldMkLst>
+          <pc:docMk/>
+          <pc:sldMk cId="3148078500" sldId="258"/>
+        </pc:sldMkLst>
+      </pc:sldChg>
+      <pc:sldChg chg="del">
+        <pc:chgData name="Weifeng Xu" userId="e7aed605-a3dd-4d5a-a692-a87037af107b" providerId="ADAL" clId="{77503F2E-F3A0-409B-A511-BB14035E722B}" dt="2025-04-30T21:31:57.571" v="2" actId="47"/>
+        <pc:sldMkLst>
+          <pc:docMk/>
+          <pc:sldMk cId="1655253961" sldId="259"/>
+        </pc:sldMkLst>
+      </pc:sldChg>
+      <pc:sldChg chg="addSp delSp modSp new mod modClrScheme chgLayout">
+        <pc:chgData name="Weifeng Xu" userId="e7aed605-a3dd-4d5a-a692-a87037af107b" providerId="ADAL" clId="{77503F2E-F3A0-409B-A511-BB14035E722B}" dt="2025-05-01T02:24:49.515" v="1486" actId="1076"/>
+        <pc:sldMkLst>
+          <pc:docMk/>
+          <pc:sldMk cId="2942233055" sldId="259"/>
+        </pc:sldMkLst>
+      </pc:sldChg>
+      <pc:sldChg chg="del">
+        <pc:chgData name="Weifeng Xu" userId="e7aed605-a3dd-4d5a-a692-a87037af107b" providerId="ADAL" clId="{77503F2E-F3A0-409B-A511-BB14035E722B}" dt="2025-04-30T21:31:58.684" v="5" actId="47"/>
+        <pc:sldMkLst>
+          <pc:docMk/>
+          <pc:sldMk cId="3375603492" sldId="260"/>
+        </pc:sldMkLst>
+      </pc:sldChg>
+      <pc:sldChg chg="addSp delSp modSp new mod modClrScheme chgLayout modNotesTx">
+        <pc:chgData name="Weifeng Xu" userId="e7aed605-a3dd-4d5a-a692-a87037af107b" providerId="ADAL" clId="{77503F2E-F3A0-409B-A511-BB14035E722B}" dt="2025-04-30T23:57:46.285" v="501" actId="1076"/>
+        <pc:sldMkLst>
+          <pc:docMk/>
+          <pc:sldMk cId="4238292093" sldId="260"/>
+        </pc:sldMkLst>
+      </pc:sldChg>
+      <pc:sldChg chg="addSp delSp modSp new mod ord modClrScheme chgLayout modNotesTx">
+        <pc:chgData name="Weifeng Xu" userId="e7aed605-a3dd-4d5a-a692-a87037af107b" providerId="ADAL" clId="{77503F2E-F3A0-409B-A511-BB14035E722B}" dt="2025-05-01T00:20:09.257" v="663" actId="20577"/>
+        <pc:sldMkLst>
+          <pc:docMk/>
+          <pc:sldMk cId="773548588" sldId="261"/>
+        </pc:sldMkLst>
+      </pc:sldChg>
+      <pc:sldChg chg="del">
+        <pc:chgData name="Weifeng Xu" userId="e7aed605-a3dd-4d5a-a692-a87037af107b" providerId="ADAL" clId="{77503F2E-F3A0-409B-A511-BB14035E722B}" dt="2025-04-30T21:31:57.746" v="3" actId="47"/>
+        <pc:sldMkLst>
+          <pc:docMk/>
+          <pc:sldMk cId="909895920" sldId="261"/>
+        </pc:sldMkLst>
+      </pc:sldChg>
+      <pc:sldChg chg="del">
+        <pc:chgData name="Weifeng Xu" userId="e7aed605-a3dd-4d5a-a692-a87037af107b" providerId="ADAL" clId="{77503F2E-F3A0-409B-A511-BB14035E722B}" dt="2025-04-30T21:31:57.991" v="4" actId="47"/>
+        <pc:sldMkLst>
+          <pc:docMk/>
+          <pc:sldMk cId="1010189504" sldId="262"/>
+        </pc:sldMkLst>
+      </pc:sldChg>
+      <pc:sldChg chg="addSp modSp new mod ord modClrScheme chgLayout">
+        <pc:chgData name="Weifeng Xu" userId="e7aed605-a3dd-4d5a-a692-a87037af107b" providerId="ADAL" clId="{77503F2E-F3A0-409B-A511-BB14035E722B}" dt="2025-05-01T01:31:48.820" v="1112"/>
+        <pc:sldMkLst>
+          <pc:docMk/>
+          <pc:sldMk cId="3939068785" sldId="262"/>
+        </pc:sldMkLst>
+      </pc:sldChg>
+      <pc:sldChg chg="addSp delSp modSp new mod modClrScheme chgLayout">
+        <pc:chgData name="Weifeng Xu" userId="e7aed605-a3dd-4d5a-a692-a87037af107b" providerId="ADAL" clId="{77503F2E-F3A0-409B-A511-BB14035E722B}" dt="2025-05-01T01:30:59.453" v="1110" actId="207"/>
+        <pc:sldMkLst>
+          <pc:docMk/>
+          <pc:sldMk cId="2162073066" sldId="263"/>
+        </pc:sldMkLst>
+      </pc:sldChg>
+      <pc:sldChg chg="addSp delSp modSp new mod modClrScheme chgLayout">
+        <pc:chgData name="Weifeng Xu" userId="e7aed605-a3dd-4d5a-a692-a87037af107b" providerId="ADAL" clId="{77503F2E-F3A0-409B-A511-BB14035E722B}" dt="2025-05-01T02:28:32.993" v="1527"/>
+        <pc:sldMkLst>
+          <pc:docMk/>
+          <pc:sldMk cId="1975365164" sldId="264"/>
+        </pc:sldMkLst>
+      </pc:sldChg>
+      <pc:sldChg chg="addSp delSp modSp new mod">
+        <pc:chgData name="Weifeng Xu" userId="e7aed605-a3dd-4d5a-a692-a87037af107b" providerId="ADAL" clId="{77503F2E-F3A0-409B-A511-BB14035E722B}" dt="2025-05-01T16:11:44.655" v="2082" actId="1076"/>
+        <pc:sldMkLst>
+          <pc:docMk/>
+          <pc:sldMk cId="4163382801" sldId="265"/>
+        </pc:sldMkLst>
+      </pc:sldChg>
+      <pc:sldChg chg="addSp delSp modSp new mod modClrScheme chgLayout modNotesTx">
+        <pc:chgData name="Weifeng Xu" userId="e7aed605-a3dd-4d5a-a692-a87037af107b" providerId="ADAL" clId="{77503F2E-F3A0-409B-A511-BB14035E722B}" dt="2025-05-01T15:39:51.026" v="1945" actId="403"/>
+        <pc:sldMkLst>
+          <pc:docMk/>
+          <pc:sldMk cId="711940281" sldId="266"/>
+        </pc:sldMkLst>
+      </pc:sldChg>
+      <pc:sldChg chg="addSp delSp modSp new mod">
+        <pc:chgData name="Weifeng Xu" userId="e7aed605-a3dd-4d5a-a692-a87037af107b" providerId="ADAL" clId="{77503F2E-F3A0-409B-A511-BB14035E722B}" dt="2025-05-01T15:44:07.976" v="1954" actId="14100"/>
+        <pc:sldMkLst>
+          <pc:docMk/>
+          <pc:sldMk cId="3000902119" sldId="267"/>
+        </pc:sldMkLst>
+      </pc:sldChg>
+      <pc:sldChg chg="addSp modSp new mod modClrScheme chgLayout">
+        <pc:chgData name="Weifeng Xu" userId="e7aed605-a3dd-4d5a-a692-a87037af107b" providerId="ADAL" clId="{77503F2E-F3A0-409B-A511-BB14035E722B}" dt="2025-05-01T02:13:32.434" v="1403"/>
+        <pc:sldMkLst>
+          <pc:docMk/>
+          <pc:sldMk cId="70125468" sldId="268"/>
+        </pc:sldMkLst>
+      </pc:sldChg>
+      <pc:sldChg chg="modSp new mod">
+        <pc:chgData name="Weifeng Xu" userId="e7aed605-a3dd-4d5a-a692-a87037af107b" providerId="ADAL" clId="{77503F2E-F3A0-409B-A511-BB14035E722B}" dt="2025-05-01T18:53:56.374" v="2136" actId="20577"/>
+        <pc:sldMkLst>
+          <pc:docMk/>
+          <pc:sldMk cId="1829157120" sldId="269"/>
+        </pc:sldMkLst>
+      </pc:sldChg>
+      <pc:sldChg chg="addSp delSp modSp new mod modClrScheme chgLayout">
+        <pc:chgData name="Weifeng Xu" userId="e7aed605-a3dd-4d5a-a692-a87037af107b" providerId="ADAL" clId="{77503F2E-F3A0-409B-A511-BB14035E722B}" dt="2025-05-01T16:45:54.163" v="2089" actId="1076"/>
+        <pc:sldMkLst>
+          <pc:docMk/>
+          <pc:sldMk cId="1822568230" sldId="270"/>
+        </pc:sldMkLst>
+      </pc:sldChg>
+      <pc:sldChg chg="addSp modSp new mod modClrScheme chgLayout">
+        <pc:chgData name="Weifeng Xu" userId="e7aed605-a3dd-4d5a-a692-a87037af107b" providerId="ADAL" clId="{77503F2E-F3A0-409B-A511-BB14035E722B}" dt="2025-05-01T14:02:37.278" v="1563" actId="14100"/>
+        <pc:sldMkLst>
+          <pc:docMk/>
+          <pc:sldMk cId="929903445" sldId="271"/>
+        </pc:sldMkLst>
+      </pc:sldChg>
+      <pc:sldChg chg="addSp modSp new mod modClrScheme chgLayout">
+        <pc:chgData name="Weifeng Xu" userId="e7aed605-a3dd-4d5a-a692-a87037af107b" providerId="ADAL" clId="{77503F2E-F3A0-409B-A511-BB14035E722B}" dt="2025-05-01T15:30:04.850" v="1882" actId="14100"/>
+        <pc:sldMkLst>
+          <pc:docMk/>
+          <pc:sldMk cId="409369350" sldId="272"/>
+        </pc:sldMkLst>
+      </pc:sldChg>
+      <pc:sldChg chg="addSp delSp modSp new mod modClrScheme chgLayout">
+        <pc:chgData name="Weifeng Xu" userId="e7aed605-a3dd-4d5a-a692-a87037af107b" providerId="ADAL" clId="{77503F2E-F3A0-409B-A511-BB14035E722B}" dt="2025-05-01T14:59:11.283" v="1722" actId="20577"/>
+        <pc:sldMkLst>
+          <pc:docMk/>
+          <pc:sldMk cId="3399795082" sldId="273"/>
+        </pc:sldMkLst>
+      </pc:sldChg>
+      <pc:sldChg chg="addSp delSp modSp new mod modClrScheme chgLayout modNotesTx">
+        <pc:chgData name="Weifeng Xu" userId="e7aed605-a3dd-4d5a-a692-a87037af107b" providerId="ADAL" clId="{77503F2E-F3A0-409B-A511-BB14035E722B}" dt="2025-05-01T15:30:28.941" v="1887" actId="403"/>
+        <pc:sldMkLst>
+          <pc:docMk/>
+          <pc:sldMk cId="1313382436" sldId="274"/>
+        </pc:sldMkLst>
+      </pc:sldChg>
+      <pc:sldChg chg="addSp delSp modSp new mod modClrScheme chgLayout">
+        <pc:chgData name="Weifeng Xu" userId="e7aed605-a3dd-4d5a-a692-a87037af107b" providerId="ADAL" clId="{77503F2E-F3A0-409B-A511-BB14035E722B}" dt="2025-05-01T15:07:31.776" v="1818" actId="12"/>
+        <pc:sldMkLst>
+          <pc:docMk/>
+          <pc:sldMk cId="4170236264" sldId="275"/>
+        </pc:sldMkLst>
+      </pc:sldChg>
+      <pc:sldChg chg="addSp delSp modSp new mod ord modClrScheme chgLayout">
+        <pc:chgData name="Weifeng Xu" userId="e7aed605-a3dd-4d5a-a692-a87037af107b" providerId="ADAL" clId="{77503F2E-F3A0-409B-A511-BB14035E722B}" dt="2025-05-01T16:46:25.876" v="2093" actId="207"/>
+        <pc:sldMkLst>
+          <pc:docMk/>
+          <pc:sldMk cId="363184616" sldId="276"/>
+        </pc:sldMkLst>
+      </pc:sldChg>
+      <pc:sldChg chg="addSp modSp new del mod">
+        <pc:chgData name="Weifeng Xu" userId="e7aed605-a3dd-4d5a-a692-a87037af107b" providerId="ADAL" clId="{77503F2E-F3A0-409B-A511-BB14035E722B}" dt="2025-05-01T16:11:58.243" v="2083" actId="47"/>
+        <pc:sldMkLst>
+          <pc:docMk/>
+          <pc:sldMk cId="1433488969" sldId="276"/>
+        </pc:sldMkLst>
+      </pc:sldChg>
+      <pc:sldChg chg="addSp delSp modSp new del mod modClrScheme chgLayout">
+        <pc:chgData name="Weifeng Xu" userId="e7aed605-a3dd-4d5a-a692-a87037af107b" providerId="ADAL" clId="{77503F2E-F3A0-409B-A511-BB14035E722B}" dt="2025-05-01T15:56:30.529" v="2015" actId="680"/>
+        <pc:sldMkLst>
+          <pc:docMk/>
+          <pc:sldMk cId="1774214095" sldId="276"/>
+        </pc:sldMkLst>
+      </pc:sldChg>
+      <pc:sldChg chg="addSp modSp new del mod modClrScheme chgLayout">
+        <pc:chgData name="Weifeng Xu" userId="e7aed605-a3dd-4d5a-a692-a87037af107b" providerId="ADAL" clId="{77503F2E-F3A0-409B-A511-BB14035E722B}" dt="2025-05-01T15:40:18.963" v="1946" actId="47"/>
+        <pc:sldMkLst>
+          <pc:docMk/>
+          <pc:sldMk cId="3294603324" sldId="276"/>
+        </pc:sldMkLst>
+      </pc:sldChg>
+      <pc:sldChg chg="addSp modSp new mod modAnim">
+        <pc:chgData name="Weifeng Xu" userId="e7aed605-a3dd-4d5a-a692-a87037af107b" providerId="ADAL" clId="{77503F2E-F3A0-409B-A511-BB14035E722B}" dt="2025-05-01T18:53:39.456" v="2135" actId="1076"/>
+        <pc:sldMkLst>
+          <pc:docMk/>
+          <pc:sldMk cId="1572050356" sldId="277"/>
+        </pc:sldMkLst>
+      </pc:sldChg>
+      <pc:sldChg chg="add del">
+        <pc:chgData name="Weifeng Xu" userId="e7aed605-a3dd-4d5a-a692-a87037af107b" providerId="ADAL" clId="{77503F2E-F3A0-409B-A511-BB14035E722B}" dt="2025-05-01T18:49:24.473" v="2098"/>
+        <pc:sldMkLst>
+          <pc:docMk/>
+          <pc:sldMk cId="3665025083" sldId="277"/>
+        </pc:sldMkLst>
+      </pc:sldChg>
+      <pc:sldChg chg="add del">
+        <pc:chgData name="Weifeng Xu" userId="e7aed605-a3dd-4d5a-a692-a87037af107b" providerId="ADAL" clId="{77503F2E-F3A0-409B-A511-BB14035E722B}" dt="2025-05-01T18:49:10.145" v="2095"/>
+        <pc:sldMkLst>
+          <pc:docMk/>
+          <pc:sldMk cId="4149124542" sldId="277"/>
+        </pc:sldMkLst>
+      </pc:sldChg>
+    </pc:docChg>
+  </pc:docChgLst>
+  <pc:docChgLst>
+    <pc:chgData name="Weifeng Xu" userId="e7aed605-a3dd-4d5a-a692-a87037af107b" providerId="ADAL" clId="{B29BA757-A9E5-4E35-900E-70A7C044DEA3}"/>
+    <pc:docChg chg="undo custSel addSld delSld modSld sldOrd">
+      <pc:chgData name="Weifeng Xu" userId="e7aed605-a3dd-4d5a-a692-a87037af107b" providerId="ADAL" clId="{B29BA757-A9E5-4E35-900E-70A7C044DEA3}" dt="2025-05-08T20:26:31.713" v="2302"/>
+      <pc:docMkLst>
+        <pc:docMk/>
+      </pc:docMkLst>
+      <pc:sldChg chg="addSp modSp mod">
+        <pc:chgData name="Weifeng Xu" userId="e7aed605-a3dd-4d5a-a692-a87037af107b" providerId="ADAL" clId="{B29BA757-A9E5-4E35-900E-70A7C044DEA3}" dt="2025-05-07T14:31:41.747" v="329" actId="1076"/>
+        <pc:sldMkLst>
+          <pc:docMk/>
+          <pc:sldMk cId="1325061211" sldId="256"/>
+        </pc:sldMkLst>
+      </pc:sldChg>
+      <pc:sldChg chg="modSp mod">
+        <pc:chgData name="Weifeng Xu" userId="e7aed605-a3dd-4d5a-a692-a87037af107b" providerId="ADAL" clId="{B29BA757-A9E5-4E35-900E-70A7C044DEA3}" dt="2025-05-07T19:12:32.998" v="1316" actId="27636"/>
+        <pc:sldMkLst>
+          <pc:docMk/>
+          <pc:sldMk cId="3637650244" sldId="257"/>
+        </pc:sldMkLst>
+      </pc:sldChg>
+      <pc:sldChg chg="del">
+        <pc:chgData name="Weifeng Xu" userId="e7aed605-a3dd-4d5a-a692-a87037af107b" providerId="ADAL" clId="{B29BA757-A9E5-4E35-900E-70A7C044DEA3}" dt="2025-05-07T01:05:38.460" v="1" actId="47"/>
+        <pc:sldMkLst>
+          <pc:docMk/>
+          <pc:sldMk cId="2182874950" sldId="258"/>
+        </pc:sldMkLst>
+      </pc:sldChg>
+      <pc:sldChg chg="modSp new mod">
+        <pc:chgData name="Weifeng Xu" userId="e7aed605-a3dd-4d5a-a692-a87037af107b" providerId="ADAL" clId="{B29BA757-A9E5-4E35-900E-70A7C044DEA3}" dt="2025-05-07T01:09:41.997" v="59" actId="15"/>
+        <pc:sldMkLst>
+          <pc:docMk/>
+          <pc:sldMk cId="2656776715" sldId="258"/>
+        </pc:sldMkLst>
+      </pc:sldChg>
+      <pc:sldChg chg="addSp modSp new mod modClrScheme chgLayout">
+        <pc:chgData name="Weifeng Xu" userId="e7aed605-a3dd-4d5a-a692-a87037af107b" providerId="ADAL" clId="{B29BA757-A9E5-4E35-900E-70A7C044DEA3}" dt="2025-05-08T16:47:57.135" v="2086" actId="27636"/>
+        <pc:sldMkLst>
+          <pc:docMk/>
+          <pc:sldMk cId="727829765" sldId="259"/>
+        </pc:sldMkLst>
+      </pc:sldChg>
+      <pc:sldChg chg="del">
+        <pc:chgData name="Weifeng Xu" userId="e7aed605-a3dd-4d5a-a692-a87037af107b" providerId="ADAL" clId="{B29BA757-A9E5-4E35-900E-70A7C044DEA3}" dt="2025-05-07T01:05:38.614" v="2" actId="47"/>
+        <pc:sldMkLst>
+          <pc:docMk/>
+          <pc:sldMk cId="3948614833" sldId="259"/>
+        </pc:sldMkLst>
+      </pc:sldChg>
+      <pc:sldChg chg="addSp delSp modSp new mod modClrScheme chgLayout">
+        <pc:chgData name="Weifeng Xu" userId="e7aed605-a3dd-4d5a-a692-a87037af107b" providerId="ADAL" clId="{B29BA757-A9E5-4E35-900E-70A7C044DEA3}" dt="2025-05-07T15:58:32.517" v="715" actId="20577"/>
+        <pc:sldMkLst>
+          <pc:docMk/>
+          <pc:sldMk cId="1840264368" sldId="260"/>
+        </pc:sldMkLst>
+      </pc:sldChg>
+      <pc:sldChg chg="del">
+        <pc:chgData name="Weifeng Xu" userId="e7aed605-a3dd-4d5a-a692-a87037af107b" providerId="ADAL" clId="{B29BA757-A9E5-4E35-900E-70A7C044DEA3}" dt="2025-05-07T01:05:38.749" v="3" actId="47"/>
+        <pc:sldMkLst>
+          <pc:docMk/>
+          <pc:sldMk cId="2232272763" sldId="260"/>
+        </pc:sldMkLst>
+      </pc:sldChg>
+      <pc:sldChg chg="del">
+        <pc:chgData name="Weifeng Xu" userId="e7aed605-a3dd-4d5a-a692-a87037af107b" providerId="ADAL" clId="{B29BA757-A9E5-4E35-900E-70A7C044DEA3}" dt="2025-05-07T01:05:38.900" v="4" actId="47"/>
+        <pc:sldMkLst>
+          <pc:docMk/>
+          <pc:sldMk cId="2892488957" sldId="261"/>
+        </pc:sldMkLst>
+      </pc:sldChg>
+      <pc:sldChg chg="addSp delSp modSp new mod modClrScheme chgLayout">
+        <pc:chgData name="Weifeng Xu" userId="e7aed605-a3dd-4d5a-a692-a87037af107b" providerId="ADAL" clId="{B29BA757-A9E5-4E35-900E-70A7C044DEA3}" dt="2025-05-07T16:07:46.408" v="827" actId="113"/>
+        <pc:sldMkLst>
+          <pc:docMk/>
+          <pc:sldMk cId="4111090122" sldId="261"/>
+        </pc:sldMkLst>
+      </pc:sldChg>
+      <pc:sldChg chg="del">
+        <pc:chgData name="Weifeng Xu" userId="e7aed605-a3dd-4d5a-a692-a87037af107b" providerId="ADAL" clId="{B29BA757-A9E5-4E35-900E-70A7C044DEA3}" dt="2025-05-07T01:05:39.385" v="6" actId="47"/>
+        <pc:sldMkLst>
+          <pc:docMk/>
+          <pc:sldMk cId="151526665" sldId="262"/>
+        </pc:sldMkLst>
+      </pc:sldChg>
+      <pc:sldChg chg="addSp delSp modSp new mod">
+        <pc:chgData name="Weifeng Xu" userId="e7aed605-a3dd-4d5a-a692-a87037af107b" providerId="ADAL" clId="{B29BA757-A9E5-4E35-900E-70A7C044DEA3}" dt="2025-05-07T02:15:40.306" v="320" actId="20577"/>
+        <pc:sldMkLst>
+          <pc:docMk/>
+          <pc:sldMk cId="2317883494" sldId="262"/>
+        </pc:sldMkLst>
+      </pc:sldChg>
+      <pc:sldChg chg="addSp modSp new mod modClrScheme chgLayout">
+        <pc:chgData name="Weifeng Xu" userId="e7aed605-a3dd-4d5a-a692-a87037af107b" providerId="ADAL" clId="{B29BA757-A9E5-4E35-900E-70A7C044DEA3}" dt="2025-05-07T01:53:07.182" v="259" actId="1076"/>
+        <pc:sldMkLst>
+          <pc:docMk/>
+          <pc:sldMk cId="811983070" sldId="263"/>
+        </pc:sldMkLst>
+      </pc:sldChg>
+      <pc:sldChg chg="del">
+        <pc:chgData name="Weifeng Xu" userId="e7aed605-a3dd-4d5a-a692-a87037af107b" providerId="ADAL" clId="{B29BA757-A9E5-4E35-900E-70A7C044DEA3}" dt="2025-05-07T01:05:39.039" v="5" actId="47"/>
+        <pc:sldMkLst>
+          <pc:docMk/>
+          <pc:sldMk cId="1683674305" sldId="263"/>
+        </pc:sldMkLst>
+      </pc:sldChg>
+      <pc:sldChg chg="del">
+        <pc:chgData name="Weifeng Xu" userId="e7aed605-a3dd-4d5a-a692-a87037af107b" providerId="ADAL" clId="{B29BA757-A9E5-4E35-900E-70A7C044DEA3}" dt="2025-05-07T01:05:39.710" v="7" actId="47"/>
+        <pc:sldMkLst>
+          <pc:docMk/>
+          <pc:sldMk cId="14529535" sldId="264"/>
+        </pc:sldMkLst>
+      </pc:sldChg>
+      <pc:sldChg chg="addSp modSp new mod modClrScheme chgLayout">
+        <pc:chgData name="Weifeng Xu" userId="e7aed605-a3dd-4d5a-a692-a87037af107b" providerId="ADAL" clId="{B29BA757-A9E5-4E35-900E-70A7C044DEA3}" dt="2025-05-07T01:53:03.713" v="258" actId="14100"/>
+        <pc:sldMkLst>
+          <pc:docMk/>
+          <pc:sldMk cId="1963809480" sldId="264"/>
+        </pc:sldMkLst>
+      </pc:sldChg>
+      <pc:sldChg chg="addSp delSp modSp new mod modClrScheme chgLayout">
+        <pc:chgData name="Weifeng Xu" userId="e7aed605-a3dd-4d5a-a692-a87037af107b" providerId="ADAL" clId="{B29BA757-A9E5-4E35-900E-70A7C044DEA3}" dt="2025-05-07T02:00:05.906" v="291" actId="27636"/>
+        <pc:sldMkLst>
+          <pc:docMk/>
+          <pc:sldMk cId="1407222423" sldId="265"/>
+        </pc:sldMkLst>
+      </pc:sldChg>
+      <pc:sldChg chg="del">
+        <pc:chgData name="Weifeng Xu" userId="e7aed605-a3dd-4d5a-a692-a87037af107b" providerId="ADAL" clId="{B29BA757-A9E5-4E35-900E-70A7C044DEA3}" dt="2025-05-07T01:05:38.315" v="0" actId="47"/>
+        <pc:sldMkLst>
+          <pc:docMk/>
+          <pc:sldMk cId="2513134488" sldId="265"/>
+        </pc:sldMkLst>
+      </pc:sldChg>
+      <pc:sldChg chg="addSp delSp modSp new mod ord modClrScheme chgLayout">
+        <pc:chgData name="Weifeng Xu" userId="e7aed605-a3dd-4d5a-a692-a87037af107b" providerId="ADAL" clId="{B29BA757-A9E5-4E35-900E-70A7C044DEA3}" dt="2025-05-07T16:11:53.180" v="845"/>
+        <pc:sldMkLst>
+          <pc:docMk/>
+          <pc:sldMk cId="765826211" sldId="266"/>
+        </pc:sldMkLst>
+      </pc:sldChg>
+      <pc:sldChg chg="del">
+        <pc:chgData name="Weifeng Xu" userId="e7aed605-a3dd-4d5a-a692-a87037af107b" providerId="ADAL" clId="{B29BA757-A9E5-4E35-900E-70A7C044DEA3}" dt="2025-05-07T01:05:40.134" v="10" actId="47"/>
+        <pc:sldMkLst>
+          <pc:docMk/>
+          <pc:sldMk cId="2697101003" sldId="266"/>
+        </pc:sldMkLst>
+      </pc:sldChg>
+      <pc:sldChg chg="new del">
+        <pc:chgData name="Weifeng Xu" userId="e7aed605-a3dd-4d5a-a692-a87037af107b" providerId="ADAL" clId="{B29BA757-A9E5-4E35-900E-70A7C044DEA3}" dt="2025-05-07T02:16:40.905" v="322" actId="680"/>
+        <pc:sldMkLst>
+          <pc:docMk/>
+          <pc:sldMk cId="3259922637" sldId="266"/>
+        </pc:sldMkLst>
+      </pc:sldChg>
+      <pc:sldChg chg="del">
+        <pc:chgData name="Weifeng Xu" userId="e7aed605-a3dd-4d5a-a692-a87037af107b" providerId="ADAL" clId="{B29BA757-A9E5-4E35-900E-70A7C044DEA3}" dt="2025-05-07T01:05:39.993" v="9" actId="47"/>
+        <pc:sldMkLst>
+          <pc:docMk/>
+          <pc:sldMk cId="2718594992" sldId="267"/>
+        </pc:sldMkLst>
+      </pc:sldChg>
+      <pc:sldChg chg="addSp delSp modSp new mod modClrScheme chgLayout modNotesTx">
+        <pc:chgData name="Weifeng Xu" userId="e7aed605-a3dd-4d5a-a692-a87037af107b" providerId="ADAL" clId="{B29BA757-A9E5-4E35-900E-70A7C044DEA3}" dt="2025-05-07T14:46:51.402" v="411" actId="478"/>
+        <pc:sldMkLst>
+          <pc:docMk/>
+          <pc:sldMk cId="3504296645" sldId="267"/>
+        </pc:sldMkLst>
+      </pc:sldChg>
+      <pc:sldChg chg="addSp modSp new mod">
+        <pc:chgData name="Weifeng Xu" userId="e7aed605-a3dd-4d5a-a692-a87037af107b" providerId="ADAL" clId="{B29BA757-A9E5-4E35-900E-70A7C044DEA3}" dt="2025-05-07T19:16:35.860" v="1318" actId="1076"/>
+        <pc:sldMkLst>
+          <pc:docMk/>
+          <pc:sldMk cId="679910618" sldId="268"/>
+        </pc:sldMkLst>
+      </pc:sldChg>
+      <pc:sldChg chg="del">
+        <pc:chgData name="Weifeng Xu" userId="e7aed605-a3dd-4d5a-a692-a87037af107b" providerId="ADAL" clId="{B29BA757-A9E5-4E35-900E-70A7C044DEA3}" dt="2025-05-07T01:05:40.272" v="11" actId="47"/>
+        <pc:sldMkLst>
+          <pc:docMk/>
+          <pc:sldMk cId="2848934703" sldId="268"/>
+        </pc:sldMkLst>
+      </pc:sldChg>
+      <pc:sldChg chg="addSp delSp modSp new mod modClrScheme chgLayout">
+        <pc:chgData name="Weifeng Xu" userId="e7aed605-a3dd-4d5a-a692-a87037af107b" providerId="ADAL" clId="{B29BA757-A9E5-4E35-900E-70A7C044DEA3}" dt="2025-05-07T15:40:11.868" v="444" actId="1076"/>
+        <pc:sldMkLst>
+          <pc:docMk/>
+          <pc:sldMk cId="2594904362" sldId="269"/>
+        </pc:sldMkLst>
+      </pc:sldChg>
+      <pc:sldChg chg="del">
+        <pc:chgData name="Weifeng Xu" userId="e7aed605-a3dd-4d5a-a692-a87037af107b" providerId="ADAL" clId="{B29BA757-A9E5-4E35-900E-70A7C044DEA3}" dt="2025-05-07T01:05:41.327" v="15" actId="47"/>
+        <pc:sldMkLst>
+          <pc:docMk/>
+          <pc:sldMk cId="2627592652" sldId="269"/>
+        </pc:sldMkLst>
+      </pc:sldChg>
+      <pc:sldChg chg="addSp modSp new mod">
+        <pc:chgData name="Weifeng Xu" userId="e7aed605-a3dd-4d5a-a692-a87037af107b" providerId="ADAL" clId="{B29BA757-A9E5-4E35-900E-70A7C044DEA3}" dt="2025-05-08T13:13:14.917" v="2061" actId="1076"/>
+        <pc:sldMkLst>
+          <pc:docMk/>
+          <pc:sldMk cId="3508688350" sldId="270"/>
+        </pc:sldMkLst>
+      </pc:sldChg>
+      <pc:sldChg chg="del">
+        <pc:chgData name="Weifeng Xu" userId="e7aed605-a3dd-4d5a-a692-a87037af107b" providerId="ADAL" clId="{B29BA757-A9E5-4E35-900E-70A7C044DEA3}" dt="2025-05-07T01:05:39.869" v="8" actId="47"/>
+        <pc:sldMkLst>
+          <pc:docMk/>
+          <pc:sldMk cId="2150245760" sldId="271"/>
+        </pc:sldMkLst>
+      </pc:sldChg>
+      <pc:sldChg chg="addSp modSp new mod ord">
+        <pc:chgData name="Weifeng Xu" userId="e7aed605-a3dd-4d5a-a692-a87037af107b" providerId="ADAL" clId="{B29BA757-A9E5-4E35-900E-70A7C044DEA3}" dt="2025-05-07T16:10:31.408" v="829"/>
+        <pc:sldMkLst>
+          <pc:docMk/>
+          <pc:sldMk cId="2923167307" sldId="271"/>
+        </pc:sldMkLst>
+      </pc:sldChg>
+      <pc:sldChg chg="addSp delSp modSp new mod modClrScheme chgLayout">
+        <pc:chgData name="Weifeng Xu" userId="e7aed605-a3dd-4d5a-a692-a87037af107b" providerId="ADAL" clId="{B29BA757-A9E5-4E35-900E-70A7C044DEA3}" dt="2025-05-08T16:30:39.819" v="2079" actId="207"/>
+        <pc:sldMkLst>
+          <pc:docMk/>
+          <pc:sldMk cId="868934236" sldId="272"/>
+        </pc:sldMkLst>
+      </pc:sldChg>
+      <pc:sldChg chg="del">
+        <pc:chgData name="Weifeng Xu" userId="e7aed605-a3dd-4d5a-a692-a87037af107b" providerId="ADAL" clId="{B29BA757-A9E5-4E35-900E-70A7C044DEA3}" dt="2025-05-07T01:05:41.838" v="16" actId="47"/>
+        <pc:sldMkLst>
+          <pc:docMk/>
+          <pc:sldMk cId="2888544228" sldId="272"/>
+        </pc:sldMkLst>
+      </pc:sldChg>
+      <pc:sldChg chg="addSp delSp modSp new mod modClrScheme chgLayout">
+        <pc:chgData name="Weifeng Xu" userId="e7aed605-a3dd-4d5a-a692-a87037af107b" providerId="ADAL" clId="{B29BA757-A9E5-4E35-900E-70A7C044DEA3}" dt="2025-05-07T15:54:54.600" v="665" actId="20577"/>
+        <pc:sldMkLst>
+          <pc:docMk/>
+          <pc:sldMk cId="862046090" sldId="273"/>
+        </pc:sldMkLst>
+      </pc:sldChg>
+      <pc:sldChg chg="del">
+        <pc:chgData name="Weifeng Xu" userId="e7aed605-a3dd-4d5a-a692-a87037af107b" providerId="ADAL" clId="{B29BA757-A9E5-4E35-900E-70A7C044DEA3}" dt="2025-05-07T01:05:40.913" v="12" actId="47"/>
+        <pc:sldMkLst>
+          <pc:docMk/>
+          <pc:sldMk cId="2994016025" sldId="273"/>
+        </pc:sldMkLst>
+      </pc:sldChg>
+      <pc:sldChg chg="addSp delSp modSp new mod ord modClrScheme chgLayout">
+        <pc:chgData name="Weifeng Xu" userId="e7aed605-a3dd-4d5a-a692-a87037af107b" providerId="ADAL" clId="{B29BA757-A9E5-4E35-900E-70A7C044DEA3}" dt="2025-05-07T16:06:14.904" v="769" actId="20577"/>
+        <pc:sldMkLst>
+          <pc:docMk/>
+          <pc:sldMk cId="602319858" sldId="274"/>
+        </pc:sldMkLst>
+      </pc:sldChg>
+      <pc:sldChg chg="del">
+        <pc:chgData name="Weifeng Xu" userId="e7aed605-a3dd-4d5a-a692-a87037af107b" providerId="ADAL" clId="{B29BA757-A9E5-4E35-900E-70A7C044DEA3}" dt="2025-05-07T01:05:41.168" v="14" actId="47"/>
+        <pc:sldMkLst>
+          <pc:docMk/>
+          <pc:sldMk cId="1783593539" sldId="274"/>
+        </pc:sldMkLst>
+      </pc:sldChg>
+      <pc:sldChg chg="del">
+        <pc:chgData name="Weifeng Xu" userId="e7aed605-a3dd-4d5a-a692-a87037af107b" providerId="ADAL" clId="{B29BA757-A9E5-4E35-900E-70A7C044DEA3}" dt="2025-05-07T01:05:41.058" v="13" actId="47"/>
+        <pc:sldMkLst>
+          <pc:docMk/>
+          <pc:sldMk cId="1245700757" sldId="275"/>
+        </pc:sldMkLst>
+      </pc:sldChg>
+      <pc:sldChg chg="addSp delSp modSp new mod modClrScheme chgLayout">
+        <pc:chgData name="Weifeng Xu" userId="e7aed605-a3dd-4d5a-a692-a87037af107b" providerId="ADAL" clId="{B29BA757-A9E5-4E35-900E-70A7C044DEA3}" dt="2025-05-07T16:10:51.558" v="834" actId="20577"/>
+        <pc:sldMkLst>
+          <pc:docMk/>
+          <pc:sldMk cId="1760818567" sldId="275"/>
+        </pc:sldMkLst>
+      </pc:sldChg>
+      <pc:sldChg chg="del">
+        <pc:chgData name="Weifeng Xu" userId="e7aed605-a3dd-4d5a-a692-a87037af107b" providerId="ADAL" clId="{B29BA757-A9E5-4E35-900E-70A7C044DEA3}" dt="2025-05-07T01:05:41.987" v="17" actId="47"/>
+        <pc:sldMkLst>
+          <pc:docMk/>
+          <pc:sldMk cId="495228592" sldId="276"/>
+        </pc:sldMkLst>
+      </pc:sldChg>
+      <pc:sldChg chg="addSp delSp modSp new mod modClrScheme chgLayout">
+        <pc:chgData name="Weifeng Xu" userId="e7aed605-a3dd-4d5a-a692-a87037af107b" providerId="ADAL" clId="{B29BA757-A9E5-4E35-900E-70A7C044DEA3}" dt="2025-05-07T16:11:45.415" v="843" actId="20577"/>
+        <pc:sldMkLst>
+          <pc:docMk/>
+          <pc:sldMk cId="2550957305" sldId="276"/>
+        </pc:sldMkLst>
+      </pc:sldChg>
+      <pc:sldChg chg="addSp delSp modSp new mod modClrScheme chgLayout">
+        <pc:chgData name="Weifeng Xu" userId="e7aed605-a3dd-4d5a-a692-a87037af107b" providerId="ADAL" clId="{B29BA757-A9E5-4E35-900E-70A7C044DEA3}" dt="2025-05-07T16:14:54.334" v="868" actId="20577"/>
+        <pc:sldMkLst>
+          <pc:docMk/>
+          <pc:sldMk cId="3185848680" sldId="277"/>
+        </pc:sldMkLst>
+      </pc:sldChg>
+      <pc:sldChg chg="del">
+        <pc:chgData name="Weifeng Xu" userId="e7aed605-a3dd-4d5a-a692-a87037af107b" providerId="ADAL" clId="{B29BA757-A9E5-4E35-900E-70A7C044DEA3}" dt="2025-05-07T01:05:42.120" v="18" actId="47"/>
+        <pc:sldMkLst>
+          <pc:docMk/>
+          <pc:sldMk cId="3629368376" sldId="277"/>
+        </pc:sldMkLst>
+      </pc:sldChg>
+      <pc:sldChg chg="addSp delSp modSp new mod modClrScheme chgLayout">
+        <pc:chgData name="Weifeng Xu" userId="e7aed605-a3dd-4d5a-a692-a87037af107b" providerId="ADAL" clId="{B29BA757-A9E5-4E35-900E-70A7C044DEA3}" dt="2025-05-07T16:14:46.033" v="864" actId="21"/>
+        <pc:sldMkLst>
+          <pc:docMk/>
+          <pc:sldMk cId="405124300" sldId="278"/>
+        </pc:sldMkLst>
+      </pc:sldChg>
+      <pc:sldChg chg="del">
+        <pc:chgData name="Weifeng Xu" userId="e7aed605-a3dd-4d5a-a692-a87037af107b" providerId="ADAL" clId="{B29BA757-A9E5-4E35-900E-70A7C044DEA3}" dt="2025-05-07T01:05:42.732" v="19" actId="47"/>
+        <pc:sldMkLst>
+          <pc:docMk/>
+          <pc:sldMk cId="1472723351" sldId="278"/>
+        </pc:sldMkLst>
+      </pc:sldChg>
+      <pc:sldChg chg="addSp modSp new mod">
+        <pc:chgData name="Weifeng Xu" userId="e7aed605-a3dd-4d5a-a692-a87037af107b" providerId="ADAL" clId="{B29BA757-A9E5-4E35-900E-70A7C044DEA3}" dt="2025-05-07T16:22:03.960" v="883" actId="6549"/>
+        <pc:sldMkLst>
+          <pc:docMk/>
+          <pc:sldMk cId="2022899757" sldId="279"/>
+        </pc:sldMkLst>
+      </pc:sldChg>
+      <pc:sldChg chg="del">
+        <pc:chgData name="Weifeng Xu" userId="e7aed605-a3dd-4d5a-a692-a87037af107b" providerId="ADAL" clId="{B29BA757-A9E5-4E35-900E-70A7C044DEA3}" dt="2025-05-07T01:05:42.915" v="20" actId="47"/>
+        <pc:sldMkLst>
+          <pc:docMk/>
+          <pc:sldMk cId="545826806" sldId="280"/>
+        </pc:sldMkLst>
+      </pc:sldChg>
+      <pc:sldChg chg="addSp modSp new mod">
+        <pc:chgData name="Weifeng Xu" userId="e7aed605-a3dd-4d5a-a692-a87037af107b" providerId="ADAL" clId="{B29BA757-A9E5-4E35-900E-70A7C044DEA3}" dt="2025-05-07T16:49:42.797" v="901" actId="1076"/>
+        <pc:sldMkLst>
+          <pc:docMk/>
+          <pc:sldMk cId="2021787752" sldId="280"/>
+        </pc:sldMkLst>
+      </pc:sldChg>
+      <pc:sldChg chg="del">
+        <pc:chgData name="Weifeng Xu" userId="e7aed605-a3dd-4d5a-a692-a87037af107b" providerId="ADAL" clId="{B29BA757-A9E5-4E35-900E-70A7C044DEA3}" dt="2025-05-07T01:05:43.017" v="21" actId="47"/>
+        <pc:sldMkLst>
+          <pc:docMk/>
+          <pc:sldMk cId="1846476847" sldId="281"/>
+        </pc:sldMkLst>
+      </pc:sldChg>
+      <pc:sldChg chg="addSp modSp new mod modClrScheme chgLayout">
+        <pc:chgData name="Weifeng Xu" userId="e7aed605-a3dd-4d5a-a692-a87037af107b" providerId="ADAL" clId="{B29BA757-A9E5-4E35-900E-70A7C044DEA3}" dt="2025-05-07T18:40:01.580" v="1051" actId="14100"/>
+        <pc:sldMkLst>
+          <pc:docMk/>
+          <pc:sldMk cId="3900806462" sldId="281"/>
+        </pc:sldMkLst>
+      </pc:sldChg>
+      <pc:sldChg chg="del">
+        <pc:chgData name="Weifeng Xu" userId="e7aed605-a3dd-4d5a-a692-a87037af107b" providerId="ADAL" clId="{B29BA757-A9E5-4E35-900E-70A7C044DEA3}" dt="2025-05-07T01:05:43.560" v="22" actId="47"/>
+        <pc:sldMkLst>
+          <pc:docMk/>
+          <pc:sldMk cId="1740457000" sldId="282"/>
+        </pc:sldMkLst>
+      </pc:sldChg>
+      <pc:sldChg chg="addSp delSp modSp new mod modClrScheme chgLayout">
+        <pc:chgData name="Weifeng Xu" userId="e7aed605-a3dd-4d5a-a692-a87037af107b" providerId="ADAL" clId="{B29BA757-A9E5-4E35-900E-70A7C044DEA3}" dt="2025-05-07T19:07:15.321" v="1278" actId="20577"/>
+        <pc:sldMkLst>
+          <pc:docMk/>
+          <pc:sldMk cId="2831829862" sldId="282"/>
+        </pc:sldMkLst>
+      </pc:sldChg>
+      <pc:sldChg chg="del">
+        <pc:chgData name="Weifeng Xu" userId="e7aed605-a3dd-4d5a-a692-a87037af107b" providerId="ADAL" clId="{B29BA757-A9E5-4E35-900E-70A7C044DEA3}" dt="2025-05-07T01:05:43.719" v="23" actId="47"/>
+        <pc:sldMkLst>
+          <pc:docMk/>
+          <pc:sldMk cId="1312178182" sldId="283"/>
+        </pc:sldMkLst>
+      </pc:sldChg>
+      <pc:sldChg chg="addSp delSp modSp new mod">
+        <pc:chgData name="Weifeng Xu" userId="e7aed605-a3dd-4d5a-a692-a87037af107b" providerId="ADAL" clId="{B29BA757-A9E5-4E35-900E-70A7C044DEA3}" dt="2025-05-07T19:10:31.791" v="1310" actId="1076"/>
+        <pc:sldMkLst>
+          <pc:docMk/>
+          <pc:sldMk cId="3760669567" sldId="283"/>
+        </pc:sldMkLst>
+      </pc:sldChg>
+      <pc:sldChg chg="del">
+        <pc:chgData name="Weifeng Xu" userId="e7aed605-a3dd-4d5a-a692-a87037af107b" providerId="ADAL" clId="{B29BA757-A9E5-4E35-900E-70A7C044DEA3}" dt="2025-05-07T01:05:43.858" v="24" actId="47"/>
+        <pc:sldMkLst>
+          <pc:docMk/>
+          <pc:sldMk cId="383624214" sldId="284"/>
+        </pc:sldMkLst>
+      </pc:sldChg>
+      <pc:sldChg chg="addSp delSp modSp new mod modClrScheme chgLayout">
+        <pc:chgData name="Weifeng Xu" userId="e7aed605-a3dd-4d5a-a692-a87037af107b" providerId="ADAL" clId="{B29BA757-A9E5-4E35-900E-70A7C044DEA3}" dt="2025-05-07T21:25:08.149" v="1502" actId="20577"/>
+        <pc:sldMkLst>
+          <pc:docMk/>
+          <pc:sldMk cId="2141137123" sldId="284"/>
+        </pc:sldMkLst>
+      </pc:sldChg>
+      <pc:sldChg chg="addSp delSp modSp new del mod modClrScheme chgLayout modNotesTx">
+        <pc:chgData name="Weifeng Xu" userId="e7aed605-a3dd-4d5a-a692-a87037af107b" providerId="ADAL" clId="{B29BA757-A9E5-4E35-900E-70A7C044DEA3}" dt="2025-05-07T21:20:02.566" v="1484" actId="47"/>
+        <pc:sldMkLst>
+          <pc:docMk/>
+          <pc:sldMk cId="2382133442" sldId="285"/>
+        </pc:sldMkLst>
+      </pc:sldChg>
+      <pc:sldChg chg="del">
+        <pc:chgData name="Weifeng Xu" userId="e7aed605-a3dd-4d5a-a692-a87037af107b" providerId="ADAL" clId="{B29BA757-A9E5-4E35-900E-70A7C044DEA3}" dt="2025-05-07T01:05:43.978" v="25" actId="47"/>
+        <pc:sldMkLst>
+          <pc:docMk/>
+          <pc:sldMk cId="3552171113" sldId="285"/>
+        </pc:sldMkLst>
+      </pc:sldChg>
+      <pc:sldChg chg="addSp delSp modSp new del mod">
+        <pc:chgData name="Weifeng Xu" userId="e7aed605-a3dd-4d5a-a692-a87037af107b" providerId="ADAL" clId="{B29BA757-A9E5-4E35-900E-70A7C044DEA3}" dt="2025-05-07T21:11:08.982" v="1441" actId="47"/>
+        <pc:sldMkLst>
+          <pc:docMk/>
+          <pc:sldMk cId="1698969649" sldId="286"/>
+        </pc:sldMkLst>
+      </pc:sldChg>
+      <pc:sldChg chg="addSp modSp new mod modClrScheme chgLayout modNotesTx">
+        <pc:chgData name="Weifeng Xu" userId="e7aed605-a3dd-4d5a-a692-a87037af107b" providerId="ADAL" clId="{B29BA757-A9E5-4E35-900E-70A7C044DEA3}" dt="2025-05-07T21:24:47.497" v="1500" actId="14100"/>
+        <pc:sldMkLst>
+          <pc:docMk/>
+          <pc:sldMk cId="4021924536" sldId="286"/>
+        </pc:sldMkLst>
+      </pc:sldChg>
+      <pc:sldChg chg="addSp delSp modSp new mod modClrScheme chgLayout">
+        <pc:chgData name="Weifeng Xu" userId="e7aed605-a3dd-4d5a-a692-a87037af107b" providerId="ADAL" clId="{B29BA757-A9E5-4E35-900E-70A7C044DEA3}" dt="2025-05-08T16:45:28.350" v="2080" actId="6549"/>
+        <pc:sldMkLst>
+          <pc:docMk/>
+          <pc:sldMk cId="214610006" sldId="287"/>
+        </pc:sldMkLst>
+      </pc:sldChg>
+      <pc:sldChg chg="addSp delSp modSp new mod modClrScheme chgLayout">
+        <pc:chgData name="Weifeng Xu" userId="e7aed605-a3dd-4d5a-a692-a87037af107b" providerId="ADAL" clId="{B29BA757-A9E5-4E35-900E-70A7C044DEA3}" dt="2025-05-08T19:16:33.374" v="2189" actId="27636"/>
+        <pc:sldMkLst>
+          <pc:docMk/>
+          <pc:sldMk cId="1407769080" sldId="288"/>
+        </pc:sldMkLst>
+      </pc:sldChg>
+      <pc:sldChg chg="addSp delSp modSp new mod ord modClrScheme chgLayout">
+        <pc:chgData name="Weifeng Xu" userId="e7aed605-a3dd-4d5a-a692-a87037af107b" providerId="ADAL" clId="{B29BA757-A9E5-4E35-900E-70A7C044DEA3}" dt="2025-05-08T12:59:41.769" v="2034"/>
+        <pc:sldMkLst>
+          <pc:docMk/>
+          <pc:sldMk cId="104095834" sldId="289"/>
+        </pc:sldMkLst>
+      </pc:sldChg>
+      <pc:sldChg chg="addSp delSp modSp new mod ord modClrScheme chgLayout">
+        <pc:chgData name="Weifeng Xu" userId="e7aed605-a3dd-4d5a-a692-a87037af107b" providerId="ADAL" clId="{B29BA757-A9E5-4E35-900E-70A7C044DEA3}" dt="2025-05-08T13:08:23.713" v="2038"/>
+        <pc:sldMkLst>
+          <pc:docMk/>
+          <pc:sldMk cId="3513636499" sldId="290"/>
+        </pc:sldMkLst>
+      </pc:sldChg>
+      <pc:sldChg chg="addSp delSp modSp new mod">
+        <pc:chgData name="Weifeng Xu" userId="e7aed605-a3dd-4d5a-a692-a87037af107b" providerId="ADAL" clId="{B29BA757-A9E5-4E35-900E-70A7C044DEA3}" dt="2025-05-08T19:18:52.428" v="2201" actId="1076"/>
+        <pc:sldMkLst>
+          <pc:docMk/>
+          <pc:sldMk cId="767342062" sldId="291"/>
+        </pc:sldMkLst>
+      </pc:sldChg>
+      <pc:sldChg chg="delSp add del mod">
+        <pc:chgData name="Weifeng Xu" userId="e7aed605-a3dd-4d5a-a692-a87037af107b" providerId="ADAL" clId="{B29BA757-A9E5-4E35-900E-70A7C044DEA3}" dt="2025-05-08T12:59:23.881" v="2032" actId="47"/>
+        <pc:sldMkLst>
+          <pc:docMk/>
+          <pc:sldMk cId="4059981469" sldId="291"/>
+        </pc:sldMkLst>
+      </pc:sldChg>
+      <pc:sldChg chg="addSp modSp new mod">
+        <pc:chgData name="Weifeng Xu" userId="e7aed605-a3dd-4d5a-a692-a87037af107b" providerId="ADAL" clId="{B29BA757-A9E5-4E35-900E-70A7C044DEA3}" dt="2025-05-08T19:19:12.442" v="2205" actId="1076"/>
+        <pc:sldMkLst>
+          <pc:docMk/>
+          <pc:sldMk cId="3454193145" sldId="292"/>
+        </pc:sldMkLst>
+      </pc:sldChg>
+      <pc:sldChg chg="addSp delSp modSp new mod modClrScheme chgLayout">
+        <pc:chgData name="Weifeng Xu" userId="e7aed605-a3dd-4d5a-a692-a87037af107b" providerId="ADAL" clId="{B29BA757-A9E5-4E35-900E-70A7C044DEA3}" dt="2025-05-08T19:17:53.737" v="2198" actId="14100"/>
+        <pc:sldMkLst>
+          <pc:docMk/>
+          <pc:sldMk cId="2222583924" sldId="293"/>
+        </pc:sldMkLst>
+      </pc:sldChg>
+      <pc:sldChg chg="addSp delSp modSp new del mod modClrScheme chgLayout">
+        <pc:chgData name="Weifeng Xu" userId="e7aed605-a3dd-4d5a-a692-a87037af107b" providerId="ADAL" clId="{B29BA757-A9E5-4E35-900E-70A7C044DEA3}" dt="2025-05-08T19:16:46.459" v="2191" actId="47"/>
+        <pc:sldMkLst>
+          <pc:docMk/>
+          <pc:sldMk cId="3547774912" sldId="293"/>
+        </pc:sldMkLst>
+      </pc:sldChg>
+      <pc:sldChg chg="addSp modSp new mod">
+        <pc:chgData name="Weifeng Xu" userId="e7aed605-a3dd-4d5a-a692-a87037af107b" providerId="ADAL" clId="{B29BA757-A9E5-4E35-900E-70A7C044DEA3}" dt="2025-05-08T19:22:47.041" v="2221" actId="1076"/>
+        <pc:sldMkLst>
+          <pc:docMk/>
+          <pc:sldMk cId="1894162818" sldId="294"/>
+        </pc:sldMkLst>
+      </pc:sldChg>
+      <pc:sldChg chg="addSp modSp new mod">
+        <pc:chgData name="Weifeng Xu" userId="e7aed605-a3dd-4d5a-a692-a87037af107b" providerId="ADAL" clId="{B29BA757-A9E5-4E35-900E-70A7C044DEA3}" dt="2025-05-08T19:25:57.875" v="2250" actId="14100"/>
+        <pc:sldMkLst>
+          <pc:docMk/>
+          <pc:sldMk cId="4224664371" sldId="295"/>
+        </pc:sldMkLst>
+      </pc:sldChg>
+      <pc:sldChg chg="addSp delSp modSp new mod modClrScheme chgLayout">
+        <pc:chgData name="Weifeng Xu" userId="e7aed605-a3dd-4d5a-a692-a87037af107b" providerId="ADAL" clId="{B29BA757-A9E5-4E35-900E-70A7C044DEA3}" dt="2025-05-08T20:23:00.544" v="2270" actId="14100"/>
+        <pc:sldMkLst>
+          <pc:docMk/>
+          <pc:sldMk cId="720217490" sldId="296"/>
+        </pc:sldMkLst>
+      </pc:sldChg>
+      <pc:sldChg chg="addSp modSp new mod modClrScheme chgLayout">
+        <pc:chgData name="Weifeng Xu" userId="e7aed605-a3dd-4d5a-a692-a87037af107b" providerId="ADAL" clId="{B29BA757-A9E5-4E35-900E-70A7C044DEA3}" dt="2025-05-08T20:25:29.479" v="2296" actId="14100"/>
+        <pc:sldMkLst>
+          <pc:docMk/>
+          <pc:sldMk cId="4294253925" sldId="297"/>
+        </pc:sldMkLst>
+      </pc:sldChg>
+      <pc:sldChg chg="modSp new mod">
+        <pc:chgData name="Weifeng Xu" userId="e7aed605-a3dd-4d5a-a692-a87037af107b" providerId="ADAL" clId="{B29BA757-A9E5-4E35-900E-70A7C044DEA3}" dt="2025-05-08T20:26:01.468" v="2299"/>
+        <pc:sldMkLst>
+          <pc:docMk/>
+          <pc:sldMk cId="2038064399" sldId="298"/>
+        </pc:sldMkLst>
+      </pc:sldChg>
+      <pc:sldChg chg="modSp new mod">
+        <pc:chgData name="Weifeng Xu" userId="e7aed605-a3dd-4d5a-a692-a87037af107b" providerId="ADAL" clId="{B29BA757-A9E5-4E35-900E-70A7C044DEA3}" dt="2025-05-08T20:26:31.713" v="2302"/>
+        <pc:sldMkLst>
+          <pc:docMk/>
+          <pc:sldMk cId="1215718099" sldId="299"/>
+        </pc:sldMkLst>
+      </pc:sldChg>
+    </pc:docChg>
+  </pc:docChgLst>
+  <pc:docChgLst>
+    <pc:chgData name="Weifeng Xu" userId="e7aed605-a3dd-4d5a-a692-a87037af107b" providerId="ADAL" clId="{8E5A6AEC-921D-4BE6-8002-CC8D4F2830D2}"/>
+    <pc:docChg chg="undo custSel addSld delSld modSld">
+      <pc:chgData name="Weifeng Xu" userId="e7aed605-a3dd-4d5a-a692-a87037af107b" providerId="ADAL" clId="{8E5A6AEC-921D-4BE6-8002-CC8D4F2830D2}" dt="2025-04-28T15:23:27.017" v="746" actId="6549"/>
+      <pc:docMkLst>
+        <pc:docMk/>
+      </pc:docMkLst>
+      <pc:sldChg chg="modSp mod chgLayout">
+        <pc:chgData name="Weifeng Xu" userId="e7aed605-a3dd-4d5a-a692-a87037af107b" providerId="ADAL" clId="{8E5A6AEC-921D-4BE6-8002-CC8D4F2830D2}" dt="2025-04-27T15:24:07.342" v="34" actId="700"/>
+        <pc:sldMkLst>
+          <pc:docMk/>
+          <pc:sldMk cId="1325061211" sldId="256"/>
+        </pc:sldMkLst>
+      </pc:sldChg>
+      <pc:sldChg chg="del">
+        <pc:chgData name="Weifeng Xu" userId="e7aed605-a3dd-4d5a-a692-a87037af107b" providerId="ADAL" clId="{8E5A6AEC-921D-4BE6-8002-CC8D4F2830D2}" dt="2025-04-27T15:25:06.899" v="35" actId="47"/>
+        <pc:sldMkLst>
+          <pc:docMk/>
+          <pc:sldMk cId="2201572609" sldId="257"/>
+        </pc:sldMkLst>
+      </pc:sldChg>
+      <pc:sldChg chg="addSp modSp new mod">
+        <pc:chgData name="Weifeng Xu" userId="e7aed605-a3dd-4d5a-a692-a87037af107b" providerId="ADAL" clId="{8E5A6AEC-921D-4BE6-8002-CC8D4F2830D2}" dt="2025-04-27T15:43:48.595" v="157" actId="1076"/>
+        <pc:sldMkLst>
+          <pc:docMk/>
+          <pc:sldMk cId="2572427240" sldId="257"/>
+        </pc:sldMkLst>
+      </pc:sldChg>
+      <pc:sldChg chg="del">
+        <pc:chgData name="Weifeng Xu" userId="e7aed605-a3dd-4d5a-a692-a87037af107b" providerId="ADAL" clId="{8E5A6AEC-921D-4BE6-8002-CC8D4F2830D2}" dt="2025-04-27T15:25:07.244" v="36" actId="47"/>
+        <pc:sldMkLst>
+          <pc:docMk/>
+          <pc:sldMk cId="450669007" sldId="258"/>
+        </pc:sldMkLst>
+      </pc:sldChg>
+      <pc:sldChg chg="addSp delSp modSp new mod modClrScheme chgLayout">
+        <pc:chgData name="Weifeng Xu" userId="e7aed605-a3dd-4d5a-a692-a87037af107b" providerId="ADAL" clId="{8E5A6AEC-921D-4BE6-8002-CC8D4F2830D2}" dt="2025-04-27T16:01:11.569" v="507" actId="207"/>
+        <pc:sldMkLst>
+          <pc:docMk/>
+          <pc:sldMk cId="3100494254" sldId="258"/>
+        </pc:sldMkLst>
+      </pc:sldChg>
+      <pc:sldChg chg="modSp new mod">
+        <pc:chgData name="Weifeng Xu" userId="e7aed605-a3dd-4d5a-a692-a87037af107b" providerId="ADAL" clId="{8E5A6AEC-921D-4BE6-8002-CC8D4F2830D2}" dt="2025-04-27T16:03:14.809" v="520" actId="207"/>
+        <pc:sldMkLst>
+          <pc:docMk/>
+          <pc:sldMk cId="1655253961" sldId="259"/>
+        </pc:sldMkLst>
+      </pc:sldChg>
+      <pc:sldChg chg="del">
+        <pc:chgData name="Weifeng Xu" userId="e7aed605-a3dd-4d5a-a692-a87037af107b" providerId="ADAL" clId="{8E5A6AEC-921D-4BE6-8002-CC8D4F2830D2}" dt="2025-04-27T15:25:07.654" v="37" actId="47"/>
+        <pc:sldMkLst>
+          <pc:docMk/>
+          <pc:sldMk cId="3233567480" sldId="259"/>
+        </pc:sldMkLst>
+      </pc:sldChg>
+      <pc:sldChg chg="del">
+        <pc:chgData name="Weifeng Xu" userId="e7aed605-a3dd-4d5a-a692-a87037af107b" providerId="ADAL" clId="{8E5A6AEC-921D-4BE6-8002-CC8D4F2830D2}" dt="2025-04-27T15:25:09.947" v="46" actId="47"/>
+        <pc:sldMkLst>
+          <pc:docMk/>
+          <pc:sldMk cId="2715224073" sldId="260"/>
+        </pc:sldMkLst>
+      </pc:sldChg>
+      <pc:sldChg chg="modSp new mod">
+        <pc:chgData name="Weifeng Xu" userId="e7aed605-a3dd-4d5a-a692-a87037af107b" providerId="ADAL" clId="{8E5A6AEC-921D-4BE6-8002-CC8D4F2830D2}" dt="2025-04-27T16:04:14.976" v="601" actId="313"/>
+        <pc:sldMkLst>
+          <pc:docMk/>
+          <pc:sldMk cId="3375603492" sldId="260"/>
+        </pc:sldMkLst>
+      </pc:sldChg>
+      <pc:sldChg chg="modSp new mod">
+        <pc:chgData name="Weifeng Xu" userId="e7aed605-a3dd-4d5a-a692-a87037af107b" providerId="ADAL" clId="{8E5A6AEC-921D-4BE6-8002-CC8D4F2830D2}" dt="2025-04-27T16:05:14.474" v="618"/>
+        <pc:sldMkLst>
+          <pc:docMk/>
+          <pc:sldMk cId="909895920" sldId="261"/>
+        </pc:sldMkLst>
+      </pc:sldChg>
+      <pc:sldChg chg="del">
+        <pc:chgData name="Weifeng Xu" userId="e7aed605-a3dd-4d5a-a692-a87037af107b" providerId="ADAL" clId="{8E5A6AEC-921D-4BE6-8002-CC8D4F2830D2}" dt="2025-04-27T15:25:07.871" v="38" actId="47"/>
+        <pc:sldMkLst>
+          <pc:docMk/>
+          <pc:sldMk cId="1030786537" sldId="261"/>
+        </pc:sldMkLst>
+      </pc:sldChg>
+      <pc:sldChg chg="addSp delSp modSp new mod">
+        <pc:chgData name="Weifeng Xu" userId="e7aed605-a3dd-4d5a-a692-a87037af107b" providerId="ADAL" clId="{8E5A6AEC-921D-4BE6-8002-CC8D4F2830D2}" dt="2025-04-28T15:23:27.017" v="746" actId="6549"/>
+        <pc:sldMkLst>
+          <pc:docMk/>
+          <pc:sldMk cId="1010189504" sldId="262"/>
+        </pc:sldMkLst>
+      </pc:sldChg>
+      <pc:sldChg chg="del">
+        <pc:chgData name="Weifeng Xu" userId="e7aed605-a3dd-4d5a-a692-a87037af107b" providerId="ADAL" clId="{8E5A6AEC-921D-4BE6-8002-CC8D4F2830D2}" dt="2025-04-27T15:25:08.095" v="39" actId="47"/>
+        <pc:sldMkLst>
+          <pc:docMk/>
+          <pc:sldMk cId="3548515090" sldId="264"/>
+        </pc:sldMkLst>
+      </pc:sldChg>
+      <pc:sldChg chg="del">
+        <pc:chgData name="Weifeng Xu" userId="e7aed605-a3dd-4d5a-a692-a87037af107b" providerId="ADAL" clId="{8E5A6AEC-921D-4BE6-8002-CC8D4F2830D2}" dt="2025-04-27T15:25:10.434" v="47" actId="47"/>
+        <pc:sldMkLst>
+          <pc:docMk/>
+          <pc:sldMk cId="3523214092" sldId="265"/>
+        </pc:sldMkLst>
+      </pc:sldChg>
+      <pc:sldChg chg="del">
+        <pc:chgData name="Weifeng Xu" userId="e7aed605-a3dd-4d5a-a692-a87037af107b" providerId="ADAL" clId="{8E5A6AEC-921D-4BE6-8002-CC8D4F2830D2}" dt="2025-04-27T15:25:08.929" v="43" actId="47"/>
+        <pc:sldMkLst>
+          <pc:docMk/>
+          <pc:sldMk cId="756868712" sldId="266"/>
+        </pc:sldMkLst>
+      </pc:sldChg>
+      <pc:sldChg chg="del">
+        <pc:chgData name="Weifeng Xu" userId="e7aed605-a3dd-4d5a-a692-a87037af107b" providerId="ADAL" clId="{8E5A6AEC-921D-4BE6-8002-CC8D4F2830D2}" dt="2025-04-27T15:25:09.145" v="44" actId="47"/>
+        <pc:sldMkLst>
+          <pc:docMk/>
+          <pc:sldMk cId="2973990778" sldId="267"/>
+        </pc:sldMkLst>
+      </pc:sldChg>
+      <pc:sldChg chg="del">
+        <pc:chgData name="Weifeng Xu" userId="e7aed605-a3dd-4d5a-a692-a87037af107b" providerId="ADAL" clId="{8E5A6AEC-921D-4BE6-8002-CC8D4F2830D2}" dt="2025-04-27T15:25:09.362" v="45" actId="47"/>
+        <pc:sldMkLst>
+          <pc:docMk/>
+          <pc:sldMk cId="2042884208" sldId="268"/>
+        </pc:sldMkLst>
+      </pc:sldChg>
+      <pc:sldChg chg="del">
+        <pc:chgData name="Weifeng Xu" userId="e7aed605-a3dd-4d5a-a692-a87037af107b" providerId="ADAL" clId="{8E5A6AEC-921D-4BE6-8002-CC8D4F2830D2}" dt="2025-04-27T15:25:08.271" v="40" actId="47"/>
+        <pc:sldMkLst>
+          <pc:docMk/>
+          <pc:sldMk cId="3256057421" sldId="269"/>
+        </pc:sldMkLst>
+      </pc:sldChg>
+      <pc:sldChg chg="del">
+        <pc:chgData name="Weifeng Xu" userId="e7aed605-a3dd-4d5a-a692-a87037af107b" providerId="ADAL" clId="{8E5A6AEC-921D-4BE6-8002-CC8D4F2830D2}" dt="2025-04-27T15:25:08.466" v="41" actId="47"/>
+        <pc:sldMkLst>
+          <pc:docMk/>
+          <pc:sldMk cId="146876777" sldId="270"/>
+        </pc:sldMkLst>
+      </pc:sldChg>
+      <pc:sldChg chg="del">
+        <pc:chgData name="Weifeng Xu" userId="e7aed605-a3dd-4d5a-a692-a87037af107b" providerId="ADAL" clId="{8E5A6AEC-921D-4BE6-8002-CC8D4F2830D2}" dt="2025-04-27T15:25:08.686" v="42" actId="47"/>
+        <pc:sldMkLst>
+          <pc:docMk/>
+          <pc:sldMk cId="1939243851" sldId="271"/>
+        </pc:sldMkLst>
+      </pc:sldChg>
+      <pc:sldChg chg="del">
+        <pc:chgData name="Weifeng Xu" userId="e7aed605-a3dd-4d5a-a692-a87037af107b" providerId="ADAL" clId="{8E5A6AEC-921D-4BE6-8002-CC8D4F2830D2}" dt="2025-04-27T15:25:11.096" v="48" actId="47"/>
+        <pc:sldMkLst>
+          <pc:docMk/>
+          <pc:sldMk cId="2238745649" sldId="272"/>
+        </pc:sldMkLst>
+      </pc:sldChg>
+    </pc:docChg>
+  </pc:docChgLst>
+  <pc:docChgLst>
     <pc:chgData name="Weifeng Xu" userId="e7aed605-a3dd-4d5a-a692-a87037af107b" providerId="ADAL" clId="{69090D41-60B8-4636-A275-1996D027DEDB}"/>
     <pc:docChg chg="undo custSel addSld delSld modSld sldOrd">
       <pc:chgData name="Weifeng Xu" userId="e7aed605-a3dd-4d5a-a692-a87037af107b" providerId="ADAL" clId="{69090D41-60B8-4636-A275-1996D027DEDB}" dt="2025-05-05T02:01:40.995" v="4514" actId="1076"/>
@@ -3023,7 +2739,543 @@
       </pc:sldChg>
     </pc:docChg>
   </pc:docChgLst>
+  <pc:docChgLst>
+    <pc:chgData name="Weifeng Xu" userId="e7aed605-a3dd-4d5a-a692-a87037af107b" providerId="ADAL" clId="{781DD69C-B3C3-4AA3-A094-E5C237C15CAE}"/>
+    <pc:docChg chg="delSld">
+      <pc:chgData name="Weifeng Xu" userId="e7aed605-a3dd-4d5a-a692-a87037af107b" providerId="ADAL" clId="{781DD69C-B3C3-4AA3-A094-E5C237C15CAE}" dt="2025-04-26T15:34:37.721" v="1" actId="47"/>
+      <pc:docMkLst>
+        <pc:docMk/>
+      </pc:docMkLst>
+      <pc:sldChg chg="del">
+        <pc:chgData name="Weifeng Xu" userId="e7aed605-a3dd-4d5a-a692-a87037af107b" providerId="ADAL" clId="{781DD69C-B3C3-4AA3-A094-E5C237C15CAE}" dt="2025-04-26T15:34:36.333" v="0" actId="47"/>
+        <pc:sldMkLst>
+          <pc:docMk/>
+          <pc:sldMk cId="3284022864" sldId="262"/>
+        </pc:sldMkLst>
+      </pc:sldChg>
+      <pc:sldChg chg="del">
+        <pc:chgData name="Weifeng Xu" userId="e7aed605-a3dd-4d5a-a692-a87037af107b" providerId="ADAL" clId="{781DD69C-B3C3-4AA3-A094-E5C237C15CAE}" dt="2025-04-26T15:34:37.721" v="1" actId="47"/>
+        <pc:sldMkLst>
+          <pc:docMk/>
+          <pc:sldMk cId="786756272" sldId="263"/>
+        </pc:sldMkLst>
+      </pc:sldChg>
+    </pc:docChg>
+  </pc:docChgLst>
+  <pc:docChgLst>
+    <pc:chgData name="Weifeng Xu" userId="e7aed605-a3dd-4d5a-a692-a87037af107b" providerId="ADAL" clId="{30C724EF-4842-4D28-AD5E-F8ADBCCE7FC4}"/>
+    <pc:docChg chg="undo custSel addSld delSld modSld">
+      <pc:chgData name="Weifeng Xu" userId="e7aed605-a3dd-4d5a-a692-a87037af107b" providerId="ADAL" clId="{30C724EF-4842-4D28-AD5E-F8ADBCCE7FC4}" dt="2025-05-02T15:10:40.316" v="141" actId="1076"/>
+      <pc:docMkLst>
+        <pc:docMk/>
+      </pc:docMkLst>
+      <pc:sldChg chg="delSp modSp mod">
+        <pc:chgData name="Weifeng Xu" userId="e7aed605-a3dd-4d5a-a692-a87037af107b" providerId="ADAL" clId="{30C724EF-4842-4D28-AD5E-F8ADBCCE7FC4}" dt="2025-05-02T14:27:30.559" v="26" actId="6549"/>
+        <pc:sldMkLst>
+          <pc:docMk/>
+          <pc:sldMk cId="1325061211" sldId="256"/>
+        </pc:sldMkLst>
+      </pc:sldChg>
+      <pc:sldChg chg="modSp new mod">
+        <pc:chgData name="Weifeng Xu" userId="e7aed605-a3dd-4d5a-a692-a87037af107b" providerId="ADAL" clId="{30C724EF-4842-4D28-AD5E-F8ADBCCE7FC4}" dt="2025-05-02T14:27:48.979" v="28"/>
+        <pc:sldMkLst>
+          <pc:docMk/>
+          <pc:sldMk cId="1640287784" sldId="257"/>
+        </pc:sldMkLst>
+      </pc:sldChg>
+      <pc:sldChg chg="del">
+        <pc:chgData name="Weifeng Xu" userId="e7aed605-a3dd-4d5a-a692-a87037af107b" providerId="ADAL" clId="{30C724EF-4842-4D28-AD5E-F8ADBCCE7FC4}" dt="2025-05-02T14:26:32.787" v="0" actId="47"/>
+        <pc:sldMkLst>
+          <pc:docMk/>
+          <pc:sldMk cId="2003605107" sldId="257"/>
+        </pc:sldMkLst>
+      </pc:sldChg>
+      <pc:sldChg chg="modSp new mod">
+        <pc:chgData name="Weifeng Xu" userId="e7aed605-a3dd-4d5a-a692-a87037af107b" providerId="ADAL" clId="{30C724EF-4842-4D28-AD5E-F8ADBCCE7FC4}" dt="2025-05-02T14:31:22.834" v="56" actId="108"/>
+        <pc:sldMkLst>
+          <pc:docMk/>
+          <pc:sldMk cId="717681411" sldId="258"/>
+        </pc:sldMkLst>
+      </pc:sldChg>
+      <pc:sldChg chg="del">
+        <pc:chgData name="Weifeng Xu" userId="e7aed605-a3dd-4d5a-a692-a87037af107b" providerId="ADAL" clId="{30C724EF-4842-4D28-AD5E-F8ADBCCE7FC4}" dt="2025-05-02T14:26:32.949" v="1" actId="47"/>
+        <pc:sldMkLst>
+          <pc:docMk/>
+          <pc:sldMk cId="3148078500" sldId="258"/>
+        </pc:sldMkLst>
+      </pc:sldChg>
+      <pc:sldChg chg="del">
+        <pc:chgData name="Weifeng Xu" userId="e7aed605-a3dd-4d5a-a692-a87037af107b" providerId="ADAL" clId="{30C724EF-4842-4D28-AD5E-F8ADBCCE7FC4}" dt="2025-05-02T14:26:33.102" v="2" actId="47"/>
+        <pc:sldMkLst>
+          <pc:docMk/>
+          <pc:sldMk cId="2942233055" sldId="259"/>
+        </pc:sldMkLst>
+      </pc:sldChg>
+      <pc:sldChg chg="modSp new mod">
+        <pc:chgData name="Weifeng Xu" userId="e7aed605-a3dd-4d5a-a692-a87037af107b" providerId="ADAL" clId="{30C724EF-4842-4D28-AD5E-F8ADBCCE7FC4}" dt="2025-05-02T14:31:19.127" v="55" actId="108"/>
+        <pc:sldMkLst>
+          <pc:docMk/>
+          <pc:sldMk cId="3856045583" sldId="259"/>
+        </pc:sldMkLst>
+      </pc:sldChg>
+      <pc:sldChg chg="addSp modSp new mod">
+        <pc:chgData name="Weifeng Xu" userId="e7aed605-a3dd-4d5a-a692-a87037af107b" providerId="ADAL" clId="{30C724EF-4842-4D28-AD5E-F8ADBCCE7FC4}" dt="2025-05-02T15:07:43.406" v="100" actId="1076"/>
+        <pc:sldMkLst>
+          <pc:docMk/>
+          <pc:sldMk cId="1123301564" sldId="260"/>
+        </pc:sldMkLst>
+      </pc:sldChg>
+      <pc:sldChg chg="del">
+        <pc:chgData name="Weifeng Xu" userId="e7aed605-a3dd-4d5a-a692-a87037af107b" providerId="ADAL" clId="{30C724EF-4842-4D28-AD5E-F8ADBCCE7FC4}" dt="2025-05-02T14:26:33.278" v="3" actId="47"/>
+        <pc:sldMkLst>
+          <pc:docMk/>
+          <pc:sldMk cId="4238292093" sldId="260"/>
+        </pc:sldMkLst>
+      </pc:sldChg>
+      <pc:sldChg chg="del">
+        <pc:chgData name="Weifeng Xu" userId="e7aed605-a3dd-4d5a-a692-a87037af107b" providerId="ADAL" clId="{30C724EF-4842-4D28-AD5E-F8ADBCCE7FC4}" dt="2025-05-02T14:26:33.438" v="4" actId="47"/>
+        <pc:sldMkLst>
+          <pc:docMk/>
+          <pc:sldMk cId="773548588" sldId="261"/>
+        </pc:sldMkLst>
+      </pc:sldChg>
+      <pc:sldChg chg="modSp new mod">
+        <pc:chgData name="Weifeng Xu" userId="e7aed605-a3dd-4d5a-a692-a87037af107b" providerId="ADAL" clId="{30C724EF-4842-4D28-AD5E-F8ADBCCE7FC4}" dt="2025-05-02T14:31:40.332" v="59" actId="20577"/>
+        <pc:sldMkLst>
+          <pc:docMk/>
+          <pc:sldMk cId="805984163" sldId="261"/>
+        </pc:sldMkLst>
+      </pc:sldChg>
+      <pc:sldChg chg="modSp new mod">
+        <pc:chgData name="Weifeng Xu" userId="e7aed605-a3dd-4d5a-a692-a87037af107b" providerId="ADAL" clId="{30C724EF-4842-4D28-AD5E-F8ADBCCE7FC4}" dt="2025-05-02T14:32:29.484" v="64"/>
+        <pc:sldMkLst>
+          <pc:docMk/>
+          <pc:sldMk cId="914522820" sldId="262"/>
+        </pc:sldMkLst>
+      </pc:sldChg>
+      <pc:sldChg chg="del">
+        <pc:chgData name="Weifeng Xu" userId="e7aed605-a3dd-4d5a-a692-a87037af107b" providerId="ADAL" clId="{30C724EF-4842-4D28-AD5E-F8ADBCCE7FC4}" dt="2025-05-02T14:26:33.690" v="5" actId="47"/>
+        <pc:sldMkLst>
+          <pc:docMk/>
+          <pc:sldMk cId="3939068785" sldId="262"/>
+        </pc:sldMkLst>
+      </pc:sldChg>
+      <pc:sldChg chg="del">
+        <pc:chgData name="Weifeng Xu" userId="e7aed605-a3dd-4d5a-a692-a87037af107b" providerId="ADAL" clId="{30C724EF-4842-4D28-AD5E-F8ADBCCE7FC4}" dt="2025-05-02T14:26:33.878" v="6" actId="47"/>
+        <pc:sldMkLst>
+          <pc:docMk/>
+          <pc:sldMk cId="2162073066" sldId="263"/>
+        </pc:sldMkLst>
+      </pc:sldChg>
+      <pc:sldChg chg="modSp new mod">
+        <pc:chgData name="Weifeng Xu" userId="e7aed605-a3dd-4d5a-a692-a87037af107b" providerId="ADAL" clId="{30C724EF-4842-4D28-AD5E-F8ADBCCE7FC4}" dt="2025-05-02T14:32:55.778" v="67"/>
+        <pc:sldMkLst>
+          <pc:docMk/>
+          <pc:sldMk cId="3784490461" sldId="263"/>
+        </pc:sldMkLst>
+      </pc:sldChg>
+      <pc:sldChg chg="modSp new mod">
+        <pc:chgData name="Weifeng Xu" userId="e7aed605-a3dd-4d5a-a692-a87037af107b" providerId="ADAL" clId="{30C724EF-4842-4D28-AD5E-F8ADBCCE7FC4}" dt="2025-05-02T14:34:02.101" v="70"/>
+        <pc:sldMkLst>
+          <pc:docMk/>
+          <pc:sldMk cId="1859847628" sldId="264"/>
+        </pc:sldMkLst>
+      </pc:sldChg>
+      <pc:sldChg chg="del">
+        <pc:chgData name="Weifeng Xu" userId="e7aed605-a3dd-4d5a-a692-a87037af107b" providerId="ADAL" clId="{30C724EF-4842-4D28-AD5E-F8ADBCCE7FC4}" dt="2025-05-02T14:26:34.055" v="7" actId="47"/>
+        <pc:sldMkLst>
+          <pc:docMk/>
+          <pc:sldMk cId="1975365164" sldId="264"/>
+        </pc:sldMkLst>
+      </pc:sldChg>
+      <pc:sldChg chg="modSp new mod">
+        <pc:chgData name="Weifeng Xu" userId="e7aed605-a3dd-4d5a-a692-a87037af107b" providerId="ADAL" clId="{30C724EF-4842-4D28-AD5E-F8ADBCCE7FC4}" dt="2025-05-02T14:36:37.939" v="73"/>
+        <pc:sldMkLst>
+          <pc:docMk/>
+          <pc:sldMk cId="2875748899" sldId="265"/>
+        </pc:sldMkLst>
+      </pc:sldChg>
+      <pc:sldChg chg="del">
+        <pc:chgData name="Weifeng Xu" userId="e7aed605-a3dd-4d5a-a692-a87037af107b" providerId="ADAL" clId="{30C724EF-4842-4D28-AD5E-F8ADBCCE7FC4}" dt="2025-05-02T14:26:34.218" v="8" actId="47"/>
+        <pc:sldMkLst>
+          <pc:docMk/>
+          <pc:sldMk cId="4163382801" sldId="265"/>
+        </pc:sldMkLst>
+      </pc:sldChg>
+      <pc:sldChg chg="del">
+        <pc:chgData name="Weifeng Xu" userId="e7aed605-a3dd-4d5a-a692-a87037af107b" providerId="ADAL" clId="{30C724EF-4842-4D28-AD5E-F8ADBCCE7FC4}" dt="2025-05-02T14:26:35.006" v="12" actId="47"/>
+        <pc:sldMkLst>
+          <pc:docMk/>
+          <pc:sldMk cId="711940281" sldId="266"/>
+        </pc:sldMkLst>
+      </pc:sldChg>
+      <pc:sldChg chg="modSp new mod">
+        <pc:chgData name="Weifeng Xu" userId="e7aed605-a3dd-4d5a-a692-a87037af107b" providerId="ADAL" clId="{30C724EF-4842-4D28-AD5E-F8ADBCCE7FC4}" dt="2025-05-02T14:37:14.713" v="77" actId="27636"/>
+        <pc:sldMkLst>
+          <pc:docMk/>
+          <pc:sldMk cId="3455260336" sldId="266"/>
+        </pc:sldMkLst>
+      </pc:sldChg>
+      <pc:sldChg chg="modSp new mod">
+        <pc:chgData name="Weifeng Xu" userId="e7aed605-a3dd-4d5a-a692-a87037af107b" providerId="ADAL" clId="{30C724EF-4842-4D28-AD5E-F8ADBCCE7FC4}" dt="2025-05-02T14:37:38.176" v="80"/>
+        <pc:sldMkLst>
+          <pc:docMk/>
+          <pc:sldMk cId="2341961951" sldId="267"/>
+        </pc:sldMkLst>
+      </pc:sldChg>
+      <pc:sldChg chg="del">
+        <pc:chgData name="Weifeng Xu" userId="e7aed605-a3dd-4d5a-a692-a87037af107b" providerId="ADAL" clId="{30C724EF-4842-4D28-AD5E-F8ADBCCE7FC4}" dt="2025-05-02T14:26:35.227" v="13" actId="47"/>
+        <pc:sldMkLst>
+          <pc:docMk/>
+          <pc:sldMk cId="3000902119" sldId="267"/>
+        </pc:sldMkLst>
+      </pc:sldChg>
+      <pc:sldChg chg="del">
+        <pc:chgData name="Weifeng Xu" userId="e7aed605-a3dd-4d5a-a692-a87037af107b" providerId="ADAL" clId="{30C724EF-4842-4D28-AD5E-F8ADBCCE7FC4}" dt="2025-05-02T14:26:35.390" v="14" actId="47"/>
+        <pc:sldMkLst>
+          <pc:docMk/>
+          <pc:sldMk cId="70125468" sldId="268"/>
+        </pc:sldMkLst>
+      </pc:sldChg>
+      <pc:sldChg chg="modSp new mod">
+        <pc:chgData name="Weifeng Xu" userId="e7aed605-a3dd-4d5a-a692-a87037af107b" providerId="ADAL" clId="{30C724EF-4842-4D28-AD5E-F8ADBCCE7FC4}" dt="2025-05-02T14:38:19.021" v="83"/>
+        <pc:sldMkLst>
+          <pc:docMk/>
+          <pc:sldMk cId="1430309032" sldId="268"/>
+        </pc:sldMkLst>
+      </pc:sldChg>
+      <pc:sldChg chg="del">
+        <pc:chgData name="Weifeng Xu" userId="e7aed605-a3dd-4d5a-a692-a87037af107b" providerId="ADAL" clId="{30C724EF-4842-4D28-AD5E-F8ADBCCE7FC4}" dt="2025-05-02T14:26:38.233" v="19" actId="47"/>
+        <pc:sldMkLst>
+          <pc:docMk/>
+          <pc:sldMk cId="1829157120" sldId="269"/>
+        </pc:sldMkLst>
+      </pc:sldChg>
+      <pc:sldChg chg="addSp delSp modSp new mod modClrScheme chgLayout">
+        <pc:chgData name="Weifeng Xu" userId="e7aed605-a3dd-4d5a-a692-a87037af107b" providerId="ADAL" clId="{30C724EF-4842-4D28-AD5E-F8ADBCCE7FC4}" dt="2025-05-02T15:09:25.274" v="131" actId="1076"/>
+        <pc:sldMkLst>
+          <pc:docMk/>
+          <pc:sldMk cId="2476079575" sldId="269"/>
+        </pc:sldMkLst>
+      </pc:sldChg>
+      <pc:sldChg chg="del">
+        <pc:chgData name="Weifeng Xu" userId="e7aed605-a3dd-4d5a-a692-a87037af107b" providerId="ADAL" clId="{30C724EF-4842-4D28-AD5E-F8ADBCCE7FC4}" dt="2025-05-02T14:26:35.560" v="15" actId="47"/>
+        <pc:sldMkLst>
+          <pc:docMk/>
+          <pc:sldMk cId="1822568230" sldId="270"/>
+        </pc:sldMkLst>
+      </pc:sldChg>
+      <pc:sldChg chg="addSp delSp modSp new mod modClrScheme chgLayout">
+        <pc:chgData name="Weifeng Xu" userId="e7aed605-a3dd-4d5a-a692-a87037af107b" providerId="ADAL" clId="{30C724EF-4842-4D28-AD5E-F8ADBCCE7FC4}" dt="2025-05-02T15:10:40.316" v="141" actId="1076"/>
+        <pc:sldMkLst>
+          <pc:docMk/>
+          <pc:sldMk cId="2069138016" sldId="270"/>
+        </pc:sldMkLst>
+      </pc:sldChg>
+      <pc:sldChg chg="del">
+        <pc:chgData name="Weifeng Xu" userId="e7aed605-a3dd-4d5a-a692-a87037af107b" providerId="ADAL" clId="{30C724EF-4842-4D28-AD5E-F8ADBCCE7FC4}" dt="2025-05-02T14:26:36.264" v="17" actId="47"/>
+        <pc:sldMkLst>
+          <pc:docMk/>
+          <pc:sldMk cId="929903445" sldId="271"/>
+        </pc:sldMkLst>
+      </pc:sldChg>
+      <pc:sldChg chg="del">
+        <pc:chgData name="Weifeng Xu" userId="e7aed605-a3dd-4d5a-a692-a87037af107b" providerId="ADAL" clId="{30C724EF-4842-4D28-AD5E-F8ADBCCE7FC4}" dt="2025-05-02T14:26:34.596" v="10" actId="47"/>
+        <pc:sldMkLst>
+          <pc:docMk/>
+          <pc:sldMk cId="409369350" sldId="272"/>
+        </pc:sldMkLst>
+      </pc:sldChg>
+      <pc:sldChg chg="del">
+        <pc:chgData name="Weifeng Xu" userId="e7aed605-a3dd-4d5a-a692-a87037af107b" providerId="ADAL" clId="{30C724EF-4842-4D28-AD5E-F8ADBCCE7FC4}" dt="2025-05-02T14:26:34.416" v="9" actId="47"/>
+        <pc:sldMkLst>
+          <pc:docMk/>
+          <pc:sldMk cId="3399795082" sldId="273"/>
+        </pc:sldMkLst>
+      </pc:sldChg>
+      <pc:sldChg chg="del">
+        <pc:chgData name="Weifeng Xu" userId="e7aed605-a3dd-4d5a-a692-a87037af107b" providerId="ADAL" clId="{30C724EF-4842-4D28-AD5E-F8ADBCCE7FC4}" dt="2025-05-02T14:26:34.833" v="11" actId="47"/>
+        <pc:sldMkLst>
+          <pc:docMk/>
+          <pc:sldMk cId="1313382436" sldId="274"/>
+        </pc:sldMkLst>
+      </pc:sldChg>
+      <pc:sldChg chg="del">
+        <pc:chgData name="Weifeng Xu" userId="e7aed605-a3dd-4d5a-a692-a87037af107b" providerId="ADAL" clId="{30C724EF-4842-4D28-AD5E-F8ADBCCE7FC4}" dt="2025-05-02T14:26:39.207" v="20" actId="47"/>
+        <pc:sldMkLst>
+          <pc:docMk/>
+          <pc:sldMk cId="4170236264" sldId="275"/>
+        </pc:sldMkLst>
+      </pc:sldChg>
+      <pc:sldChg chg="del">
+        <pc:chgData name="Weifeng Xu" userId="e7aed605-a3dd-4d5a-a692-a87037af107b" providerId="ADAL" clId="{30C724EF-4842-4D28-AD5E-F8ADBCCE7FC4}" dt="2025-05-02T14:26:35.754" v="16" actId="47"/>
+        <pc:sldMkLst>
+          <pc:docMk/>
+          <pc:sldMk cId="363184616" sldId="276"/>
+        </pc:sldMkLst>
+      </pc:sldChg>
+      <pc:sldChg chg="del">
+        <pc:chgData name="Weifeng Xu" userId="e7aed605-a3dd-4d5a-a692-a87037af107b" providerId="ADAL" clId="{30C724EF-4842-4D28-AD5E-F8ADBCCE7FC4}" dt="2025-05-02T14:26:37.362" v="18" actId="47"/>
+        <pc:sldMkLst>
+          <pc:docMk/>
+          <pc:sldMk cId="1572050356" sldId="277"/>
+        </pc:sldMkLst>
+      </pc:sldChg>
+    </pc:docChg>
+  </pc:docChgLst>
 </pc:chgInfo>
+</file>
+
+<file path=ppt/ink/ink1.xml><?xml version="1.0" encoding="utf-8"?>
+<inkml:ink xmlns:inkml="http://www.w3.org/2003/InkML">
+  <inkml:definitions>
+    <inkml:context xml:id="ctx0">
+      <inkml:inkSource xml:id="inkSrc0">
+        <inkml:traceFormat>
+          <inkml:channel name="X" type="integer" min="-2.14748E9" max="2.14748E9" units="cm"/>
+          <inkml:channel name="Y" type="integer" min="-2.14748E9" max="2.14748E9" units="cm"/>
+          <inkml:channel name="F" type="integer" max="32767" units="dev"/>
+        </inkml:traceFormat>
+        <inkml:channelProperties>
+          <inkml:channelProperty channel="X" name="resolution" value="1000" units="1/cm"/>
+          <inkml:channelProperty channel="Y" name="resolution" value="1000" units="1/cm"/>
+          <inkml:channelProperty channel="F" name="resolution" value="0" units="1/dev"/>
+        </inkml:channelProperties>
+      </inkml:inkSource>
+      <inkml:timestamp xml:id="ts0" timeString="2025-10-16T15:10:23.757"/>
+    </inkml:context>
+    <inkml:brush xml:id="br0">
+      <inkml:brushProperty name="width" value="0.035" units="cm"/>
+      <inkml:brushProperty name="height" value="0.035" units="cm"/>
+      <inkml:brushProperty name="color" value="#FF0066"/>
+    </inkml:brush>
+  </inkml:definitions>
+  <inkml:trace contextRef="#ctx0" brushRef="#br0">695 174 24575,'-16'-1'0,"1"0"0,-30-8 0,29 6 0,-1 0 0,-21-1 0,14 5 0,1 1 0,0 2 0,0 0 0,0 2 0,1 0 0,-37 16 0,30-11 0,-2-1 0,-52 10 0,61-15 0,-38 12 0,-8 1 0,65-17 0,1-1 0,-1 1 0,0-1 0,0 1 0,1 0 0,-1 0 0,1 0 0,-1 1 0,1-1 0,-1 1 0,1-1 0,0 1 0,0 0 0,-1 0 0,1-1 0,1 2 0,-1-1 0,0 0 0,0 0 0,1 1 0,-1-1 0,1 0 0,-2 5 0,2-1 0,0-1 0,0 1 0,0-1 0,1 1 0,0-1 0,0 1 0,1 0 0,-1-1 0,1 1 0,0-1 0,2 6 0,0 0 0,-1-2 0,0 1 0,0-1 0,1 0 0,0 0 0,1 0 0,0-1 0,0 1 0,1-1 0,0 0 0,0 0 0,1-1 0,8 9 0,56 46 0,-67-59 0,0 0 0,0 0 0,0 0 0,-1 1 0,0-1 0,0 1 0,0 0 0,0-1 0,0 1 0,-1 0 0,1 0 0,-1 0 0,1 5 0,-1-5 0,0 1 0,0-1 0,0 0 0,1 0 0,-1 0 0,1 0 0,0 0 0,1-1 0,-1 1 0,1 0 0,-1-1 0,6 5 0,8 4 0,0-1 0,28 14 0,-1-1 0,-19-8 0,1-1 0,1-2 0,1 0 0,38 12 0,162 50 0,-208-69 0,1-2 0,34 6 0,-13-4 0,-12-3 0,0 0 0,47-3 0,23 2 0,-41 8 0,-43-6 0,0-1 0,24 1 0,76-5 0,45 3 0,-102 8 0,-43-7 0,1 0 0,23 1 0,492-2 0,-258-4 0,-257 3 0,0 1 0,28 6 0,-27-5 0,1 1 0,19-1 0,77-4 0,47 3 0,-104 8 0,-41-7 0,0 0 0,22 1 0,268-3 0,-146-2 0,-135 2 0,46 9 0,-46-6 0,45 3 0,43 3 0,-75-5 0,44 1 0,485-7 0,-546 2 0,-1 1 0,29 6 0,-27-3 0,39 2 0,245-7 0,-146-1 0,-148 0 0,1 0 0,-1-1 0,0-1 0,-1 0 0,23-8 0,-20 6 0,0 0 0,0 1 0,21-3 0,21-3 0,14-2 0,-51 10 0,0-1 0,0-1 0,31-11 0,12-2 0,-31 9 0,0 3 0,0 0 0,44 0 0,-43 6 0,-18 1 0,0-2 0,0 0 0,25-3 0,-36 2 0,0 1 0,0-1 0,0 0 0,0 0 0,-1 0 0,1 0 0,0-1 0,0 1 0,-1-1 0,1 1 0,-1-1 0,1 0 0,-1 0 0,0 0 0,0-1 0,1 1 0,-2 0 0,1-1 0,0 1 0,0-1 0,-1 0 0,2-3 0,2-4 0,0-1 0,1 1 0,0 0 0,1 1 0,10-13 0,5-7 0,-16 21 0,-1-1 0,0 0 0,-1 0 0,0-1 0,0 1 0,-1-1 0,0 0 0,-1 0 0,0 0 0,1-19 0,-2 22 0,-1 0 0,0 0 0,-1 0 0,0 0 0,0 0 0,0 0 0,0 0 0,-1 1 0,-1-1 0,1 0 0,-1 1 0,0 0 0,0 0 0,-1-1 0,0 2 0,-6-9 0,-62-63 0,65 70 0,-1 1 0,0-1 0,0 2 0,-16-9 0,16 9 0,-1-1 0,1 1 0,-1-1 0,-13-14 0,12 11 0,0 0 0,-1 1 0,0 0 0,-1 1 0,1 0 0,-1 1 0,0 0 0,-1 0 0,-14-3 0,-46-22 0,61 23 0,0 0 0,-18-14 0,23 15 0,-1 0 0,0 1 0,-1 1 0,0-1 0,0 1 0,-17-6 0,-77-18 0,-7-18 0,66 33 0,-103-26 0,43 12 0,75 18 0,0 2 0,0 1 0,-55-5 0,71 11 0,-11 0 0,1-1 0,-32-6 0,18 2 0,-1 2 0,1 2 0,-74 4 0,26 0 0,65-2 0,0-1 0,0-1 0,-34-8 0,20 5 0,0 1 0,0 1 0,0 2 0,-40 4 0,-4-1 0,-600-2 0,657 1 0,1 1 0,-26 6 0,24-4 0,-37 2 0,-543-4 0,293-4 0,-30 2 0,314 1 0,-1 2 0,-29 6 0,21-2 0,-24 8-1365,43-12-5461</inkml:trace>
+</inkml:ink>
+</file>
+
+<file path=ppt/ink/ink2.xml><?xml version="1.0" encoding="utf-8"?>
+<inkml:ink xmlns:inkml="http://www.w3.org/2003/InkML">
+  <inkml:definitions>
+    <inkml:context xml:id="ctx0">
+      <inkml:inkSource xml:id="inkSrc0">
+        <inkml:traceFormat>
+          <inkml:channel name="X" type="integer" min="-2.14748E9" max="2.14748E9" units="cm"/>
+          <inkml:channel name="Y" type="integer" min="-2.14748E9" max="2.14748E9" units="cm"/>
+          <inkml:channel name="F" type="integer" max="32767" units="dev"/>
+        </inkml:traceFormat>
+        <inkml:channelProperties>
+          <inkml:channelProperty channel="X" name="resolution" value="1000" units="1/cm"/>
+          <inkml:channelProperty channel="Y" name="resolution" value="1000" units="1/cm"/>
+          <inkml:channelProperty channel="F" name="resolution" value="0" units="1/dev"/>
+        </inkml:channelProperties>
+      </inkml:inkSource>
+      <inkml:timestamp xml:id="ts0" timeString="2025-10-16T15:10:31.939"/>
+    </inkml:context>
+    <inkml:brush xml:id="br0">
+      <inkml:brushProperty name="width" value="0.035" units="cm"/>
+      <inkml:brushProperty name="height" value="0.035" units="cm"/>
+      <inkml:brushProperty name="color" value="#FF0066"/>
+    </inkml:brush>
+  </inkml:definitions>
+  <inkml:trace contextRef="#ctx0" brushRef="#br0">10332 0 24575,'1'8'0,"-1"-1"0,1 1 0,1-1 0,0 1 0,0-1 0,0 0 0,1 0 0,0 0 0,0 0 0,1 0 0,4 6 0,15 31 0,-9-5 0,16 77 0,-14-49 0,-6-27 0,-1 2 0,-2 0 0,2 68 0,-8-46 0,-3 62 0,-1-106 0,-1 0 0,0 0 0,-1 0 0,-13 28 0,-39 74 0,34-76 0,18-37 0,-1-1 0,1 0 0,-2 0 0,1 0 0,-1-1 0,-11 9 0,-21 24 0,-3 9 0,-51 47 0,73-77 0,-26 17 0,3-5 0,-29 23 0,58-44 0,-12 6 0,-55 24 0,26-13 0,-28 11 0,-131 43 0,-2-19 0,192-55 0,0-2 0,-35 3 0,-20 4 0,-87 34 0,40-10 0,83-26 0,-1-2 0,-50 3 0,64-7 0,-58 15 0,2 0 0,-132 19-126,53-12-615,-25-6 741,-55 14-599,44-4 613,62-9-14,1 0 724,79-12-521,31-4 55,-54 2 1,26-7-258,1-1 1,0 2 1,-67 11-1,71-5 12,-66 0-1,-41 5-330,94-2-250,0-2 1,-81 0 0,116-7 530,-51 8 0,-17 1 854,-106 3-411,-38 8-1408,111-11 1111,-15 2-251,77-5 717,-1-3 0,-89-5 0,46-1-436,-396 2-140,485 1 0,-1 2 0,-28 6 0,3-1 0,19-2 0,0 1 0,-30 12 0,28-8 0,-49 9 0,43-12 0,-40 14 0,54-14 0,-1 0 0,0-2 0,0-1 0,0-1 0,-31 1 0,42-5 0,0 1 0,0 1 0,1 0 0,-1 1 0,1 1 0,-20 7 0,21-7 0,-18 5 0,-1-2 0,-45 4 0,42-6 0,-59 15 0,57-9 0,0-1 0,-1-1 0,-1-2 0,1-2 0,-43 1 0,64-6 0,0 2 0,0 0 0,0 1 0,0 1 0,-21 7 0,-75 35 0,109-45 0,-22 10 0,1 2 0,-31 20 0,45-24 0,0 0 0,0 1 0,0 0 0,-14 22 0,15-20 0,0 0 0,-1-1 0,-21 19 0,-28 21 0,36-29 0,-2-1 0,-30 19 0,40-29 0,1 1 0,0-1 0,-23 26 0,22-20 0,-33 26 0,16-18 0,9-6 0,-1-1 0,-42 22 0,60-37 0,0 1 0,0-1 0,0 1 0,1 0 0,-1 1 0,1-1 0,0 1 0,0 0 0,1 0 0,0 0 0,0 1 0,-4 7 0,3-8 0,0 1 0,0 0 0,0-1 0,-1 0 0,0-1 0,0 1 0,0-1 0,0 0 0,-12 5 0,8-4 0,1 1 0,0-1 0,0 1 0,-8 8 0,-66 49 0,33-31 0,37-25 0,2 0 0,-22 18 0,-31 31 0,56-50 0,1-1 0,-1 0 0,-14 8 0,13-9 0,1 1 0,-1 0 0,-10 9 0,-7 10 0,17-14 0,-1-1 0,1-1 0,-2 0 0,1 0 0,-14 6 0,8-5 0,1 0 0,0 1 0,1 1 0,0 0 0,0 1 0,-11 14 0,12-14 0,0-2 0,-1 1 0,0-2 0,-1 0 0,-15 8 0,13-9 0,0 2 0,1 0 0,-26 21 0,36-26 0,-1 0 0,0 0 0,0-1 0,0 0 0,-1-1 0,-11 5 0,9-4 0,0 0 0,1 0 0,-14 9 0,-35 22 0,43-28 0,1 1 0,0 1 0,1 0 0,-14 12 0,-5 8 0,-33 35 0,57-54 0,-1-1 0,0 0 0,-1 0 0,1-1 0,-1 0 0,-1-1 0,-18 10 0,25-15 0,0 1 0,0 0 0,0 0 0,1 1 0,-1-1 0,1 1 0,0-1 0,0 1 0,0 0 0,0 0 0,-2 6 0,2-4 0,0-1 0,-1 0 0,0 0 0,0 0 0,0 0 0,-8 7 0,-13 6 0,-93 76 0,111-89 0,-16 15 0,-27 31 0,29-25 0,7-9 0,0-2 0,-24 23 0,30-30 0,0 0 0,1 0 0,-13 19 0,-12 13 0,-49 50 0,80-89 4,1 0 0,-1-1-1,1 1 1,-1 0 0,0-1 0,1 1-1,-1 0 1,0-1 0,1 1 0,-1-1-1,0 1 1,0-1 0,1 0 0,-1 1-1,0-1 1,0 0 0,0 1 0,0-1-1,1 0 1,-1 0 0,0 0 0,0 0-1,0 0 1,0 0 0,0 0 0,0 0-1,0 0 1,1 0 0,-1 0 0,0-1-1,-2 1 1,2-2-91,0 1-1,0 0 1,0 0 0,-1 0-1,1-1 1,0 1 0,1-1-1,-1 1 1,0-1-1,0 1 1,1-1 0,-1 1-1,0-1 1,1 0 0,0 1-1,-1-3 1,-1-11-6739</inkml:trace>
+</inkml:ink>
+</file>
+
+<file path=ppt/ink/ink3.xml><?xml version="1.0" encoding="utf-8"?>
+<inkml:ink xmlns:inkml="http://www.w3.org/2003/InkML">
+  <inkml:definitions>
+    <inkml:context xml:id="ctx0">
+      <inkml:inkSource xml:id="inkSrc0">
+        <inkml:traceFormat>
+          <inkml:channel name="X" type="integer" min="-2.14748E9" max="2.14748E9" units="cm"/>
+          <inkml:channel name="Y" type="integer" min="-2.14748E9" max="2.14748E9" units="cm"/>
+          <inkml:channel name="F" type="integer" max="32767" units="dev"/>
+        </inkml:traceFormat>
+        <inkml:channelProperties>
+          <inkml:channelProperty channel="X" name="resolution" value="1000" units="1/cm"/>
+          <inkml:channelProperty channel="Y" name="resolution" value="1000" units="1/cm"/>
+          <inkml:channelProperty channel="F" name="resolution" value="0" units="1/dev"/>
+        </inkml:channelProperties>
+      </inkml:inkSource>
+      <inkml:timestamp xml:id="ts0" timeString="2025-10-16T15:10:33.041"/>
+    </inkml:context>
+    <inkml:brush xml:id="br0">
+      <inkml:brushProperty name="width" value="0.035" units="cm"/>
+      <inkml:brushProperty name="height" value="0.035" units="cm"/>
+      <inkml:brushProperty name="color" value="#FF0066"/>
+    </inkml:brush>
+  </inkml:definitions>
+  <inkml:trace contextRef="#ctx0" brushRef="#br0">35 0 24575,'0'466'0,"-1"-455"0,0 0 0,-1 0 0,0 0 0,0 0 0,-8 18 0,-5 22 0,14-50 0,1 0 0,0 0 0,0 0 0,0 0 0,0 0 0,0 0 0,0 0 0,0 0 0,0 0 0,0 0 0,1 0 0,-1 0 0,0 0 0,1 0 0,-1 0 0,0 0 0,1 0 0,-1 0 0,1 0 0,0 0 0,-1 0 0,1 0 0,1 0 0,0 1 0,0-1 0,0 1 0,0-1 0,0 0 0,0 0 0,1 0 0,-1-1 0,0 1 0,1 0 0,2 0 0,8 0 0,1 0 0,-1-1 0,16-1 0,-16 0 0,309-1 0,-217 2 0,-67-4-1365,-25-1-5461</inkml:trace>
+</inkml:ink>
+</file>
+
+<file path=ppt/ink/ink4.xml><?xml version="1.0" encoding="utf-8"?>
+<inkml:ink xmlns:inkml="http://www.w3.org/2003/InkML">
+  <inkml:definitions>
+    <inkml:context xml:id="ctx0">
+      <inkml:inkSource xml:id="inkSrc0">
+        <inkml:traceFormat>
+          <inkml:channel name="X" type="integer" min="-2.14748E9" max="2.14748E9" units="cm"/>
+          <inkml:channel name="Y" type="integer" min="-2.14748E9" max="2.14748E9" units="cm"/>
+          <inkml:channel name="F" type="integer" max="32767" units="dev"/>
+        </inkml:traceFormat>
+        <inkml:channelProperties>
+          <inkml:channelProperty channel="X" name="resolution" value="1000" units="1/cm"/>
+          <inkml:channelProperty channel="Y" name="resolution" value="1000" units="1/cm"/>
+          <inkml:channelProperty channel="F" name="resolution" value="0" units="1/dev"/>
+        </inkml:channelProperties>
+      </inkml:inkSource>
+      <inkml:timestamp xml:id="ts0" timeString="2025-10-16T15:10:51.929"/>
+    </inkml:context>
+    <inkml:brush xml:id="br0">
+      <inkml:brushProperty name="width" value="0.035" units="cm"/>
+      <inkml:brushProperty name="height" value="0.035" units="cm"/>
+      <inkml:brushProperty name="color" value="#FF0066"/>
+    </inkml:brush>
+  </inkml:definitions>
+  <inkml:trace contextRef="#ctx0" brushRef="#br0">0 2685 24575,'19'0'0,"-1"-1"0,1 0 0,-1 0 0,0-1 0,0-1 0,22-4 0,-8 2 0,48-5 0,11-1 0,-79 8 0,0 1 0,-1-2 0,0 1 0,0-1 0,0 0 0,0 0 0,17-9 0,9-5 0,-24 14 0,0-1 0,23-5 0,-24 7 0,1 0 0,-1-1 0,20-8 0,5-4 0,61-19 0,-19 8 0,-51 16 0,0 0 0,24-15 0,-34 15 0,-2 0 0,0-1 0,-2-1 0,0 0 0,-1 0 0,10-16 0,19-18 0,-28 32 0,-2-1 0,14-25 0,-16 23 0,1 0 0,17-16 0,19-28 0,-3-17 0,-34 65 0,-7 10 0,-1 0 0,2 0 0,-1 0 0,1 0 0,0 0 0,6-4 0,-2 2 0,-1-1 0,0 1 0,-1-1 0,0 1 0,-1-1 0,0 0 0,-1 0 0,0-1 0,-1 1 0,-1 0 0,0-1 0,0-10 0,1 8 0,1 1 0,0 0 0,1 0 0,13-17 0,5-8 0,-16 23 0,2-5 0,0 0 0,-2-1 0,-1 0 0,4-27 0,-9 34 0,8-22 0,-5 21 0,3-20 0,-7 17 0,2 1 0,8-25 0,-6 25 0,-1-1 0,1-13 0,-3 14 0,1-1 0,5-13 0,-3 15 0,-2 0 0,1-24 0,-3 24 0,1-1 0,6-18 0,1-1 0,-3 1 0,-2-1 0,-5-43 0,0 16 0,2-181 0,1 230 0,1 1 0,6-16 0,-4 15 0,-1 0 0,1-11 0,-3-201 0,-3 107 0,3 106 0,1 0 0,0 1 0,4-10 0,-2 9 0,-1 0 0,2-13 0,-5-153 0,-1 85 0,1 90 0,1-1 0,-1 1 0,0 0 0,0-1 0,0 1 0,0-1 0,0 1 0,0 0 0,0-1 0,0 1 0,0 0 0,0-1 0,0 1 0,0 0 0,-1-1 0,1 1 0,0 0 0,0-1 0,-1 1 0,1 0 0,0-1 0,-1 1 0,1 0 0,0-1 0,-1 1 0,1 0 0,-1 0 0,1-1 0,-1 1 0,1 0 0,-1 0 0,1 0 0,-1-1 0,0 1 0,1 0 0,-1 0 0,1 0 0,-1 0 0,0 0 0,1 0 0,-1 0 0,0 0 0,1 0 0,-1 0 0,1 0 0,-1 0 0,0 0 0,1 0 0,-1 0 0,0 0 0,1 0 0,-1 0 0,1 0 0,-1 0 0,0 1 0,1-1 0,-1 0 0,1 0 0,-1 0 0,0 1 0,-41 17 0,32-13 0,-134 61 0,136-63 0,0-1 0,-1 1 0,1-1 0,-14 3 0,14-3 0,0 0 0,0 0 0,0 0 0,1 1 0,-15 5 0,-72 32 0,86-37 0,0 1 0,0-1 0,0 0 0,-1-1 0,0 1 0,-14 2 0,13-3 0,0 1 0,0-1 0,1 1 0,-16 6 0,24-9-3,0 1-1,0-1 0,0 0 1,0 1-1,1-1 0,-1 1 1,0-1-1,0 0 0,1 1 1,-1-1-1,1 1 0,-1-1 1,0 1-1,1-1 0,0 1 1,-1 0-1,1-1 0,0 1 1,-1-1-1,1 1 0,0 1 1,0-2 12,0 0 0,1 1 0,-1-1 0,1 1 0,-1-1 0,1 0 1,-1 1-1,1-1 0,-1 0 0,1 1 0,-1-1 0,1 0 0,0 0 0,-1 1 0,1-1 0,0 0 1,-1 0-1,1 1 0,0-1 0,0 0 0,1 0 0,2 1-174,0-1 0,1 1 0,-1-1 0,1 0 0,0 1 0,-1-1 0,1 0 0,7-1 0,3-2-6661</inkml:trace>
+</inkml:ink>
+</file>
+
+<file path=ppt/ink/ink5.xml><?xml version="1.0" encoding="utf-8"?>
+<inkml:ink xmlns:inkml="http://www.w3.org/2003/InkML">
+  <inkml:definitions>
+    <inkml:context xml:id="ctx0">
+      <inkml:inkSource xml:id="inkSrc0">
+        <inkml:traceFormat>
+          <inkml:channel name="X" type="integer" min="-2.14748E9" max="2.14748E9" units="cm"/>
+          <inkml:channel name="Y" type="integer" min="-2.14748E9" max="2.14748E9" units="cm"/>
+          <inkml:channel name="F" type="integer" max="32767" units="dev"/>
+        </inkml:traceFormat>
+        <inkml:channelProperties>
+          <inkml:channelProperty channel="X" name="resolution" value="1000" units="1/cm"/>
+          <inkml:channelProperty channel="Y" name="resolution" value="1000" units="1/cm"/>
+          <inkml:channelProperty channel="F" name="resolution" value="0" units="1/dev"/>
+        </inkml:channelProperties>
+      </inkml:inkSource>
+      <inkml:timestamp xml:id="ts0" timeString="2025-10-16T15:10:52.835"/>
+    </inkml:context>
+    <inkml:brush xml:id="br0">
+      <inkml:brushProperty name="width" value="0.035" units="cm"/>
+      <inkml:brushProperty name="height" value="0.035" units="cm"/>
+      <inkml:brushProperty name="color" value="#FF0066"/>
+    </inkml:brush>
+  </inkml:definitions>
+  <inkml:trace contextRef="#ctx0" brushRef="#br0">0 0 24575,'6'1'0,"0"0"0,-1 1 0,1-1 0,-1 1 0,0-1 0,0 1 0,7 3 0,-8-4 0,49 23 0,-37-17 0,0 0 0,0 0 0,34 9 0,7 2 0,-37-11 0,36 8 0,-18-6 0,-25-6 0,1 0 0,-1 0 0,1 0 0,0-1 0,1 0 0,-1-1 0,21 1 0,-28-2-105,1 0 0,-1 0 0,0 0 0,1 1 0,-1-1 0,0 1 0,0 0 0,0 0 0,0 1 0,0-1 0,0 1 0,9 3 0,-5-1-6721</inkml:trace>
+</inkml:ink>
+</file>
+
+<file path=ppt/ink/ink6.xml><?xml version="1.0" encoding="utf-8"?>
+<inkml:ink xmlns:inkml="http://www.w3.org/2003/InkML">
+  <inkml:definitions>
+    <inkml:context xml:id="ctx0">
+      <inkml:inkSource xml:id="inkSrc0">
+        <inkml:traceFormat>
+          <inkml:channel name="X" type="integer" min="-2.14748E9" max="2.14748E9" units="cm"/>
+          <inkml:channel name="Y" type="integer" min="-2.14748E9" max="2.14748E9" units="cm"/>
+          <inkml:channel name="F" type="integer" max="32767" units="dev"/>
+        </inkml:traceFormat>
+        <inkml:channelProperties>
+          <inkml:channelProperty channel="X" name="resolution" value="1000" units="1/cm"/>
+          <inkml:channelProperty channel="Y" name="resolution" value="1000" units="1/cm"/>
+          <inkml:channelProperty channel="F" name="resolution" value="0" units="1/dev"/>
+        </inkml:channelProperties>
+      </inkml:inkSource>
+      <inkml:timestamp xml:id="ts0" timeString="2025-10-16T15:12:40.551"/>
+    </inkml:context>
+    <inkml:brush xml:id="br0">
+      <inkml:brushProperty name="width" value="0.035" units="cm"/>
+      <inkml:brushProperty name="height" value="0.035" units="cm"/>
+      <inkml:brushProperty name="color" value="#FF0066"/>
+    </inkml:brush>
+  </inkml:definitions>
+  <inkml:trace contextRef="#ctx0" brushRef="#br0">0 1 24575,'7'0'0,"0"0"0,0 0 0,0 1 0,-1 0 0,1 0 0,0 0 0,0 1 0,-1 0 0,0 1 0,1-1 0,-1 1 0,0 1 0,0-1 0,0 1 0,-1 0 0,1 0 0,-1 0 0,0 1 0,5 5 0,12 10 0,2-1 0,0-1 0,2-1 0,0-1 0,0-2 0,55 22 0,-52-22 0,-1 0 0,37 26 0,-58-35 0,0 0 0,1-1 0,0 0 0,-1 0 0,1-1 0,1 0 0,-1 0 0,0-1 0,14 2 0,-17-3 0,0 1 0,0 0 0,0 0 0,0 0 0,-1 1 0,1 0 0,0 0 0,-1 0 0,0 0 0,0 1 0,6 6 0,-5-5 0,0-1 0,0 1 0,0-1 0,1 0 0,-1 0 0,1-1 0,10 5 0,76 31 0,-36-13 0,-41-20 0,0 0 0,1-1 0,0-1 0,20 3 0,7 2 55,20 2-1475,-45-10-5406</inkml:trace>
+</inkml:ink>
+</file>
+
+<file path=ppt/ink/ink7.xml><?xml version="1.0" encoding="utf-8"?>
+<inkml:ink xmlns:inkml="http://www.w3.org/2003/InkML">
+  <inkml:definitions>
+    <inkml:context xml:id="ctx0">
+      <inkml:inkSource xml:id="inkSrc0">
+        <inkml:traceFormat>
+          <inkml:channel name="X" type="integer" min="-2.14748E9" max="2.14748E9" units="cm"/>
+          <inkml:channel name="Y" type="integer" min="-2.14748E9" max="2.14748E9" units="cm"/>
+          <inkml:channel name="F" type="integer" max="32767" units="dev"/>
+        </inkml:traceFormat>
+        <inkml:channelProperties>
+          <inkml:channelProperty channel="X" name="resolution" value="1000" units="1/cm"/>
+          <inkml:channelProperty channel="Y" name="resolution" value="1000" units="1/cm"/>
+          <inkml:channelProperty channel="F" name="resolution" value="0" units="1/dev"/>
+        </inkml:channelProperties>
+      </inkml:inkSource>
+      <inkml:timestamp xml:id="ts0" timeString="2025-10-16T15:12:41.494"/>
+    </inkml:context>
+    <inkml:brush xml:id="br0">
+      <inkml:brushProperty name="width" value="0.035" units="cm"/>
+      <inkml:brushProperty name="height" value="0.035" units="cm"/>
+      <inkml:brushProperty name="color" value="#FF0066"/>
+    </inkml:brush>
+  </inkml:definitions>
+  <inkml:trace contextRef="#ctx0" brushRef="#br0">27 0 24575,'4'1'0,"0"0"0,0 0 0,0 1 0,-1-1 0,1 1 0,0 0 0,-1 0 0,1 0 0,-1 0 0,0 1 0,0 0 0,0-1 0,0 1 0,0 0 0,4 7 0,22 18 0,-15-18 0,-1 1 0,0 1 0,-1 0 0,0 1 0,-1 0 0,10 16 0,-17-23 0,3 2 0,1-1 0,-1 0 0,1 0 0,0 0 0,11 6 0,25 22 0,-20-11 0,2-1 0,30 21 0,-46-38 0,0 2 0,-1-1 0,0 2 0,0-1 0,14 19 0,-23-26 0,0 0 0,0 0 0,0 0 0,0 0 0,0 0 0,0 0 0,0 0 0,0 0 0,0-1 0,0 1 0,-1 0 0,1 0 0,0 0 0,-1 0 0,1 0 0,-1 0 0,1 0 0,-1-1 0,1 1 0,-1 0 0,1 0 0,-1-1 0,0 1 0,0 0 0,1-1 0,-1 1 0,0-1 0,0 1 0,-1 0 0,-26 15 0,15-12 0,0 0 0,-22 3 0,26-6 0,1 0 0,-1 1 0,1 0 0,0 0 0,0 1 0,0 0 0,0 0 0,0 1 0,-12 9 0,-69 49 0,79-55 0,-2-2 0,1 0 0,0 0 0,-1-1 0,-23 6 0,-28 9 0,22 2-1365,29-15-5461</inkml:trace>
+</inkml:ink>
+</file>
+
+<file path=ppt/ink/ink8.xml><?xml version="1.0" encoding="utf-8"?>
+<inkml:ink xmlns:inkml="http://www.w3.org/2003/InkML">
+  <inkml:definitions>
+    <inkml:context xml:id="ctx0">
+      <inkml:inkSource xml:id="inkSrc0">
+        <inkml:traceFormat>
+          <inkml:channel name="X" type="integer" min="-2.14748E9" max="2.14748E9" units="cm"/>
+          <inkml:channel name="Y" type="integer" min="-2.14748E9" max="2.14748E9" units="cm"/>
+          <inkml:channel name="F" type="integer" max="32767" units="dev"/>
+        </inkml:traceFormat>
+        <inkml:channelProperties>
+          <inkml:channelProperty channel="X" name="resolution" value="1000" units="1/cm"/>
+          <inkml:channelProperty channel="Y" name="resolution" value="1000" units="1/cm"/>
+          <inkml:channelProperty channel="F" name="resolution" value="0" units="1/dev"/>
+        </inkml:channelProperties>
+      </inkml:inkSource>
+      <inkml:timestamp xml:id="ts0" timeString="2025-10-16T15:12:44.109"/>
+    </inkml:context>
+    <inkml:brush xml:id="br0">
+      <inkml:brushProperty name="width" value="0.035" units="cm"/>
+      <inkml:brushProperty name="height" value="0.035" units="cm"/>
+      <inkml:brushProperty name="color" value="#FF0066"/>
+    </inkml:brush>
+  </inkml:definitions>
+  <inkml:trace contextRef="#ctx0" brushRef="#br0">400 1500 24575,'6'-1'0,"0"0"0,0 0 0,0-1 0,0 1 0,0-1 0,-1-1 0,1 1 0,-1-1 0,0 0 0,10-7 0,46-41 0,-49 40 0,-2 0 0,1-1 0,-2-1 0,1 0 0,-2 0 0,0 0 0,0-1 0,-1 0 0,8-25 0,5-11 0,-16 42 0,0-1 0,0 1 0,-1-1 0,0 0 0,-1 0 0,3-17 0,-4-8 0,-2 1 0,-2 0 0,-11-60 0,14 91 0,-7-66 0,5 44 0,-7-36 0,3 22 0,2 0 0,2 0 0,4-72 0,0 25 0,-2-398 0,0 486 0,0 1 0,-1-1 0,0 0 0,1 1 0,-1-1 0,0 0 0,-1 0 0,1 0 0,-1 1 0,1-1 0,-1-1 0,-4 6 0,-32 33 0,30-34 0,1 0 0,0 1 0,0 0 0,-6 10 0,1 2 0,-1-1 0,0 0 0,-21 22 0,-64 84 0,75-100 0,-34 46 0,42-52 0,-1 0 0,-31 27 0,6-7 0,-42 37 0,73-68 0,6-3 0,0 0 0,-1-1 0,1 0 0,-1 0 0,0 0 0,-1-1 0,1 1 0,0-1 0,-11 4 0,8-10-1365,3-3-5461</inkml:trace>
+</inkml:ink>
+</file>
+
+<file path=ppt/ink/ink9.xml><?xml version="1.0" encoding="utf-8"?>
+<inkml:ink xmlns:inkml="http://www.w3.org/2003/InkML">
+  <inkml:definitions>
+    <inkml:context xml:id="ctx0">
+      <inkml:inkSource xml:id="inkSrc0">
+        <inkml:traceFormat>
+          <inkml:channel name="X" type="integer" min="-2.14748E9" max="2.14748E9" units="cm"/>
+          <inkml:channel name="Y" type="integer" min="-2.14748E9" max="2.14748E9" units="cm"/>
+          <inkml:channel name="F" type="integer" max="32767" units="dev"/>
+        </inkml:traceFormat>
+        <inkml:channelProperties>
+          <inkml:channelProperty channel="X" name="resolution" value="1000" units="1/cm"/>
+          <inkml:channelProperty channel="Y" name="resolution" value="1000" units="1/cm"/>
+          <inkml:channelProperty channel="F" name="resolution" value="0" units="1/dev"/>
+        </inkml:channelProperties>
+      </inkml:inkSource>
+      <inkml:timestamp xml:id="ts0" timeString="2025-10-16T15:12:44.865"/>
+    </inkml:context>
+    <inkml:brush xml:id="br0">
+      <inkml:brushProperty name="width" value="0.035" units="cm"/>
+      <inkml:brushProperty name="height" value="0.035" units="cm"/>
+      <inkml:brushProperty name="color" value="#FF0066"/>
+    </inkml:brush>
+  </inkml:definitions>
+  <inkml:trace contextRef="#ctx0" brushRef="#br0">0 1 24575,'21'0'0,"-1"0"0,0 1 0,1 2 0,-1 0 0,0 1 0,0 1 0,21 8 0,-15-4 0,-1 0 0,1-2 0,32 4 0,-31-6 0,1 1 0,-1 1 0,0 2 0,0 0 0,-1 2 0,45 26 0,-40-21 0,1-1 0,42 13 0,5 2 0,-70-27-273,0 0 0,0 0 0,1-1 0,11 2 0,-3-2-6553</inkml:trace>
+</inkml:ink>
 </file>
 
 <file path=ppt/notesMasters/notesMaster1.xml><?xml version="1.0" encoding="utf-8"?>
@@ -3108,7 +3360,7 @@
           <a:p>
             <a:fld id="{2A59A54D-A59E-4D85-AEC9-D5AFF867AB55}" type="datetimeFigureOut">
               <a:rPr lang="en-US" smtClean="0"/>
-              <a:t>5/13/2025</a:t>
+              <a:t>10/16/2025</a:t>
             </a:fld>
             <a:endParaRPr lang="en-US"/>
           </a:p>
@@ -4169,7 +4421,7 @@
           <a:p>
             <a:fld id="{4263717A-E3C1-4BED-ABE0-B7069385E023}" type="datetimeFigureOut">
               <a:rPr lang="en-US" smtClean="0"/>
-              <a:t>5/13/2025</a:t>
+              <a:t>10/16/2025</a:t>
             </a:fld>
             <a:endParaRPr lang="en-US"/>
           </a:p>
@@ -4342,7 +4594,7 @@
           <a:p>
             <a:fld id="{4263717A-E3C1-4BED-ABE0-B7069385E023}" type="datetimeFigureOut">
               <a:rPr lang="en-US" smtClean="0"/>
-              <a:t>5/13/2025</a:t>
+              <a:t>10/16/2025</a:t>
             </a:fld>
             <a:endParaRPr lang="en-US"/>
           </a:p>
@@ -4520,7 +4772,7 @@
           <a:p>
             <a:fld id="{4263717A-E3C1-4BED-ABE0-B7069385E023}" type="datetimeFigureOut">
               <a:rPr lang="en-US" smtClean="0"/>
-              <a:t>5/13/2025</a:t>
+              <a:t>10/16/2025</a:t>
             </a:fld>
             <a:endParaRPr lang="en-US"/>
           </a:p>
@@ -4688,7 +4940,7 @@
           <a:p>
             <a:fld id="{4263717A-E3C1-4BED-ABE0-B7069385E023}" type="datetimeFigureOut">
               <a:rPr lang="en-US" smtClean="0"/>
-              <a:t>5/13/2025</a:t>
+              <a:t>10/16/2025</a:t>
             </a:fld>
             <a:endParaRPr lang="en-US"/>
           </a:p>
@@ -4933,7 +5185,7 @@
           <a:p>
             <a:fld id="{4263717A-E3C1-4BED-ABE0-B7069385E023}" type="datetimeFigureOut">
               <a:rPr lang="en-US" smtClean="0"/>
-              <a:t>5/13/2025</a:t>
+              <a:t>10/16/2025</a:t>
             </a:fld>
             <a:endParaRPr lang="en-US"/>
           </a:p>
@@ -5162,7 +5414,7 @@
           <a:p>
             <a:fld id="{4263717A-E3C1-4BED-ABE0-B7069385E023}" type="datetimeFigureOut">
               <a:rPr lang="en-US" smtClean="0"/>
-              <a:t>5/13/2025</a:t>
+              <a:t>10/16/2025</a:t>
             </a:fld>
             <a:endParaRPr lang="en-US"/>
           </a:p>
@@ -5526,7 +5778,7 @@
           <a:p>
             <a:fld id="{4263717A-E3C1-4BED-ABE0-B7069385E023}" type="datetimeFigureOut">
               <a:rPr lang="en-US" smtClean="0"/>
-              <a:t>5/13/2025</a:t>
+              <a:t>10/16/2025</a:t>
             </a:fld>
             <a:endParaRPr lang="en-US"/>
           </a:p>
@@ -5643,7 +5895,7 @@
           <a:p>
             <a:fld id="{4263717A-E3C1-4BED-ABE0-B7069385E023}" type="datetimeFigureOut">
               <a:rPr lang="en-US" smtClean="0"/>
-              <a:t>5/13/2025</a:t>
+              <a:t>10/16/2025</a:t>
             </a:fld>
             <a:endParaRPr lang="en-US"/>
           </a:p>
@@ -5738,7 +5990,7 @@
           <a:p>
             <a:fld id="{4263717A-E3C1-4BED-ABE0-B7069385E023}" type="datetimeFigureOut">
               <a:rPr lang="en-US" smtClean="0"/>
-              <a:t>5/13/2025</a:t>
+              <a:t>10/16/2025</a:t>
             </a:fld>
             <a:endParaRPr lang="en-US"/>
           </a:p>
@@ -6013,7 +6265,7 @@
           <a:p>
             <a:fld id="{4263717A-E3C1-4BED-ABE0-B7069385E023}" type="datetimeFigureOut">
               <a:rPr lang="en-US" smtClean="0"/>
-              <a:t>5/13/2025</a:t>
+              <a:t>10/16/2025</a:t>
             </a:fld>
             <a:endParaRPr lang="en-US"/>
           </a:p>
@@ -6265,7 +6517,7 @@
           <a:p>
             <a:fld id="{4263717A-E3C1-4BED-ABE0-B7069385E023}" type="datetimeFigureOut">
               <a:rPr lang="en-US" smtClean="0"/>
-              <a:t>5/13/2025</a:t>
+              <a:t>10/16/2025</a:t>
             </a:fld>
             <a:endParaRPr lang="en-US"/>
           </a:p>
@@ -6484,7 +6736,7 @@
           <a:p>
             <a:fld id="{4263717A-E3C1-4BED-ABE0-B7069385E023}" type="datetimeFigureOut">
               <a:rPr lang="en-US" smtClean="0"/>
-              <a:t>5/13/2025</a:t>
+              <a:t>10/16/2025</a:t>
             </a:fld>
             <a:endParaRPr lang="en-US"/>
           </a:p>
@@ -7540,7 +7792,7 @@
         </p:blipFill>
         <p:spPr bwMode="auto">
           <a:xfrm>
-            <a:off x="0" y="2251075"/>
+            <a:off x="0" y="1073150"/>
             <a:ext cx="12192000" cy="2355850"/>
           </a:xfrm>
           <a:prstGeom prst="rect">
@@ -7558,6 +7810,639 @@
           </a:extLst>
         </p:spPr>
       </p:pic>
+      <p:pic>
+        <p:nvPicPr>
+          <p:cNvPr id="3" name="Picture 2">
+            <a:extLst>
+              <a:ext uri="{FF2B5EF4-FFF2-40B4-BE49-F238E27FC236}">
+                <a16:creationId xmlns:a16="http://schemas.microsoft.com/office/drawing/2014/main" id="{8B0511C3-D5DA-2F35-F4C7-D39A74809F24}"/>
+              </a:ext>
+            </a:extLst>
+          </p:cNvPr>
+          <p:cNvPicPr>
+            <a:picLocks noChangeAspect="1"/>
+          </p:cNvPicPr>
+          <p:nvPr/>
+        </p:nvPicPr>
+        <p:blipFill>
+          <a:blip r:embed="rId4"/>
+          <a:stretch>
+            <a:fillRect/>
+          </a:stretch>
+        </p:blipFill>
+        <p:spPr>
+          <a:xfrm>
+            <a:off x="961226" y="3770955"/>
+            <a:ext cx="5243478" cy="2491069"/>
+          </a:xfrm>
+          <a:prstGeom prst="rect">
+            <a:avLst/>
+          </a:prstGeom>
+        </p:spPr>
+      </p:pic>
+      <p:pic>
+        <p:nvPicPr>
+          <p:cNvPr id="5" name="Picture 4">
+            <a:extLst>
+              <a:ext uri="{FF2B5EF4-FFF2-40B4-BE49-F238E27FC236}">
+                <a16:creationId xmlns:a16="http://schemas.microsoft.com/office/drawing/2014/main" id="{2ED07ECD-B4BD-B33B-37E8-733B59F916F2}"/>
+              </a:ext>
+            </a:extLst>
+          </p:cNvPr>
+          <p:cNvPicPr>
+            <a:picLocks noChangeAspect="1"/>
+          </p:cNvPicPr>
+          <p:nvPr/>
+        </p:nvPicPr>
+        <p:blipFill>
+          <a:blip r:embed="rId5"/>
+          <a:stretch>
+            <a:fillRect/>
+          </a:stretch>
+        </p:blipFill>
+        <p:spPr>
+          <a:xfrm>
+            <a:off x="6848608" y="5172973"/>
+            <a:ext cx="5026988" cy="1414746"/>
+          </a:xfrm>
+          <a:prstGeom prst="rect">
+            <a:avLst/>
+          </a:prstGeom>
+        </p:spPr>
+      </p:pic>
+      <mc:AlternateContent xmlns:mc="http://schemas.openxmlformats.org/markup-compatibility/2006">
+        <mc:Choice xmlns:p14="http://schemas.microsoft.com/office/powerpoint/2010/main" Requires="p14">
+          <p:contentPart p14:bwMode="auto" r:id="rId6">
+            <p14:nvContentPartPr>
+              <p14:cNvPr id="7" name="Ink 6">
+                <a:extLst>
+                  <a:ext uri="{FF2B5EF4-FFF2-40B4-BE49-F238E27FC236}">
+                    <a16:creationId xmlns:a16="http://schemas.microsoft.com/office/drawing/2014/main" id="{050D5A24-6985-9447-3D8D-D64C65F9731B}"/>
+                  </a:ext>
+                </a:extLst>
+              </p14:cNvPr>
+              <p14:cNvContentPartPr/>
+              <p14:nvPr/>
+            </p14:nvContentPartPr>
+            <p14:xfrm>
+              <a:off x="3231960" y="4402620"/>
+              <a:ext cx="2149560" cy="398880"/>
+            </p14:xfrm>
+          </p:contentPart>
+        </mc:Choice>
+        <mc:Fallback>
+          <p:pic>
+            <p:nvPicPr>
+              <p:cNvPr id="7" name="Ink 6">
+                <a:extLst>
+                  <a:ext uri="{FF2B5EF4-FFF2-40B4-BE49-F238E27FC236}">
+                    <a16:creationId xmlns:a16="http://schemas.microsoft.com/office/drawing/2014/main" id="{050D5A24-6985-9447-3D8D-D64C65F9731B}"/>
+                  </a:ext>
+                </a:extLst>
+              </p:cNvPr>
+              <p:cNvPicPr/>
+              <p:nvPr/>
+            </p:nvPicPr>
+            <p:blipFill>
+              <a:blip r:embed="rId7"/>
+              <a:stretch>
+                <a:fillRect/>
+              </a:stretch>
+            </p:blipFill>
+            <p:spPr>
+              <a:xfrm>
+                <a:off x="3225840" y="4396500"/>
+                <a:ext cx="2161800" cy="411120"/>
+              </a:xfrm>
+              <a:prstGeom prst="rect">
+                <a:avLst/>
+              </a:prstGeom>
+            </p:spPr>
+          </p:pic>
+        </mc:Fallback>
+      </mc:AlternateContent>
+      <p:grpSp>
+        <p:nvGrpSpPr>
+          <p:cNvPr id="10" name="Group 9">
+            <a:extLst>
+              <a:ext uri="{FF2B5EF4-FFF2-40B4-BE49-F238E27FC236}">
+                <a16:creationId xmlns:a16="http://schemas.microsoft.com/office/drawing/2014/main" id="{66D86E61-19C4-0B40-DA76-5A4A79898F99}"/>
+              </a:ext>
+            </a:extLst>
+          </p:cNvPr>
+          <p:cNvGrpSpPr/>
+          <p:nvPr/>
+        </p:nvGrpSpPr>
+        <p:grpSpPr>
+          <a:xfrm>
+            <a:off x="4879320" y="2560500"/>
+            <a:ext cx="3792960" cy="1784880"/>
+            <a:chOff x="4879320" y="2560500"/>
+            <a:chExt cx="3792960" cy="1784880"/>
+          </a:xfrm>
+        </p:grpSpPr>
+        <mc:AlternateContent xmlns:mc="http://schemas.openxmlformats.org/markup-compatibility/2006">
+          <mc:Choice xmlns:p14="http://schemas.microsoft.com/office/powerpoint/2010/main" Requires="p14">
+            <p:contentPart p14:bwMode="auto" r:id="rId8">
+              <p14:nvContentPartPr>
+                <p14:cNvPr id="8" name="Ink 7">
+                  <a:extLst>
+                    <a:ext uri="{FF2B5EF4-FFF2-40B4-BE49-F238E27FC236}">
+                      <a16:creationId xmlns:a16="http://schemas.microsoft.com/office/drawing/2014/main" id="{CF8F205F-799F-724C-44B9-C0BD66ED1853}"/>
+                    </a:ext>
+                  </a:extLst>
+                </p14:cNvPr>
+                <p14:cNvContentPartPr/>
+                <p14:nvPr/>
+              </p14:nvContentPartPr>
+              <p14:xfrm>
+                <a:off x="4898760" y="2560500"/>
+                <a:ext cx="3773520" cy="1718280"/>
+              </p14:xfrm>
+            </p:contentPart>
+          </mc:Choice>
+          <mc:Fallback>
+            <p:pic>
+              <p:nvPicPr>
+                <p:cNvPr id="8" name="Ink 7">
+                  <a:extLst>
+                    <a:ext uri="{FF2B5EF4-FFF2-40B4-BE49-F238E27FC236}">
+                      <a16:creationId xmlns:a16="http://schemas.microsoft.com/office/drawing/2014/main" id="{CF8F205F-799F-724C-44B9-C0BD66ED1853}"/>
+                    </a:ext>
+                  </a:extLst>
+                </p:cNvPr>
+                <p:cNvPicPr/>
+                <p:nvPr/>
+              </p:nvPicPr>
+              <p:blipFill>
+                <a:blip r:embed="rId9"/>
+                <a:stretch>
+                  <a:fillRect/>
+                </a:stretch>
+              </p:blipFill>
+              <p:spPr>
+                <a:xfrm>
+                  <a:off x="4892640" y="2554020"/>
+                  <a:ext cx="3785760" cy="1730520"/>
+                </a:xfrm>
+                <a:prstGeom prst="rect">
+                  <a:avLst/>
+                </a:prstGeom>
+              </p:spPr>
+            </p:pic>
+          </mc:Fallback>
+        </mc:AlternateContent>
+        <mc:AlternateContent xmlns:mc="http://schemas.openxmlformats.org/markup-compatibility/2006">
+          <mc:Choice xmlns:p14="http://schemas.microsoft.com/office/powerpoint/2010/main" Requires="p14">
+            <p:contentPart p14:bwMode="auto" r:id="rId10">
+              <p14:nvContentPartPr>
+                <p14:cNvPr id="9" name="Ink 8">
+                  <a:extLst>
+                    <a:ext uri="{FF2B5EF4-FFF2-40B4-BE49-F238E27FC236}">
+                      <a16:creationId xmlns:a16="http://schemas.microsoft.com/office/drawing/2014/main" id="{0DFB6BE2-E0DE-0D05-1272-38E64EE6CCE7}"/>
+                    </a:ext>
+                  </a:extLst>
+                </p14:cNvPr>
+                <p14:cNvContentPartPr/>
+                <p14:nvPr/>
+              </p14:nvContentPartPr>
+              <p14:xfrm>
+                <a:off x="4879320" y="4114980"/>
+                <a:ext cx="214920" cy="230400"/>
+              </p14:xfrm>
+            </p:contentPart>
+          </mc:Choice>
+          <mc:Fallback>
+            <p:pic>
+              <p:nvPicPr>
+                <p:cNvPr id="9" name="Ink 8">
+                  <a:extLst>
+                    <a:ext uri="{FF2B5EF4-FFF2-40B4-BE49-F238E27FC236}">
+                      <a16:creationId xmlns:a16="http://schemas.microsoft.com/office/drawing/2014/main" id="{0DFB6BE2-E0DE-0D05-1272-38E64EE6CCE7}"/>
+                    </a:ext>
+                  </a:extLst>
+                </p:cNvPr>
+                <p:cNvPicPr/>
+                <p:nvPr/>
+              </p:nvPicPr>
+              <p:blipFill>
+                <a:blip r:embed="rId11"/>
+                <a:stretch>
+                  <a:fillRect/>
+                </a:stretch>
+              </p:blipFill>
+              <p:spPr>
+                <a:xfrm>
+                  <a:off x="4873200" y="4108500"/>
+                  <a:ext cx="227160" cy="242640"/>
+                </a:xfrm>
+                <a:prstGeom prst="rect">
+                  <a:avLst/>
+                </a:prstGeom>
+              </p:spPr>
+            </p:pic>
+          </mc:Fallback>
+        </mc:AlternateContent>
+      </p:grpSp>
+      <p:grpSp>
+        <p:nvGrpSpPr>
+          <p:cNvPr id="18" name="Group 17">
+            <a:extLst>
+              <a:ext uri="{FF2B5EF4-FFF2-40B4-BE49-F238E27FC236}">
+                <a16:creationId xmlns:a16="http://schemas.microsoft.com/office/drawing/2014/main" id="{87BC0D8B-6DB4-910E-53DD-2A74DB7EA2D4}"/>
+              </a:ext>
+            </a:extLst>
+          </p:cNvPr>
+          <p:cNvGrpSpPr/>
+          <p:nvPr/>
+        </p:nvGrpSpPr>
+        <p:grpSpPr>
+          <a:xfrm>
+            <a:off x="8938320" y="2804220"/>
+            <a:ext cx="810720" cy="966735"/>
+            <a:chOff x="8938320" y="2804220"/>
+            <a:chExt cx="810720" cy="1699200"/>
+          </a:xfrm>
+        </p:grpSpPr>
+        <mc:AlternateContent xmlns:mc="http://schemas.openxmlformats.org/markup-compatibility/2006">
+          <mc:Choice xmlns:p14="http://schemas.microsoft.com/office/powerpoint/2010/main" Requires="p14">
+            <p:contentPart p14:bwMode="auto" r:id="rId12">
+              <p14:nvContentPartPr>
+                <p14:cNvPr id="16" name="Ink 15">
+                  <a:extLst>
+                    <a:ext uri="{FF2B5EF4-FFF2-40B4-BE49-F238E27FC236}">
+                      <a16:creationId xmlns:a16="http://schemas.microsoft.com/office/drawing/2014/main" id="{2BE6C8FF-ABC0-B0BF-7630-6F4F158156CA}"/>
+                    </a:ext>
+                  </a:extLst>
+                </p14:cNvPr>
+                <p14:cNvContentPartPr/>
+                <p14:nvPr/>
+              </p14:nvContentPartPr>
+              <p14:xfrm>
+                <a:off x="8938320" y="2804220"/>
+                <a:ext cx="587520" cy="1699200"/>
+              </p14:xfrm>
+            </p:contentPart>
+          </mc:Choice>
+          <mc:Fallback>
+            <p:pic>
+              <p:nvPicPr>
+                <p:cNvPr id="16" name="Ink 15">
+                  <a:extLst>
+                    <a:ext uri="{FF2B5EF4-FFF2-40B4-BE49-F238E27FC236}">
+                      <a16:creationId xmlns:a16="http://schemas.microsoft.com/office/drawing/2014/main" id="{2BE6C8FF-ABC0-B0BF-7630-6F4F158156CA}"/>
+                    </a:ext>
+                  </a:extLst>
+                </p:cNvPr>
+                <p:cNvPicPr/>
+                <p:nvPr/>
+              </p:nvPicPr>
+              <p:blipFill>
+                <a:blip r:embed="rId13"/>
+                <a:stretch>
+                  <a:fillRect/>
+                </a:stretch>
+              </p:blipFill>
+              <p:spPr>
+                <a:xfrm>
+                  <a:off x="8932200" y="2793466"/>
+                  <a:ext cx="599760" cy="1720709"/>
+                </a:xfrm>
+                <a:prstGeom prst="rect">
+                  <a:avLst/>
+                </a:prstGeom>
+              </p:spPr>
+            </p:pic>
+          </mc:Fallback>
+        </mc:AlternateContent>
+        <mc:AlternateContent xmlns:mc="http://schemas.openxmlformats.org/markup-compatibility/2006">
+          <mc:Choice xmlns:p14="http://schemas.microsoft.com/office/powerpoint/2010/main" Requires="p14">
+            <p:contentPart p14:bwMode="auto" r:id="rId14">
+              <p14:nvContentPartPr>
+                <p14:cNvPr id="17" name="Ink 16">
+                  <a:extLst>
+                    <a:ext uri="{FF2B5EF4-FFF2-40B4-BE49-F238E27FC236}">
+                      <a16:creationId xmlns:a16="http://schemas.microsoft.com/office/drawing/2014/main" id="{6919A8D9-78E7-C62A-2856-7D38275F69AA}"/>
+                    </a:ext>
+                  </a:extLst>
+                </p14:cNvPr>
+                <p14:cNvContentPartPr/>
+                <p14:nvPr/>
+              </p14:nvContentPartPr>
+              <p14:xfrm>
+                <a:off x="9525120" y="2826900"/>
+                <a:ext cx="223920" cy="103680"/>
+              </p14:xfrm>
+            </p:contentPart>
+          </mc:Choice>
+          <mc:Fallback>
+            <p:pic>
+              <p:nvPicPr>
+                <p:cNvPr id="17" name="Ink 16">
+                  <a:extLst>
+                    <a:ext uri="{FF2B5EF4-FFF2-40B4-BE49-F238E27FC236}">
+                      <a16:creationId xmlns:a16="http://schemas.microsoft.com/office/drawing/2014/main" id="{6919A8D9-78E7-C62A-2856-7D38275F69AA}"/>
+                    </a:ext>
+                  </a:extLst>
+                </p:cNvPr>
+                <p:cNvPicPr/>
+                <p:nvPr/>
+              </p:nvPicPr>
+              <p:blipFill>
+                <a:blip r:embed="rId15"/>
+                <a:stretch>
+                  <a:fillRect/>
+                </a:stretch>
+              </p:blipFill>
+              <p:spPr>
+                <a:xfrm>
+                  <a:off x="9519000" y="2815520"/>
+                  <a:ext cx="236160" cy="125175"/>
+                </a:xfrm>
+                <a:prstGeom prst="rect">
+                  <a:avLst/>
+                </a:prstGeom>
+              </p:spPr>
+            </p:pic>
+          </mc:Fallback>
+        </mc:AlternateContent>
+      </p:grpSp>
+      <p:pic>
+        <p:nvPicPr>
+          <p:cNvPr id="21" name="Picture 20">
+            <a:extLst>
+              <a:ext uri="{FF2B5EF4-FFF2-40B4-BE49-F238E27FC236}">
+                <a16:creationId xmlns:a16="http://schemas.microsoft.com/office/drawing/2014/main" id="{2F9B2B8D-4B90-00E3-10B6-C1507BA537AD}"/>
+              </a:ext>
+            </a:extLst>
+          </p:cNvPr>
+          <p:cNvPicPr>
+            <a:picLocks noChangeAspect="1"/>
+          </p:cNvPicPr>
+          <p:nvPr/>
+        </p:nvPicPr>
+        <p:blipFill>
+          <a:blip r:embed="rId16"/>
+          <a:stretch>
+            <a:fillRect/>
+          </a:stretch>
+        </p:blipFill>
+        <p:spPr>
+          <a:xfrm>
+            <a:off x="7085190" y="3520474"/>
+            <a:ext cx="4145584" cy="1496015"/>
+          </a:xfrm>
+          <a:prstGeom prst="rect">
+            <a:avLst/>
+          </a:prstGeom>
+        </p:spPr>
+      </p:pic>
+      <p:grpSp>
+        <p:nvGrpSpPr>
+          <p:cNvPr id="24" name="Group 23">
+            <a:extLst>
+              <a:ext uri="{FF2B5EF4-FFF2-40B4-BE49-F238E27FC236}">
+                <a16:creationId xmlns:a16="http://schemas.microsoft.com/office/drawing/2014/main" id="{14A4B780-8987-17D1-C36D-6A2E233DEDFF}"/>
+              </a:ext>
+            </a:extLst>
+          </p:cNvPr>
+          <p:cNvGrpSpPr/>
+          <p:nvPr/>
+        </p:nvGrpSpPr>
+        <p:grpSpPr>
+          <a:xfrm>
+            <a:off x="6263520" y="5470740"/>
+            <a:ext cx="503280" cy="310320"/>
+            <a:chOff x="6263520" y="5470740"/>
+            <a:chExt cx="503280" cy="310320"/>
+          </a:xfrm>
+        </p:grpSpPr>
+        <mc:AlternateContent xmlns:mc="http://schemas.openxmlformats.org/markup-compatibility/2006">
+          <mc:Choice xmlns:p14="http://schemas.microsoft.com/office/powerpoint/2010/main" Requires="p14">
+            <p:contentPart p14:bwMode="auto" r:id="rId17">
+              <p14:nvContentPartPr>
+                <p14:cNvPr id="22" name="Ink 21">
+                  <a:extLst>
+                    <a:ext uri="{FF2B5EF4-FFF2-40B4-BE49-F238E27FC236}">
+                      <a16:creationId xmlns:a16="http://schemas.microsoft.com/office/drawing/2014/main" id="{C723EDED-78F8-90ED-C9B6-3ECBF690C495}"/>
+                    </a:ext>
+                  </a:extLst>
+                </p14:cNvPr>
+                <p14:cNvContentPartPr/>
+                <p14:nvPr/>
+              </p14:nvContentPartPr>
+              <p14:xfrm>
+                <a:off x="6263520" y="5470740"/>
+                <a:ext cx="380520" cy="176040"/>
+              </p14:xfrm>
+            </p:contentPart>
+          </mc:Choice>
+          <mc:Fallback>
+            <p:pic>
+              <p:nvPicPr>
+                <p:cNvPr id="22" name="Ink 21">
+                  <a:extLst>
+                    <a:ext uri="{FF2B5EF4-FFF2-40B4-BE49-F238E27FC236}">
+                      <a16:creationId xmlns:a16="http://schemas.microsoft.com/office/drawing/2014/main" id="{C723EDED-78F8-90ED-C9B6-3ECBF690C495}"/>
+                    </a:ext>
+                  </a:extLst>
+                </p:cNvPr>
+                <p:cNvPicPr/>
+                <p:nvPr/>
+              </p:nvPicPr>
+              <p:blipFill>
+                <a:blip r:embed="rId18"/>
+                <a:stretch>
+                  <a:fillRect/>
+                </a:stretch>
+              </p:blipFill>
+              <p:spPr>
+                <a:xfrm>
+                  <a:off x="6257400" y="5464620"/>
+                  <a:ext cx="392760" cy="188280"/>
+                </a:xfrm>
+                <a:prstGeom prst="rect">
+                  <a:avLst/>
+                </a:prstGeom>
+              </p:spPr>
+            </p:pic>
+          </mc:Fallback>
+        </mc:AlternateContent>
+        <mc:AlternateContent xmlns:mc="http://schemas.openxmlformats.org/markup-compatibility/2006">
+          <mc:Choice xmlns:p14="http://schemas.microsoft.com/office/powerpoint/2010/main" Requires="p14">
+            <p:contentPart p14:bwMode="auto" r:id="rId19">
+              <p14:nvContentPartPr>
+                <p14:cNvPr id="23" name="Ink 22">
+                  <a:extLst>
+                    <a:ext uri="{FF2B5EF4-FFF2-40B4-BE49-F238E27FC236}">
+                      <a16:creationId xmlns:a16="http://schemas.microsoft.com/office/drawing/2014/main" id="{DE33EB41-9DBD-7D91-4127-44CBBC09274B}"/>
+                    </a:ext>
+                  </a:extLst>
+                </p14:cNvPr>
+                <p14:cNvContentPartPr/>
+                <p14:nvPr/>
+              </p14:nvContentPartPr>
+              <p14:xfrm>
+                <a:off x="6589320" y="5547420"/>
+                <a:ext cx="177480" cy="233640"/>
+              </p14:xfrm>
+            </p:contentPart>
+          </mc:Choice>
+          <mc:Fallback>
+            <p:pic>
+              <p:nvPicPr>
+                <p:cNvPr id="23" name="Ink 22">
+                  <a:extLst>
+                    <a:ext uri="{FF2B5EF4-FFF2-40B4-BE49-F238E27FC236}">
+                      <a16:creationId xmlns:a16="http://schemas.microsoft.com/office/drawing/2014/main" id="{DE33EB41-9DBD-7D91-4127-44CBBC09274B}"/>
+                    </a:ext>
+                  </a:extLst>
+                </p:cNvPr>
+                <p:cNvPicPr/>
+                <p:nvPr/>
+              </p:nvPicPr>
+              <p:blipFill>
+                <a:blip r:embed="rId20"/>
+                <a:stretch>
+                  <a:fillRect/>
+                </a:stretch>
+              </p:blipFill>
+              <p:spPr>
+                <a:xfrm>
+                  <a:off x="6583200" y="5540940"/>
+                  <a:ext cx="189720" cy="245880"/>
+                </a:xfrm>
+                <a:prstGeom prst="rect">
+                  <a:avLst/>
+                </a:prstGeom>
+              </p:spPr>
+            </p:pic>
+          </mc:Fallback>
+        </mc:AlternateContent>
+      </p:grpSp>
+      <p:grpSp>
+        <p:nvGrpSpPr>
+          <p:cNvPr id="27" name="Group 26">
+            <a:extLst>
+              <a:ext uri="{FF2B5EF4-FFF2-40B4-BE49-F238E27FC236}">
+                <a16:creationId xmlns:a16="http://schemas.microsoft.com/office/drawing/2014/main" id="{44BEF03E-3A40-4FA1-2466-009D869DE54F}"/>
+              </a:ext>
+            </a:extLst>
+          </p:cNvPr>
+          <p:cNvGrpSpPr/>
+          <p:nvPr/>
+        </p:nvGrpSpPr>
+        <p:grpSpPr>
+          <a:xfrm>
+            <a:off x="9030480" y="4687380"/>
+            <a:ext cx="531720" cy="540360"/>
+            <a:chOff x="9030480" y="4687380"/>
+            <a:chExt cx="531720" cy="540360"/>
+          </a:xfrm>
+        </p:grpSpPr>
+        <mc:AlternateContent xmlns:mc="http://schemas.openxmlformats.org/markup-compatibility/2006">
+          <mc:Choice xmlns:p14="http://schemas.microsoft.com/office/powerpoint/2010/main" Requires="p14">
+            <p:contentPart p14:bwMode="auto" r:id="rId21">
+              <p14:nvContentPartPr>
+                <p14:cNvPr id="25" name="Ink 24">
+                  <a:extLst>
+                    <a:ext uri="{FF2B5EF4-FFF2-40B4-BE49-F238E27FC236}">
+                      <a16:creationId xmlns:a16="http://schemas.microsoft.com/office/drawing/2014/main" id="{93B6A5AE-1063-1404-CB08-D1D0E1D63B86}"/>
+                    </a:ext>
+                  </a:extLst>
+                </p14:cNvPr>
+                <p14:cNvContentPartPr/>
+                <p14:nvPr/>
+              </p14:nvContentPartPr>
+              <p14:xfrm>
+                <a:off x="9030480" y="4687380"/>
+                <a:ext cx="243720" cy="540360"/>
+              </p14:xfrm>
+            </p:contentPart>
+          </mc:Choice>
+          <mc:Fallback>
+            <p:pic>
+              <p:nvPicPr>
+                <p:cNvPr id="25" name="Ink 24">
+                  <a:extLst>
+                    <a:ext uri="{FF2B5EF4-FFF2-40B4-BE49-F238E27FC236}">
+                      <a16:creationId xmlns:a16="http://schemas.microsoft.com/office/drawing/2014/main" id="{93B6A5AE-1063-1404-CB08-D1D0E1D63B86}"/>
+                    </a:ext>
+                  </a:extLst>
+                </p:cNvPr>
+                <p:cNvPicPr/>
+                <p:nvPr/>
+              </p:nvPicPr>
+              <p:blipFill>
+                <a:blip r:embed="rId22"/>
+                <a:stretch>
+                  <a:fillRect/>
+                </a:stretch>
+              </p:blipFill>
+              <p:spPr>
+                <a:xfrm>
+                  <a:off x="9024360" y="4681260"/>
+                  <a:ext cx="255960" cy="552600"/>
+                </a:xfrm>
+                <a:prstGeom prst="rect">
+                  <a:avLst/>
+                </a:prstGeom>
+              </p:spPr>
+            </p:pic>
+          </mc:Fallback>
+        </mc:AlternateContent>
+        <mc:AlternateContent xmlns:mc="http://schemas.openxmlformats.org/markup-compatibility/2006">
+          <mc:Choice xmlns:p14="http://schemas.microsoft.com/office/powerpoint/2010/main" Requires="p14">
+            <p:contentPart p14:bwMode="auto" r:id="rId23">
+              <p14:nvContentPartPr>
+                <p14:cNvPr id="26" name="Ink 25">
+                  <a:extLst>
+                    <a:ext uri="{FF2B5EF4-FFF2-40B4-BE49-F238E27FC236}">
+                      <a16:creationId xmlns:a16="http://schemas.microsoft.com/office/drawing/2014/main" id="{0B228940-9E8C-8C5C-3DCA-3DBE3B65516C}"/>
+                    </a:ext>
+                  </a:extLst>
+                </p14:cNvPr>
+                <p14:cNvContentPartPr/>
+                <p14:nvPr/>
+              </p14:nvContentPartPr>
+              <p14:xfrm>
+                <a:off x="9258360" y="4739220"/>
+                <a:ext cx="303840" cy="92160"/>
+              </p14:xfrm>
+            </p:contentPart>
+          </mc:Choice>
+          <mc:Fallback>
+            <p:pic>
+              <p:nvPicPr>
+                <p:cNvPr id="26" name="Ink 25">
+                  <a:extLst>
+                    <a:ext uri="{FF2B5EF4-FFF2-40B4-BE49-F238E27FC236}">
+                      <a16:creationId xmlns:a16="http://schemas.microsoft.com/office/drawing/2014/main" id="{0B228940-9E8C-8C5C-3DCA-3DBE3B65516C}"/>
+                    </a:ext>
+                  </a:extLst>
+                </p:cNvPr>
+                <p:cNvPicPr/>
+                <p:nvPr/>
+              </p:nvPicPr>
+              <p:blipFill>
+                <a:blip r:embed="rId24"/>
+                <a:stretch>
+                  <a:fillRect/>
+                </a:stretch>
+              </p:blipFill>
+              <p:spPr>
+                <a:xfrm>
+                  <a:off x="9252240" y="4733100"/>
+                  <a:ext cx="316080" cy="104400"/>
+                </a:xfrm>
+                <a:prstGeom prst="rect">
+                  <a:avLst/>
+                </a:prstGeom>
+              </p:spPr>
+            </p:pic>
+          </mc:Fallback>
+        </mc:AlternateContent>
+      </p:grpSp>
     </p:spTree>
     <p:extLst>
       <p:ext uri="{BB962C8B-B14F-4D97-AF65-F5344CB8AC3E}">
